--- a/docs/Hashicorp-Vault.pptx
+++ b/docs/Hashicorp-Vault.pptx
@@ -7,7 +7,10 @@
   <p:sldIdLst>
     <p:sldId id="257" r:id="rId5"/>
     <p:sldId id="259" r:id="rId6"/>
-    <p:sldId id="258" r:id="rId7"/>
+    <p:sldId id="260" r:id="rId7"/>
+    <p:sldId id="261" r:id="rId8"/>
+    <p:sldId id="262" r:id="rId9"/>
+    <p:sldId id="263" r:id="rId10"/>
   </p:sldIdLst>
   <p:sldSz cx="12192000" cy="6858000"/>
   <p:notesSz cx="6858000" cy="9144000"/>
@@ -112,3641 +115,6 @@
     </p:ext>
   </p:extLst>
 </p:presentation>
-</file>
-
-<file path=ppt/diagrams/colors1.xml><?xml version="1.0" encoding="utf-8"?>
-<dgm:colorsDef xmlns:dgm="http://schemas.openxmlformats.org/drawingml/2006/diagram" xmlns:a="http://schemas.openxmlformats.org/drawingml/2006/main" uniqueId="urn:microsoft.com/office/officeart/2005/8/colors/accent1_3">
-  <dgm:title val=""/>
-  <dgm:desc val=""/>
-  <dgm:catLst>
-    <dgm:cat type="accent1" pri="11300"/>
-  </dgm:catLst>
-  <dgm:styleLbl name="node0">
-    <dgm:fillClrLst meth="repeat">
-      <a:schemeClr val="accent1">
-        <a:shade val="80000"/>
-      </a:schemeClr>
-    </dgm:fillClrLst>
-    <dgm:linClrLst meth="repeat">
-      <a:schemeClr val="lt1"/>
-    </dgm:linClrLst>
-    <dgm:effectClrLst/>
-    <dgm:txLinClrLst/>
-    <dgm:txFillClrLst/>
-    <dgm:txEffectClrLst/>
-  </dgm:styleLbl>
-  <dgm:styleLbl name="alignNode1">
-    <dgm:fillClrLst>
-      <a:schemeClr val="accent1">
-        <a:shade val="80000"/>
-      </a:schemeClr>
-      <a:schemeClr val="accent1">
-        <a:tint val="70000"/>
-      </a:schemeClr>
-    </dgm:fillClrLst>
-    <dgm:linClrLst>
-      <a:schemeClr val="accent1">
-        <a:shade val="80000"/>
-      </a:schemeClr>
-      <a:schemeClr val="accent1">
-        <a:tint val="70000"/>
-      </a:schemeClr>
-    </dgm:linClrLst>
-    <dgm:effectClrLst/>
-    <dgm:txLinClrLst/>
-    <dgm:txFillClrLst/>
-    <dgm:txEffectClrLst/>
-  </dgm:styleLbl>
-  <dgm:styleLbl name="node1">
-    <dgm:fillClrLst>
-      <a:schemeClr val="accent1">
-        <a:shade val="80000"/>
-      </a:schemeClr>
-      <a:schemeClr val="accent1">
-        <a:tint val="70000"/>
-      </a:schemeClr>
-    </dgm:fillClrLst>
-    <dgm:linClrLst meth="repeat">
-      <a:schemeClr val="lt1"/>
-    </dgm:linClrLst>
-    <dgm:effectClrLst/>
-    <dgm:txLinClrLst/>
-    <dgm:txFillClrLst/>
-    <dgm:txEffectClrLst/>
-  </dgm:styleLbl>
-  <dgm:styleLbl name="lnNode1">
-    <dgm:fillClrLst>
-      <a:schemeClr val="accent1">
-        <a:shade val="80000"/>
-      </a:schemeClr>
-      <a:schemeClr val="accent1">
-        <a:tint val="70000"/>
-      </a:schemeClr>
-    </dgm:fillClrLst>
-    <dgm:linClrLst meth="repeat">
-      <a:schemeClr val="lt1"/>
-    </dgm:linClrLst>
-    <dgm:effectClrLst/>
-    <dgm:txLinClrLst/>
-    <dgm:txFillClrLst/>
-    <dgm:txEffectClrLst/>
-  </dgm:styleLbl>
-  <dgm:styleLbl name="vennNode1">
-    <dgm:fillClrLst>
-      <a:schemeClr val="accent1">
-        <a:shade val="80000"/>
-        <a:alpha val="50000"/>
-      </a:schemeClr>
-      <a:schemeClr val="accent1">
-        <a:tint val="70000"/>
-        <a:alpha val="50000"/>
-      </a:schemeClr>
-    </dgm:fillClrLst>
-    <dgm:linClrLst meth="repeat">
-      <a:schemeClr val="lt1"/>
-    </dgm:linClrLst>
-    <dgm:effectClrLst/>
-    <dgm:txLinClrLst/>
-    <dgm:txFillClrLst/>
-    <dgm:txEffectClrLst/>
-  </dgm:styleLbl>
-  <dgm:styleLbl name="node2">
-    <dgm:fillClrLst>
-      <a:schemeClr val="accent1">
-        <a:tint val="99000"/>
-      </a:schemeClr>
-    </dgm:fillClrLst>
-    <dgm:linClrLst meth="repeat">
-      <a:schemeClr val="lt1"/>
-    </dgm:linClrLst>
-    <dgm:effectClrLst/>
-    <dgm:txLinClrLst/>
-    <dgm:txFillClrLst/>
-    <dgm:txEffectClrLst/>
-  </dgm:styleLbl>
-  <dgm:styleLbl name="node3">
-    <dgm:fillClrLst>
-      <a:schemeClr val="accent1">
-        <a:tint val="80000"/>
-      </a:schemeClr>
-    </dgm:fillClrLst>
-    <dgm:linClrLst meth="repeat">
-      <a:schemeClr val="lt1"/>
-    </dgm:linClrLst>
-    <dgm:effectClrLst/>
-    <dgm:txLinClrLst/>
-    <dgm:txFillClrLst/>
-    <dgm:txEffectClrLst/>
-  </dgm:styleLbl>
-  <dgm:styleLbl name="node4">
-    <dgm:fillClrLst>
-      <a:schemeClr val="accent1">
-        <a:tint val="70000"/>
-      </a:schemeClr>
-    </dgm:fillClrLst>
-    <dgm:linClrLst meth="repeat">
-      <a:schemeClr val="lt1"/>
-    </dgm:linClrLst>
-    <dgm:effectClrLst/>
-    <dgm:txLinClrLst/>
-    <dgm:txFillClrLst/>
-    <dgm:txEffectClrLst/>
-  </dgm:styleLbl>
-  <dgm:styleLbl name="fgImgPlace1">
-    <dgm:fillClrLst>
-      <a:schemeClr val="accent1">
-        <a:tint val="50000"/>
-      </a:schemeClr>
-      <a:schemeClr val="accent1">
-        <a:tint val="20000"/>
-      </a:schemeClr>
-    </dgm:fillClrLst>
-    <dgm:linClrLst meth="repeat">
-      <a:schemeClr val="lt1"/>
-    </dgm:linClrLst>
-    <dgm:effectClrLst/>
-    <dgm:txLinClrLst/>
-    <dgm:txFillClrLst meth="repeat">
-      <a:schemeClr val="lt1"/>
-    </dgm:txFillClrLst>
-    <dgm:txEffectClrLst/>
-  </dgm:styleLbl>
-  <dgm:styleLbl name="alignImgPlace1">
-    <dgm:fillClrLst>
-      <a:schemeClr val="accent1">
-        <a:tint val="50000"/>
-      </a:schemeClr>
-      <a:schemeClr val="accent1">
-        <a:tint val="20000"/>
-      </a:schemeClr>
-    </dgm:fillClrLst>
-    <dgm:linClrLst meth="repeat">
-      <a:schemeClr val="lt1"/>
-    </dgm:linClrLst>
-    <dgm:effectClrLst/>
-    <dgm:txLinClrLst/>
-    <dgm:txFillClrLst meth="repeat">
-      <a:schemeClr val="lt1"/>
-    </dgm:txFillClrLst>
-    <dgm:txEffectClrLst/>
-  </dgm:styleLbl>
-  <dgm:styleLbl name="bgImgPlace1">
-    <dgm:fillClrLst>
-      <a:schemeClr val="accent1">
-        <a:tint val="50000"/>
-      </a:schemeClr>
-      <a:schemeClr val="accent1">
-        <a:tint val="20000"/>
-      </a:schemeClr>
-    </dgm:fillClrLst>
-    <dgm:linClrLst meth="repeat">
-      <a:schemeClr val="lt1"/>
-    </dgm:linClrLst>
-    <dgm:effectClrLst/>
-    <dgm:txLinClrLst/>
-    <dgm:txFillClrLst meth="repeat">
-      <a:schemeClr val="lt1"/>
-    </dgm:txFillClrLst>
-    <dgm:txEffectClrLst/>
-  </dgm:styleLbl>
-  <dgm:styleLbl name="sibTrans2D1">
-    <dgm:fillClrLst>
-      <a:schemeClr val="accent1">
-        <a:shade val="90000"/>
-      </a:schemeClr>
-      <a:schemeClr val="accent1">
-        <a:tint val="70000"/>
-      </a:schemeClr>
-    </dgm:fillClrLst>
-    <dgm:linClrLst>
-      <a:schemeClr val="accent1">
-        <a:shade val="90000"/>
-      </a:schemeClr>
-      <a:schemeClr val="accent1">
-        <a:tint val="70000"/>
-      </a:schemeClr>
-    </dgm:linClrLst>
-    <dgm:effectClrLst/>
-    <dgm:txLinClrLst/>
-    <dgm:txFillClrLst/>
-    <dgm:txEffectClrLst/>
-  </dgm:styleLbl>
-  <dgm:styleLbl name="fgSibTrans2D1">
-    <dgm:fillClrLst>
-      <a:schemeClr val="accent1">
-        <a:shade val="90000"/>
-      </a:schemeClr>
-      <a:schemeClr val="accent1">
-        <a:tint val="70000"/>
-      </a:schemeClr>
-    </dgm:fillClrLst>
-    <dgm:linClrLst>
-      <a:schemeClr val="accent1">
-        <a:shade val="90000"/>
-      </a:schemeClr>
-      <a:schemeClr val="accent1">
-        <a:tint val="70000"/>
-      </a:schemeClr>
-    </dgm:linClrLst>
-    <dgm:effectClrLst/>
-    <dgm:txLinClrLst/>
-    <dgm:txFillClrLst meth="repeat">
-      <a:schemeClr val="lt1"/>
-    </dgm:txFillClrLst>
-    <dgm:txEffectClrLst/>
-  </dgm:styleLbl>
-  <dgm:styleLbl name="bgSibTrans2D1">
-    <dgm:fillClrLst>
-      <a:schemeClr val="accent1">
-        <a:shade val="90000"/>
-      </a:schemeClr>
-      <a:schemeClr val="accent1">
-        <a:tint val="70000"/>
-      </a:schemeClr>
-    </dgm:fillClrLst>
-    <dgm:linClrLst>
-      <a:schemeClr val="accent1">
-        <a:shade val="90000"/>
-      </a:schemeClr>
-      <a:schemeClr val="accent1">
-        <a:tint val="70000"/>
-      </a:schemeClr>
-    </dgm:linClrLst>
-    <dgm:effectClrLst/>
-    <dgm:txLinClrLst/>
-    <dgm:txFillClrLst meth="repeat">
-      <a:schemeClr val="lt1"/>
-    </dgm:txFillClrLst>
-    <dgm:txEffectClrLst/>
-  </dgm:styleLbl>
-  <dgm:styleLbl name="sibTrans1D1">
-    <dgm:fillClrLst>
-      <a:schemeClr val="accent1">
-        <a:shade val="90000"/>
-      </a:schemeClr>
-      <a:schemeClr val="accent1">
-        <a:tint val="70000"/>
-      </a:schemeClr>
-    </dgm:fillClrLst>
-    <dgm:linClrLst>
-      <a:schemeClr val="accent1">
-        <a:shade val="90000"/>
-      </a:schemeClr>
-      <a:schemeClr val="accent1">
-        <a:tint val="70000"/>
-      </a:schemeClr>
-    </dgm:linClrLst>
-    <dgm:effectClrLst/>
-    <dgm:txLinClrLst/>
-    <dgm:txFillClrLst meth="repeat">
-      <a:schemeClr val="tx1"/>
-    </dgm:txFillClrLst>
-    <dgm:txEffectClrLst/>
-  </dgm:styleLbl>
-  <dgm:styleLbl name="callout">
-    <dgm:fillClrLst meth="repeat">
-      <a:schemeClr val="accent1"/>
-    </dgm:fillClrLst>
-    <dgm:linClrLst meth="repeat">
-      <a:schemeClr val="accent1"/>
-    </dgm:linClrLst>
-    <dgm:effectClrLst/>
-    <dgm:txLinClrLst/>
-    <dgm:txFillClrLst meth="repeat">
-      <a:schemeClr val="tx1"/>
-    </dgm:txFillClrLst>
-    <dgm:txEffectClrLst/>
-  </dgm:styleLbl>
-  <dgm:styleLbl name="asst0">
-    <dgm:fillClrLst meth="repeat">
-      <a:schemeClr val="accent1">
-        <a:shade val="80000"/>
-      </a:schemeClr>
-    </dgm:fillClrLst>
-    <dgm:linClrLst meth="repeat">
-      <a:schemeClr val="lt1"/>
-    </dgm:linClrLst>
-    <dgm:effectClrLst/>
-    <dgm:txLinClrLst/>
-    <dgm:txFillClrLst/>
-    <dgm:txEffectClrLst/>
-  </dgm:styleLbl>
-  <dgm:styleLbl name="asst1">
-    <dgm:fillClrLst meth="repeat">
-      <a:schemeClr val="accent1">
-        <a:shade val="80000"/>
-      </a:schemeClr>
-    </dgm:fillClrLst>
-    <dgm:linClrLst meth="repeat">
-      <a:schemeClr val="lt1"/>
-    </dgm:linClrLst>
-    <dgm:effectClrLst/>
-    <dgm:txLinClrLst/>
-    <dgm:txFillClrLst/>
-    <dgm:txEffectClrLst/>
-  </dgm:styleLbl>
-  <dgm:styleLbl name="asst2">
-    <dgm:fillClrLst>
-      <a:schemeClr val="accent1">
-        <a:tint val="99000"/>
-      </a:schemeClr>
-    </dgm:fillClrLst>
-    <dgm:linClrLst meth="repeat">
-      <a:schemeClr val="lt1"/>
-    </dgm:linClrLst>
-    <dgm:effectClrLst/>
-    <dgm:txLinClrLst/>
-    <dgm:txFillClrLst/>
-    <dgm:txEffectClrLst/>
-  </dgm:styleLbl>
-  <dgm:styleLbl name="asst3">
-    <dgm:fillClrLst>
-      <a:schemeClr val="accent1">
-        <a:tint val="80000"/>
-      </a:schemeClr>
-    </dgm:fillClrLst>
-    <dgm:linClrLst meth="repeat">
-      <a:schemeClr val="lt1"/>
-    </dgm:linClrLst>
-    <dgm:effectClrLst/>
-    <dgm:txLinClrLst/>
-    <dgm:txFillClrLst/>
-    <dgm:txEffectClrLst/>
-  </dgm:styleLbl>
-  <dgm:styleLbl name="asst4">
-    <dgm:fillClrLst>
-      <a:schemeClr val="accent1">
-        <a:tint val="70000"/>
-      </a:schemeClr>
-    </dgm:fillClrLst>
-    <dgm:linClrLst meth="repeat">
-      <a:schemeClr val="lt1"/>
-    </dgm:linClrLst>
-    <dgm:effectClrLst/>
-    <dgm:txLinClrLst/>
-    <dgm:txFillClrLst/>
-    <dgm:txEffectClrLst/>
-  </dgm:styleLbl>
-  <dgm:styleLbl name="parChTrans2D1">
-    <dgm:fillClrLst meth="repeat">
-      <a:schemeClr val="accent1">
-        <a:tint val="60000"/>
-      </a:schemeClr>
-    </dgm:fillClrLst>
-    <dgm:linClrLst meth="repeat">
-      <a:schemeClr val="accent1">
-        <a:tint val="60000"/>
-      </a:schemeClr>
-    </dgm:linClrLst>
-    <dgm:effectClrLst/>
-    <dgm:txLinClrLst/>
-    <dgm:txFillClrLst meth="repeat">
-      <a:schemeClr val="lt1"/>
-    </dgm:txFillClrLst>
-    <dgm:txEffectClrLst/>
-  </dgm:styleLbl>
-  <dgm:styleLbl name="parChTrans2D2">
-    <dgm:fillClrLst meth="repeat">
-      <a:schemeClr val="accent1">
-        <a:tint val="90000"/>
-      </a:schemeClr>
-    </dgm:fillClrLst>
-    <dgm:linClrLst meth="repeat">
-      <a:schemeClr val="accent1">
-        <a:tint val="90000"/>
-      </a:schemeClr>
-    </dgm:linClrLst>
-    <dgm:effectClrLst/>
-    <dgm:txLinClrLst/>
-    <dgm:txFillClrLst/>
-    <dgm:txEffectClrLst/>
-  </dgm:styleLbl>
-  <dgm:styleLbl name="parChTrans2D3">
-    <dgm:fillClrLst meth="repeat">
-      <a:schemeClr val="accent1">
-        <a:tint val="70000"/>
-      </a:schemeClr>
-    </dgm:fillClrLst>
-    <dgm:linClrLst meth="repeat">
-      <a:schemeClr val="accent1">
-        <a:tint val="70000"/>
-      </a:schemeClr>
-    </dgm:linClrLst>
-    <dgm:effectClrLst/>
-    <dgm:txLinClrLst/>
-    <dgm:txFillClrLst/>
-    <dgm:txEffectClrLst/>
-  </dgm:styleLbl>
-  <dgm:styleLbl name="parChTrans2D4">
-    <dgm:fillClrLst meth="repeat">
-      <a:schemeClr val="accent1">
-        <a:tint val="50000"/>
-      </a:schemeClr>
-    </dgm:fillClrLst>
-    <dgm:linClrLst meth="repeat">
-      <a:schemeClr val="accent1">
-        <a:tint val="50000"/>
-      </a:schemeClr>
-    </dgm:linClrLst>
-    <dgm:effectClrLst/>
-    <dgm:txLinClrLst/>
-    <dgm:txFillClrLst meth="repeat">
-      <a:schemeClr val="lt1"/>
-    </dgm:txFillClrLst>
-    <dgm:txEffectClrLst/>
-  </dgm:styleLbl>
-  <dgm:styleLbl name="parChTrans1D1">
-    <dgm:fillClrLst meth="repeat">
-      <a:schemeClr val="accent1">
-        <a:shade val="80000"/>
-      </a:schemeClr>
-    </dgm:fillClrLst>
-    <dgm:linClrLst meth="repeat">
-      <a:schemeClr val="accent1">
-        <a:shade val="80000"/>
-      </a:schemeClr>
-    </dgm:linClrLst>
-    <dgm:effectClrLst/>
-    <dgm:txLinClrLst/>
-    <dgm:txFillClrLst meth="repeat">
-      <a:schemeClr val="tx1"/>
-    </dgm:txFillClrLst>
-    <dgm:txEffectClrLst/>
-  </dgm:styleLbl>
-  <dgm:styleLbl name="parChTrans1D2">
-    <dgm:fillClrLst meth="repeat">
-      <a:schemeClr val="accent1">
-        <a:tint val="99000"/>
-      </a:schemeClr>
-    </dgm:fillClrLst>
-    <dgm:linClrLst meth="repeat">
-      <a:schemeClr val="accent1">
-        <a:tint val="99000"/>
-      </a:schemeClr>
-    </dgm:linClrLst>
-    <dgm:effectClrLst/>
-    <dgm:txLinClrLst/>
-    <dgm:txFillClrLst meth="repeat">
-      <a:schemeClr val="tx1"/>
-    </dgm:txFillClrLst>
-    <dgm:txEffectClrLst/>
-  </dgm:styleLbl>
-  <dgm:styleLbl name="parChTrans1D3">
-    <dgm:fillClrLst meth="repeat">
-      <a:schemeClr val="accent1">
-        <a:tint val="80000"/>
-      </a:schemeClr>
-    </dgm:fillClrLst>
-    <dgm:linClrLst meth="repeat">
-      <a:schemeClr val="accent1">
-        <a:tint val="80000"/>
-      </a:schemeClr>
-    </dgm:linClrLst>
-    <dgm:effectClrLst/>
-    <dgm:txLinClrLst/>
-    <dgm:txFillClrLst meth="repeat">
-      <a:schemeClr val="tx1"/>
-    </dgm:txFillClrLst>
-    <dgm:txEffectClrLst/>
-  </dgm:styleLbl>
-  <dgm:styleLbl name="parChTrans1D4">
-    <dgm:fillClrLst meth="repeat">
-      <a:schemeClr val="accent1">
-        <a:tint val="70000"/>
-      </a:schemeClr>
-    </dgm:fillClrLst>
-    <dgm:linClrLst meth="repeat">
-      <a:schemeClr val="accent1">
-        <a:tint val="70000"/>
-      </a:schemeClr>
-    </dgm:linClrLst>
-    <dgm:effectClrLst/>
-    <dgm:txLinClrLst/>
-    <dgm:txFillClrLst meth="repeat">
-      <a:schemeClr val="tx1"/>
-    </dgm:txFillClrLst>
-    <dgm:txEffectClrLst/>
-  </dgm:styleLbl>
-  <dgm:styleLbl name="fgAcc1">
-    <dgm:fillClrLst meth="repeat">
-      <a:schemeClr val="lt1">
-        <a:alpha val="90000"/>
-      </a:schemeClr>
-    </dgm:fillClrLst>
-    <dgm:linClrLst>
-      <a:schemeClr val="accent1">
-        <a:shade val="80000"/>
-      </a:schemeClr>
-      <a:schemeClr val="accent1">
-        <a:tint val="70000"/>
-      </a:schemeClr>
-    </dgm:linClrLst>
-    <dgm:effectClrLst/>
-    <dgm:txLinClrLst/>
-    <dgm:txFillClrLst meth="repeat">
-      <a:schemeClr val="dk1"/>
-    </dgm:txFillClrLst>
-    <dgm:txEffectClrLst/>
-  </dgm:styleLbl>
-  <dgm:styleLbl name="conFgAcc1">
-    <dgm:fillClrLst meth="repeat">
-      <a:schemeClr val="lt1">
-        <a:alpha val="90000"/>
-      </a:schemeClr>
-    </dgm:fillClrLst>
-    <dgm:linClrLst>
-      <a:schemeClr val="accent1">
-        <a:shade val="80000"/>
-      </a:schemeClr>
-      <a:schemeClr val="accent1">
-        <a:tint val="70000"/>
-      </a:schemeClr>
-    </dgm:linClrLst>
-    <dgm:effectClrLst/>
-    <dgm:txLinClrLst/>
-    <dgm:txFillClrLst meth="repeat">
-      <a:schemeClr val="dk1"/>
-    </dgm:txFillClrLst>
-    <dgm:txEffectClrLst/>
-  </dgm:styleLbl>
-  <dgm:styleLbl name="alignAcc1">
-    <dgm:fillClrLst meth="repeat">
-      <a:schemeClr val="lt1">
-        <a:alpha val="90000"/>
-      </a:schemeClr>
-    </dgm:fillClrLst>
-    <dgm:linClrLst>
-      <a:schemeClr val="accent1">
-        <a:shade val="80000"/>
-      </a:schemeClr>
-      <a:schemeClr val="accent1">
-        <a:tint val="70000"/>
-      </a:schemeClr>
-    </dgm:linClrLst>
-    <dgm:effectClrLst/>
-    <dgm:txLinClrLst/>
-    <dgm:txFillClrLst meth="repeat">
-      <a:schemeClr val="dk1"/>
-    </dgm:txFillClrLst>
-    <dgm:txEffectClrLst/>
-  </dgm:styleLbl>
-  <dgm:styleLbl name="trAlignAcc1">
-    <dgm:fillClrLst meth="repeat">
-      <a:schemeClr val="lt1">
-        <a:alpha val="40000"/>
-      </a:schemeClr>
-    </dgm:fillClrLst>
-    <dgm:linClrLst meth="repeat">
-      <a:schemeClr val="accent1"/>
-    </dgm:linClrLst>
-    <dgm:effectClrLst/>
-    <dgm:txLinClrLst/>
-    <dgm:txFillClrLst meth="repeat">
-      <a:schemeClr val="dk1"/>
-    </dgm:txFillClrLst>
-    <dgm:txEffectClrLst/>
-  </dgm:styleLbl>
-  <dgm:styleLbl name="bgAcc1">
-    <dgm:fillClrLst meth="repeat">
-      <a:schemeClr val="lt1">
-        <a:alpha val="90000"/>
-      </a:schemeClr>
-    </dgm:fillClrLst>
-    <dgm:linClrLst>
-      <a:schemeClr val="accent1">
-        <a:shade val="80000"/>
-      </a:schemeClr>
-      <a:schemeClr val="accent1">
-        <a:tint val="70000"/>
-      </a:schemeClr>
-    </dgm:linClrLst>
-    <dgm:effectClrLst/>
-    <dgm:txLinClrLst/>
-    <dgm:txFillClrLst meth="repeat">
-      <a:schemeClr val="dk1"/>
-    </dgm:txFillClrLst>
-    <dgm:txEffectClrLst/>
-  </dgm:styleLbl>
-  <dgm:styleLbl name="solidFgAcc1">
-    <dgm:fillClrLst meth="repeat">
-      <a:schemeClr val="lt1"/>
-    </dgm:fillClrLst>
-    <dgm:linClrLst>
-      <a:schemeClr val="accent1">
-        <a:shade val="80000"/>
-      </a:schemeClr>
-      <a:schemeClr val="accent1">
-        <a:tint val="70000"/>
-      </a:schemeClr>
-    </dgm:linClrLst>
-    <dgm:effectClrLst/>
-    <dgm:txLinClrLst/>
-    <dgm:txFillClrLst meth="repeat">
-      <a:schemeClr val="dk1"/>
-    </dgm:txFillClrLst>
-    <dgm:txEffectClrLst/>
-  </dgm:styleLbl>
-  <dgm:styleLbl name="solidAlignAcc1">
-    <dgm:fillClrLst meth="repeat">
-      <a:schemeClr val="lt1"/>
-    </dgm:fillClrLst>
-    <dgm:linClrLst meth="repeat">
-      <a:schemeClr val="accent1"/>
-    </dgm:linClrLst>
-    <dgm:effectClrLst/>
-    <dgm:txLinClrLst/>
-    <dgm:txFillClrLst meth="repeat">
-      <a:schemeClr val="dk1"/>
-    </dgm:txFillClrLst>
-    <dgm:txEffectClrLst/>
-  </dgm:styleLbl>
-  <dgm:styleLbl name="solidBgAcc1">
-    <dgm:fillClrLst meth="repeat">
-      <a:schemeClr val="lt1"/>
-    </dgm:fillClrLst>
-    <dgm:linClrLst meth="repeat">
-      <a:schemeClr val="accent1"/>
-    </dgm:linClrLst>
-    <dgm:effectClrLst/>
-    <dgm:txLinClrLst/>
-    <dgm:txFillClrLst meth="repeat">
-      <a:schemeClr val="dk1"/>
-    </dgm:txFillClrLst>
-    <dgm:txEffectClrLst/>
-  </dgm:styleLbl>
-  <dgm:styleLbl name="fgAccFollowNode1">
-    <dgm:fillClrLst meth="repeat">
-      <a:schemeClr val="accent1">
-        <a:alpha val="90000"/>
-        <a:tint val="40000"/>
-      </a:schemeClr>
-    </dgm:fillClrLst>
-    <dgm:linClrLst meth="repeat">
-      <a:schemeClr val="accent1">
-        <a:alpha val="90000"/>
-        <a:tint val="40000"/>
-      </a:schemeClr>
-    </dgm:linClrLst>
-    <dgm:effectClrLst/>
-    <dgm:txLinClrLst/>
-    <dgm:txFillClrLst meth="repeat">
-      <a:schemeClr val="dk1"/>
-    </dgm:txFillClrLst>
-    <dgm:txEffectClrLst/>
-  </dgm:styleLbl>
-  <dgm:styleLbl name="alignAccFollowNode1">
-    <dgm:fillClrLst meth="repeat">
-      <a:schemeClr val="accent1">
-        <a:alpha val="90000"/>
-        <a:tint val="40000"/>
-      </a:schemeClr>
-    </dgm:fillClrLst>
-    <dgm:linClrLst meth="repeat">
-      <a:schemeClr val="accent1">
-        <a:alpha val="90000"/>
-        <a:tint val="40000"/>
-      </a:schemeClr>
-    </dgm:linClrLst>
-    <dgm:effectClrLst/>
-    <dgm:txLinClrLst/>
-    <dgm:txFillClrLst meth="repeat">
-      <a:schemeClr val="dk1"/>
-    </dgm:txFillClrLst>
-    <dgm:txEffectClrLst/>
-  </dgm:styleLbl>
-  <dgm:styleLbl name="bgAccFollowNode1">
-    <dgm:fillClrLst meth="repeat">
-      <a:schemeClr val="accent1">
-        <a:alpha val="90000"/>
-        <a:tint val="40000"/>
-      </a:schemeClr>
-    </dgm:fillClrLst>
-    <dgm:linClrLst meth="repeat">
-      <a:schemeClr val="lt1"/>
-    </dgm:linClrLst>
-    <dgm:effectClrLst/>
-    <dgm:txLinClrLst/>
-    <dgm:txFillClrLst meth="repeat">
-      <a:schemeClr val="dk1"/>
-    </dgm:txFillClrLst>
-    <dgm:txEffectClrLst/>
-  </dgm:styleLbl>
-  <dgm:styleLbl name="fgAcc0">
-    <dgm:fillClrLst meth="repeat">
-      <a:schemeClr val="lt1">
-        <a:alpha val="90000"/>
-      </a:schemeClr>
-    </dgm:fillClrLst>
-    <dgm:linClrLst meth="repeat">
-      <a:schemeClr val="accent1">
-        <a:shade val="80000"/>
-      </a:schemeClr>
-    </dgm:linClrLst>
-    <dgm:effectClrLst/>
-    <dgm:txLinClrLst/>
-    <dgm:txFillClrLst meth="repeat">
-      <a:schemeClr val="dk1"/>
-    </dgm:txFillClrLst>
-    <dgm:txEffectClrLst/>
-  </dgm:styleLbl>
-  <dgm:styleLbl name="fgAcc2">
-    <dgm:fillClrLst meth="repeat">
-      <a:schemeClr val="lt1">
-        <a:alpha val="90000"/>
-      </a:schemeClr>
-    </dgm:fillClrLst>
-    <dgm:linClrLst meth="repeat">
-      <a:schemeClr val="accent1">
-        <a:tint val="99000"/>
-      </a:schemeClr>
-    </dgm:linClrLst>
-    <dgm:effectClrLst/>
-    <dgm:txLinClrLst/>
-    <dgm:txFillClrLst meth="repeat">
-      <a:schemeClr val="dk1"/>
-    </dgm:txFillClrLst>
-    <dgm:txEffectClrLst/>
-  </dgm:styleLbl>
-  <dgm:styleLbl name="fgAcc3">
-    <dgm:fillClrLst meth="repeat">
-      <a:schemeClr val="lt1">
-        <a:alpha val="90000"/>
-      </a:schemeClr>
-    </dgm:fillClrLst>
-    <dgm:linClrLst meth="repeat">
-      <a:schemeClr val="accent1">
-        <a:tint val="80000"/>
-      </a:schemeClr>
-    </dgm:linClrLst>
-    <dgm:effectClrLst/>
-    <dgm:txLinClrLst/>
-    <dgm:txFillClrLst meth="repeat">
-      <a:schemeClr val="dk1"/>
-    </dgm:txFillClrLst>
-    <dgm:txEffectClrLst/>
-  </dgm:styleLbl>
-  <dgm:styleLbl name="fgAcc4">
-    <dgm:fillClrLst meth="repeat">
-      <a:schemeClr val="lt1">
-        <a:alpha val="90000"/>
-      </a:schemeClr>
-    </dgm:fillClrLst>
-    <dgm:linClrLst meth="repeat">
-      <a:schemeClr val="accent1">
-        <a:tint val="70000"/>
-      </a:schemeClr>
-    </dgm:linClrLst>
-    <dgm:effectClrLst/>
-    <dgm:txLinClrLst/>
-    <dgm:txFillClrLst meth="repeat">
-      <a:schemeClr val="dk1"/>
-    </dgm:txFillClrLst>
-    <dgm:txEffectClrLst/>
-  </dgm:styleLbl>
-  <dgm:styleLbl name="bgShp">
-    <dgm:fillClrLst meth="repeat">
-      <a:schemeClr val="accent1">
-        <a:tint val="40000"/>
-      </a:schemeClr>
-    </dgm:fillClrLst>
-    <dgm:linClrLst meth="repeat">
-      <a:schemeClr val="dk1"/>
-    </dgm:linClrLst>
-    <dgm:effectClrLst/>
-    <dgm:txLinClrLst/>
-    <dgm:txFillClrLst meth="repeat">
-      <a:schemeClr val="dk1"/>
-    </dgm:txFillClrLst>
-    <dgm:txEffectClrLst/>
-  </dgm:styleLbl>
-  <dgm:styleLbl name="dkBgShp">
-    <dgm:fillClrLst meth="repeat">
-      <a:schemeClr val="accent1">
-        <a:shade val="90000"/>
-      </a:schemeClr>
-    </dgm:fillClrLst>
-    <dgm:linClrLst meth="repeat">
-      <a:schemeClr val="dk1"/>
-    </dgm:linClrLst>
-    <dgm:effectClrLst/>
-    <dgm:txLinClrLst/>
-    <dgm:txFillClrLst meth="repeat">
-      <a:schemeClr val="lt1"/>
-    </dgm:txFillClrLst>
-    <dgm:txEffectClrLst/>
-  </dgm:styleLbl>
-  <dgm:styleLbl name="trBgShp">
-    <dgm:fillClrLst meth="repeat">
-      <a:schemeClr val="accent1">
-        <a:tint val="50000"/>
-        <a:alpha val="40000"/>
-      </a:schemeClr>
-    </dgm:fillClrLst>
-    <dgm:linClrLst meth="repeat">
-      <a:schemeClr val="accent1"/>
-    </dgm:linClrLst>
-    <dgm:effectClrLst/>
-    <dgm:txLinClrLst/>
-    <dgm:txFillClrLst meth="repeat">
-      <a:schemeClr val="lt1"/>
-    </dgm:txFillClrLst>
-    <dgm:txEffectClrLst/>
-  </dgm:styleLbl>
-  <dgm:styleLbl name="fgShp">
-    <dgm:fillClrLst meth="repeat">
-      <a:schemeClr val="accent1">
-        <a:tint val="40000"/>
-      </a:schemeClr>
-    </dgm:fillClrLst>
-    <dgm:linClrLst meth="repeat">
-      <a:schemeClr val="lt1"/>
-    </dgm:linClrLst>
-    <dgm:effectClrLst/>
-    <dgm:txLinClrLst/>
-    <dgm:txFillClrLst meth="repeat">
-      <a:schemeClr val="dk1"/>
-    </dgm:txFillClrLst>
-    <dgm:txEffectClrLst/>
-  </dgm:styleLbl>
-  <dgm:styleLbl name="revTx">
-    <dgm:fillClrLst meth="repeat">
-      <a:schemeClr val="lt1">
-        <a:alpha val="0"/>
-      </a:schemeClr>
-    </dgm:fillClrLst>
-    <dgm:linClrLst meth="repeat">
-      <a:schemeClr val="dk1">
-        <a:alpha val="0"/>
-      </a:schemeClr>
-    </dgm:linClrLst>
-    <dgm:effectClrLst/>
-    <dgm:txLinClrLst/>
-    <dgm:txFillClrLst meth="repeat">
-      <a:schemeClr val="tx1"/>
-    </dgm:txFillClrLst>
-    <dgm:txEffectClrLst/>
-  </dgm:styleLbl>
-</dgm:colorsDef>
-</file>
-
-<file path=ppt/diagrams/data1.xml><?xml version="1.0" encoding="utf-8"?>
-<dgm:dataModel xmlns:dgm="http://schemas.openxmlformats.org/drawingml/2006/diagram" xmlns:a="http://schemas.openxmlformats.org/drawingml/2006/main">
-  <dgm:ptLst>
-    <dgm:pt modelId="{6A70FD8F-0050-42E3-8B3A-6ED7CFB9852E}" type="doc">
-      <dgm:prSet loTypeId="urn:microsoft.com/office/officeart/2016/7/layout/RoundedRectangleTimeline" loCatId="process" qsTypeId="urn:microsoft.com/office/officeart/2005/8/quickstyle/simple1" qsCatId="simple" csTypeId="urn:microsoft.com/office/officeart/2005/8/colors/accent1_3" csCatId="accent1" phldr="1"/>
-      <dgm:spPr/>
-      <dgm:t>
-        <a:bodyPr/>
-        <a:lstStyle/>
-        <a:p>
-          <a:endParaRPr lang="en-US"/>
-        </a:p>
-      </dgm:t>
-    </dgm:pt>
-    <dgm:pt modelId="{8DB5D7D5-6A1C-4ABC-8850-759A9D876047}">
-      <dgm:prSet/>
-      <dgm:spPr/>
-      <dgm:t>
-        <a:bodyPr/>
-        <a:lstStyle/>
-        <a:p>
-          <a:r>
-            <a:rPr lang="en-US" dirty="0"/>
-            <a:t>2017</a:t>
-          </a:r>
-        </a:p>
-      </dgm:t>
-    </dgm:pt>
-    <dgm:pt modelId="{D8874F40-D7B0-41DE-BB6F-A6014FEAB2D7}" type="parTrans" cxnId="{C5202EE1-10E9-4076-9D55-9E0CF8B152AF}">
-      <dgm:prSet/>
-      <dgm:spPr/>
-      <dgm:t>
-        <a:bodyPr/>
-        <a:lstStyle/>
-        <a:p>
-          <a:endParaRPr lang="en-US"/>
-        </a:p>
-      </dgm:t>
-    </dgm:pt>
-    <dgm:pt modelId="{BD6E0A2E-99C8-4F5A-971A-CD211D1099FF}" type="sibTrans" cxnId="{C5202EE1-10E9-4076-9D55-9E0CF8B152AF}">
-      <dgm:prSet/>
-      <dgm:spPr/>
-      <dgm:t>
-        <a:bodyPr/>
-        <a:lstStyle/>
-        <a:p>
-          <a:endParaRPr lang="en-US"/>
-        </a:p>
-      </dgm:t>
-    </dgm:pt>
-    <dgm:pt modelId="{96262926-A67D-4E4E-9515-5EBC67F0B634}">
-      <dgm:prSet/>
-      <dgm:spPr/>
-      <dgm:t>
-        <a:bodyPr/>
-        <a:lstStyle/>
-        <a:p>
-          <a:r>
-            <a:rPr lang="en-US" dirty="0"/>
-            <a:t>Lorem ipsum dolor sit amet</a:t>
-          </a:r>
-        </a:p>
-      </dgm:t>
-    </dgm:pt>
-    <dgm:pt modelId="{EC74E552-C501-4B0E-9400-E8B410F53D50}" type="parTrans" cxnId="{8C5B110A-FBC3-4CBF-BED2-413E87D4DAD5}">
-      <dgm:prSet/>
-      <dgm:spPr/>
-      <dgm:t>
-        <a:bodyPr/>
-        <a:lstStyle/>
-        <a:p>
-          <a:endParaRPr lang="en-US"/>
-        </a:p>
-      </dgm:t>
-    </dgm:pt>
-    <dgm:pt modelId="{1DA7ACEB-F642-43C1-BCB5-F580B9B985B9}" type="sibTrans" cxnId="{8C5B110A-FBC3-4CBF-BED2-413E87D4DAD5}">
-      <dgm:prSet/>
-      <dgm:spPr/>
-      <dgm:t>
-        <a:bodyPr/>
-        <a:lstStyle/>
-        <a:p>
-          <a:endParaRPr lang="en-US"/>
-        </a:p>
-      </dgm:t>
-    </dgm:pt>
-    <dgm:pt modelId="{C5146535-FD3D-4589-98A3-623B8DA4B8DB}">
-      <dgm:prSet/>
-      <dgm:spPr/>
-      <dgm:t>
-        <a:bodyPr/>
-        <a:lstStyle/>
-        <a:p>
-          <a:r>
-            <a:rPr lang="en-US" dirty="0"/>
-            <a:t>2018</a:t>
-          </a:r>
-        </a:p>
-      </dgm:t>
-    </dgm:pt>
-    <dgm:pt modelId="{20848F78-EC70-4162-96CE-CC68006930F0}" type="parTrans" cxnId="{8EBF857E-7408-4941-91E4-293B0F59EEF7}">
-      <dgm:prSet/>
-      <dgm:spPr/>
-      <dgm:t>
-        <a:bodyPr/>
-        <a:lstStyle/>
-        <a:p>
-          <a:endParaRPr lang="en-US"/>
-        </a:p>
-      </dgm:t>
-    </dgm:pt>
-    <dgm:pt modelId="{7A3CCAF8-AC3A-401E-AEDD-44BBC1AA9C31}" type="sibTrans" cxnId="{8EBF857E-7408-4941-91E4-293B0F59EEF7}">
-      <dgm:prSet/>
-      <dgm:spPr/>
-      <dgm:t>
-        <a:bodyPr/>
-        <a:lstStyle/>
-        <a:p>
-          <a:endParaRPr lang="en-US"/>
-        </a:p>
-      </dgm:t>
-    </dgm:pt>
-    <dgm:pt modelId="{E80CA270-6C90-4E17-ACEA-46B56AD54DD1}">
-      <dgm:prSet/>
-      <dgm:spPr/>
-      <dgm:t>
-        <a:bodyPr/>
-        <a:lstStyle/>
-        <a:p>
-          <a:r>
-            <a:rPr lang="en-US" dirty="0"/>
-            <a:t>Lorem ipsum dolor sit amet</a:t>
-          </a:r>
-        </a:p>
-      </dgm:t>
-    </dgm:pt>
-    <dgm:pt modelId="{7EEC8067-96EF-4BE0-8BE3-BA59ED78A31F}" type="parTrans" cxnId="{2DC28DF8-5C1B-4F53-A4C1-D5B63FB54BAF}">
-      <dgm:prSet/>
-      <dgm:spPr/>
-      <dgm:t>
-        <a:bodyPr/>
-        <a:lstStyle/>
-        <a:p>
-          <a:endParaRPr lang="en-US"/>
-        </a:p>
-      </dgm:t>
-    </dgm:pt>
-    <dgm:pt modelId="{1AFE46E5-6B07-4894-8ECB-21BD7E7B8AF1}" type="sibTrans" cxnId="{2DC28DF8-5C1B-4F53-A4C1-D5B63FB54BAF}">
-      <dgm:prSet/>
-      <dgm:spPr/>
-      <dgm:t>
-        <a:bodyPr/>
-        <a:lstStyle/>
-        <a:p>
-          <a:endParaRPr lang="en-US"/>
-        </a:p>
-      </dgm:t>
-    </dgm:pt>
-    <dgm:pt modelId="{09C152DA-7620-4852-8162-A77EC3609F3F}">
-      <dgm:prSet/>
-      <dgm:spPr/>
-      <dgm:t>
-        <a:bodyPr/>
-        <a:lstStyle/>
-        <a:p>
-          <a:r>
-            <a:rPr lang="en-US" dirty="0"/>
-            <a:t>2019</a:t>
-          </a:r>
-        </a:p>
-      </dgm:t>
-    </dgm:pt>
-    <dgm:pt modelId="{9F6D14C0-6C82-4CBD-8D6D-B0E117B6F2ED}" type="parTrans" cxnId="{23ECAC8B-17A4-4883-AA0E-06D66B7E788A}">
-      <dgm:prSet/>
-      <dgm:spPr/>
-      <dgm:t>
-        <a:bodyPr/>
-        <a:lstStyle/>
-        <a:p>
-          <a:endParaRPr lang="en-US"/>
-        </a:p>
-      </dgm:t>
-    </dgm:pt>
-    <dgm:pt modelId="{0AE8D36D-0F0F-4206-AE39-0A2D73987B68}" type="sibTrans" cxnId="{23ECAC8B-17A4-4883-AA0E-06D66B7E788A}">
-      <dgm:prSet/>
-      <dgm:spPr/>
-      <dgm:t>
-        <a:bodyPr/>
-        <a:lstStyle/>
-        <a:p>
-          <a:endParaRPr lang="en-US"/>
-        </a:p>
-      </dgm:t>
-    </dgm:pt>
-    <dgm:pt modelId="{6C8937BE-93F8-4DED-8538-1C601DAEBA66}">
-      <dgm:prSet/>
-      <dgm:spPr/>
-      <dgm:t>
-        <a:bodyPr/>
-        <a:lstStyle/>
-        <a:p>
-          <a:r>
-            <a:rPr lang="en-US" dirty="0"/>
-            <a:t>Lorem ipsum dolor sit amet</a:t>
-          </a:r>
-        </a:p>
-      </dgm:t>
-    </dgm:pt>
-    <dgm:pt modelId="{77D169C6-D77F-456D-B18B-D7BE016AD87A}" type="parTrans" cxnId="{FAA8D3DD-12E8-457D-9144-B037C5678347}">
-      <dgm:prSet/>
-      <dgm:spPr/>
-      <dgm:t>
-        <a:bodyPr/>
-        <a:lstStyle/>
-        <a:p>
-          <a:endParaRPr lang="en-US"/>
-        </a:p>
-      </dgm:t>
-    </dgm:pt>
-    <dgm:pt modelId="{A97BE953-FA9D-4BA6-A92C-494DB1F3BA59}" type="sibTrans" cxnId="{FAA8D3DD-12E8-457D-9144-B037C5678347}">
-      <dgm:prSet/>
-      <dgm:spPr/>
-      <dgm:t>
-        <a:bodyPr/>
-        <a:lstStyle/>
-        <a:p>
-          <a:endParaRPr lang="en-US"/>
-        </a:p>
-      </dgm:t>
-    </dgm:pt>
-    <dgm:pt modelId="{AB52B3CC-6563-466D-BFC3-9B6B5AFA0881}" type="pres">
-      <dgm:prSet presAssocID="{6A70FD8F-0050-42E3-8B3A-6ED7CFB9852E}" presName="Name0" presStyleCnt="0">
-        <dgm:presLayoutVars>
-          <dgm:chMax/>
-          <dgm:chPref/>
-          <dgm:animLvl val="lvl"/>
-        </dgm:presLayoutVars>
-      </dgm:prSet>
-      <dgm:spPr/>
-    </dgm:pt>
-    <dgm:pt modelId="{815EDF7B-AC93-4A61-87AA-CAA5D85C31A8}" type="pres">
-      <dgm:prSet presAssocID="{8DB5D7D5-6A1C-4ABC-8850-759A9D876047}" presName="composite1" presStyleCnt="0"/>
-      <dgm:spPr/>
-    </dgm:pt>
-    <dgm:pt modelId="{954381E7-0584-46DD-8108-E9BF4F2B5005}" type="pres">
-      <dgm:prSet presAssocID="{8DB5D7D5-6A1C-4ABC-8850-759A9D876047}" presName="parent1" presStyleLbl="alignNode1" presStyleIdx="0" presStyleCnt="3">
-        <dgm:presLayoutVars>
-          <dgm:chMax val="1"/>
-          <dgm:chPref val="1"/>
-          <dgm:bulletEnabled val="1"/>
-        </dgm:presLayoutVars>
-      </dgm:prSet>
-      <dgm:spPr/>
-    </dgm:pt>
-    <dgm:pt modelId="{5A1B764B-0DC5-47CD-BDEA-9E67799496EC}" type="pres">
-      <dgm:prSet presAssocID="{8DB5D7D5-6A1C-4ABC-8850-759A9D876047}" presName="Childtext1" presStyleLbl="revTx" presStyleIdx="0" presStyleCnt="3">
-        <dgm:presLayoutVars>
-          <dgm:bulletEnabled val="1"/>
-        </dgm:presLayoutVars>
-      </dgm:prSet>
-      <dgm:spPr/>
-    </dgm:pt>
-    <dgm:pt modelId="{122B38A3-0442-4747-820C-1F37877E2B0E}" type="pres">
-      <dgm:prSet presAssocID="{8DB5D7D5-6A1C-4ABC-8850-759A9D876047}" presName="ConnectLine1" presStyleLbl="sibTrans1D1" presStyleIdx="0" presStyleCnt="3"/>
-      <dgm:spPr>
-        <a:noFill/>
-        <a:ln w="12700" cap="rnd" cmpd="sng" algn="ctr">
-          <a:solidFill>
-            <a:schemeClr val="accent1">
-              <a:shade val="90000"/>
-              <a:hueOff val="93466"/>
-              <a:satOff val="1924"/>
-              <a:lumOff val="8231"/>
-              <a:alphaOff val="0"/>
-            </a:schemeClr>
-          </a:solidFill>
-          <a:prstDash val="dash"/>
-        </a:ln>
-        <a:effectLst/>
-      </dgm:spPr>
-    </dgm:pt>
-    <dgm:pt modelId="{A73181F6-69BB-4A47-8277-4671A45AC8C8}" type="pres">
-      <dgm:prSet presAssocID="{8DB5D7D5-6A1C-4ABC-8850-759A9D876047}" presName="ConnectLineEnd1" presStyleLbl="lnNode1" presStyleIdx="0" presStyleCnt="3"/>
-      <dgm:spPr/>
-    </dgm:pt>
-    <dgm:pt modelId="{6E76EADA-5F61-4A59-B2F8-FA10112079FC}" type="pres">
-      <dgm:prSet presAssocID="{8DB5D7D5-6A1C-4ABC-8850-759A9D876047}" presName="EmptyPane1" presStyleCnt="0"/>
-      <dgm:spPr/>
-    </dgm:pt>
-    <dgm:pt modelId="{A8189248-0785-43F1-844C-4DE92841F254}" type="pres">
-      <dgm:prSet presAssocID="{BD6E0A2E-99C8-4F5A-971A-CD211D1099FF}" presName="spaceBetweenRectangles1" presStyleCnt="0"/>
-      <dgm:spPr/>
-    </dgm:pt>
-    <dgm:pt modelId="{218D9CD7-D48D-464C-9A1C-0F322EC540B3}" type="pres">
-      <dgm:prSet presAssocID="{C5146535-FD3D-4589-98A3-623B8DA4B8DB}" presName="composite1" presStyleCnt="0"/>
-      <dgm:spPr/>
-    </dgm:pt>
-    <dgm:pt modelId="{30804A27-188E-4A17-8FFE-97BCCA0597B8}" type="pres">
-      <dgm:prSet presAssocID="{C5146535-FD3D-4589-98A3-623B8DA4B8DB}" presName="parent1" presStyleLbl="alignNode1" presStyleIdx="1" presStyleCnt="3">
-        <dgm:presLayoutVars>
-          <dgm:chMax val="1"/>
-          <dgm:chPref val="1"/>
-          <dgm:bulletEnabled val="1"/>
-        </dgm:presLayoutVars>
-      </dgm:prSet>
-      <dgm:spPr/>
-    </dgm:pt>
-    <dgm:pt modelId="{DF65791B-462E-4589-B98D-F60587330CA8}" type="pres">
-      <dgm:prSet presAssocID="{C5146535-FD3D-4589-98A3-623B8DA4B8DB}" presName="Childtext1" presStyleLbl="revTx" presStyleIdx="1" presStyleCnt="3">
-        <dgm:presLayoutVars>
-          <dgm:bulletEnabled val="1"/>
-        </dgm:presLayoutVars>
-      </dgm:prSet>
-      <dgm:spPr/>
-    </dgm:pt>
-    <dgm:pt modelId="{DBA410EB-5F61-4F46-92D9-C5B0AA59EE15}" type="pres">
-      <dgm:prSet presAssocID="{C5146535-FD3D-4589-98A3-623B8DA4B8DB}" presName="ConnectLine1" presStyleLbl="sibTrans1D1" presStyleIdx="1" presStyleCnt="3"/>
-      <dgm:spPr>
-        <a:noFill/>
-        <a:ln w="12700" cap="rnd" cmpd="sng" algn="ctr">
-          <a:solidFill>
-            <a:schemeClr val="accent1">
-              <a:shade val="90000"/>
-              <a:hueOff val="140199"/>
-              <a:satOff val="2886"/>
-              <a:lumOff val="12346"/>
-              <a:alphaOff val="0"/>
-            </a:schemeClr>
-          </a:solidFill>
-          <a:prstDash val="dash"/>
-        </a:ln>
-        <a:effectLst/>
-      </dgm:spPr>
-    </dgm:pt>
-    <dgm:pt modelId="{E1220EDB-B75C-43A5-B862-97E4C09130A7}" type="pres">
-      <dgm:prSet presAssocID="{C5146535-FD3D-4589-98A3-623B8DA4B8DB}" presName="ConnectLineEnd1" presStyleLbl="lnNode1" presStyleIdx="1" presStyleCnt="3"/>
-      <dgm:spPr/>
-    </dgm:pt>
-    <dgm:pt modelId="{D8849157-215F-4E70-9735-315E97B5AC5C}" type="pres">
-      <dgm:prSet presAssocID="{C5146535-FD3D-4589-98A3-623B8DA4B8DB}" presName="EmptyPane1" presStyleCnt="0"/>
-      <dgm:spPr/>
-    </dgm:pt>
-    <dgm:pt modelId="{7C467054-22FE-4C18-9934-29D7168DFF63}" type="pres">
-      <dgm:prSet presAssocID="{7A3CCAF8-AC3A-401E-AEDD-44BBC1AA9C31}" presName="spaceBetweenRectangles1" presStyleCnt="0"/>
-      <dgm:spPr/>
-    </dgm:pt>
-    <dgm:pt modelId="{3E3E944D-A6EC-4962-9AC1-C585A4F97BDA}" type="pres">
-      <dgm:prSet presAssocID="{09C152DA-7620-4852-8162-A77EC3609F3F}" presName="composite1" presStyleCnt="0"/>
-      <dgm:spPr/>
-    </dgm:pt>
-    <dgm:pt modelId="{566B79CB-1A41-4F5C-BF91-58D94BF93913}" type="pres">
-      <dgm:prSet presAssocID="{09C152DA-7620-4852-8162-A77EC3609F3F}" presName="parent1" presStyleLbl="alignNode1" presStyleIdx="2" presStyleCnt="3">
-        <dgm:presLayoutVars>
-          <dgm:chMax val="1"/>
-          <dgm:chPref val="1"/>
-          <dgm:bulletEnabled val="1"/>
-        </dgm:presLayoutVars>
-      </dgm:prSet>
-      <dgm:spPr/>
-    </dgm:pt>
-    <dgm:pt modelId="{B4723E2A-4FF1-452A-BD25-8EC364F15A6F}" type="pres">
-      <dgm:prSet presAssocID="{09C152DA-7620-4852-8162-A77EC3609F3F}" presName="Childtext1" presStyleLbl="revTx" presStyleIdx="2" presStyleCnt="3">
-        <dgm:presLayoutVars>
-          <dgm:bulletEnabled val="1"/>
-        </dgm:presLayoutVars>
-      </dgm:prSet>
-      <dgm:spPr/>
-    </dgm:pt>
-    <dgm:pt modelId="{440E9361-37D2-4157-AF38-7B49AD23708B}" type="pres">
-      <dgm:prSet presAssocID="{09C152DA-7620-4852-8162-A77EC3609F3F}" presName="ConnectLine1" presStyleLbl="sibTrans1D1" presStyleIdx="2" presStyleCnt="3"/>
-      <dgm:spPr>
-        <a:noFill/>
-        <a:ln w="12700" cap="rnd" cmpd="sng" algn="ctr">
-          <a:solidFill>
-            <a:schemeClr val="accent1">
-              <a:shade val="90000"/>
-              <a:hueOff val="186931"/>
-              <a:satOff val="3848"/>
-              <a:lumOff val="16461"/>
-              <a:alphaOff val="0"/>
-            </a:schemeClr>
-          </a:solidFill>
-          <a:prstDash val="dash"/>
-        </a:ln>
-        <a:effectLst/>
-      </dgm:spPr>
-    </dgm:pt>
-    <dgm:pt modelId="{C45E7B63-1C71-483E-A3A8-705CE86D4D8E}" type="pres">
-      <dgm:prSet presAssocID="{09C152DA-7620-4852-8162-A77EC3609F3F}" presName="ConnectLineEnd1" presStyleLbl="lnNode1" presStyleIdx="2" presStyleCnt="3"/>
-      <dgm:spPr/>
-    </dgm:pt>
-    <dgm:pt modelId="{4174F691-D9D3-451C-9893-D177DC3AED58}" type="pres">
-      <dgm:prSet presAssocID="{09C152DA-7620-4852-8162-A77EC3609F3F}" presName="EmptyPane1" presStyleCnt="0"/>
-      <dgm:spPr/>
-    </dgm:pt>
-  </dgm:ptLst>
-  <dgm:cxnLst>
-    <dgm:cxn modelId="{5C25BB02-FA66-40A4-9DA6-9E1CAE3A8D4E}" type="presOf" srcId="{C5146535-FD3D-4589-98A3-623B8DA4B8DB}" destId="{30804A27-188E-4A17-8FFE-97BCCA0597B8}" srcOrd="0" destOrd="0" presId="urn:microsoft.com/office/officeart/2016/7/layout/RoundedRectangleTimeline"/>
-    <dgm:cxn modelId="{8C5B110A-FBC3-4CBF-BED2-413E87D4DAD5}" srcId="{8DB5D7D5-6A1C-4ABC-8850-759A9D876047}" destId="{96262926-A67D-4E4E-9515-5EBC67F0B634}" srcOrd="0" destOrd="0" parTransId="{EC74E552-C501-4B0E-9400-E8B410F53D50}" sibTransId="{1DA7ACEB-F642-43C1-BCB5-F580B9B985B9}"/>
-    <dgm:cxn modelId="{84C67813-55CE-4EBC-9032-03BD847DC17E}" type="presOf" srcId="{6A70FD8F-0050-42E3-8B3A-6ED7CFB9852E}" destId="{AB52B3CC-6563-466D-BFC3-9B6B5AFA0881}" srcOrd="0" destOrd="0" presId="urn:microsoft.com/office/officeart/2016/7/layout/RoundedRectangleTimeline"/>
-    <dgm:cxn modelId="{22ECA226-C4EA-44F1-BCB5-77F78841DA6F}" type="presOf" srcId="{09C152DA-7620-4852-8162-A77EC3609F3F}" destId="{566B79CB-1A41-4F5C-BF91-58D94BF93913}" srcOrd="0" destOrd="0" presId="urn:microsoft.com/office/officeart/2016/7/layout/RoundedRectangleTimeline"/>
-    <dgm:cxn modelId="{E2BBA750-A5E4-4F50-BE16-016934379F81}" type="presOf" srcId="{6C8937BE-93F8-4DED-8538-1C601DAEBA66}" destId="{B4723E2A-4FF1-452A-BD25-8EC364F15A6F}" srcOrd="0" destOrd="0" presId="urn:microsoft.com/office/officeart/2016/7/layout/RoundedRectangleTimeline"/>
-    <dgm:cxn modelId="{F9B2D375-40BE-4E5D-AA88-61805FBFF819}" type="presOf" srcId="{8DB5D7D5-6A1C-4ABC-8850-759A9D876047}" destId="{954381E7-0584-46DD-8108-E9BF4F2B5005}" srcOrd="0" destOrd="0" presId="urn:microsoft.com/office/officeart/2016/7/layout/RoundedRectangleTimeline"/>
-    <dgm:cxn modelId="{8EBF857E-7408-4941-91E4-293B0F59EEF7}" srcId="{6A70FD8F-0050-42E3-8B3A-6ED7CFB9852E}" destId="{C5146535-FD3D-4589-98A3-623B8DA4B8DB}" srcOrd="1" destOrd="0" parTransId="{20848F78-EC70-4162-96CE-CC68006930F0}" sibTransId="{7A3CCAF8-AC3A-401E-AEDD-44BBC1AA9C31}"/>
-    <dgm:cxn modelId="{23ECAC8B-17A4-4883-AA0E-06D66B7E788A}" srcId="{6A70FD8F-0050-42E3-8B3A-6ED7CFB9852E}" destId="{09C152DA-7620-4852-8162-A77EC3609F3F}" srcOrd="2" destOrd="0" parTransId="{9F6D14C0-6C82-4CBD-8D6D-B0E117B6F2ED}" sibTransId="{0AE8D36D-0F0F-4206-AE39-0A2D73987B68}"/>
-    <dgm:cxn modelId="{F9540599-A193-456C-A9A9-8962E3855B0B}" type="presOf" srcId="{96262926-A67D-4E4E-9515-5EBC67F0B634}" destId="{5A1B764B-0DC5-47CD-BDEA-9E67799496EC}" srcOrd="0" destOrd="0" presId="urn:microsoft.com/office/officeart/2016/7/layout/RoundedRectangleTimeline"/>
-    <dgm:cxn modelId="{E13585A2-54F2-486A-B317-F4D6AF7E83B9}" type="presOf" srcId="{E80CA270-6C90-4E17-ACEA-46B56AD54DD1}" destId="{DF65791B-462E-4589-B98D-F60587330CA8}" srcOrd="0" destOrd="0" presId="urn:microsoft.com/office/officeart/2016/7/layout/RoundedRectangleTimeline"/>
-    <dgm:cxn modelId="{FAA8D3DD-12E8-457D-9144-B037C5678347}" srcId="{09C152DA-7620-4852-8162-A77EC3609F3F}" destId="{6C8937BE-93F8-4DED-8538-1C601DAEBA66}" srcOrd="0" destOrd="0" parTransId="{77D169C6-D77F-456D-B18B-D7BE016AD87A}" sibTransId="{A97BE953-FA9D-4BA6-A92C-494DB1F3BA59}"/>
-    <dgm:cxn modelId="{C5202EE1-10E9-4076-9D55-9E0CF8B152AF}" srcId="{6A70FD8F-0050-42E3-8B3A-6ED7CFB9852E}" destId="{8DB5D7D5-6A1C-4ABC-8850-759A9D876047}" srcOrd="0" destOrd="0" parTransId="{D8874F40-D7B0-41DE-BB6F-A6014FEAB2D7}" sibTransId="{BD6E0A2E-99C8-4F5A-971A-CD211D1099FF}"/>
-    <dgm:cxn modelId="{2DC28DF8-5C1B-4F53-A4C1-D5B63FB54BAF}" srcId="{C5146535-FD3D-4589-98A3-623B8DA4B8DB}" destId="{E80CA270-6C90-4E17-ACEA-46B56AD54DD1}" srcOrd="0" destOrd="0" parTransId="{7EEC8067-96EF-4BE0-8BE3-BA59ED78A31F}" sibTransId="{1AFE46E5-6B07-4894-8ECB-21BD7E7B8AF1}"/>
-    <dgm:cxn modelId="{76459B4A-BC95-4631-A3CC-1410E80D5DFD}" type="presParOf" srcId="{AB52B3CC-6563-466D-BFC3-9B6B5AFA0881}" destId="{815EDF7B-AC93-4A61-87AA-CAA5D85C31A8}" srcOrd="0" destOrd="0" presId="urn:microsoft.com/office/officeart/2016/7/layout/RoundedRectangleTimeline"/>
-    <dgm:cxn modelId="{4238FA88-CE43-4680-BFB0-73DED5612698}" type="presParOf" srcId="{815EDF7B-AC93-4A61-87AA-CAA5D85C31A8}" destId="{954381E7-0584-46DD-8108-E9BF4F2B5005}" srcOrd="0" destOrd="0" presId="urn:microsoft.com/office/officeart/2016/7/layout/RoundedRectangleTimeline"/>
-    <dgm:cxn modelId="{6497CE05-0893-4952-B18A-28D71D90B841}" type="presParOf" srcId="{815EDF7B-AC93-4A61-87AA-CAA5D85C31A8}" destId="{5A1B764B-0DC5-47CD-BDEA-9E67799496EC}" srcOrd="1" destOrd="0" presId="urn:microsoft.com/office/officeart/2016/7/layout/RoundedRectangleTimeline"/>
-    <dgm:cxn modelId="{CB8BA570-C0D4-4400-BED8-C9BC961A6553}" type="presParOf" srcId="{815EDF7B-AC93-4A61-87AA-CAA5D85C31A8}" destId="{122B38A3-0442-4747-820C-1F37877E2B0E}" srcOrd="2" destOrd="0" presId="urn:microsoft.com/office/officeart/2016/7/layout/RoundedRectangleTimeline"/>
-    <dgm:cxn modelId="{82FC1E36-99F3-4E1F-8BD1-229D77A82EB1}" type="presParOf" srcId="{815EDF7B-AC93-4A61-87AA-CAA5D85C31A8}" destId="{A73181F6-69BB-4A47-8277-4671A45AC8C8}" srcOrd="3" destOrd="0" presId="urn:microsoft.com/office/officeart/2016/7/layout/RoundedRectangleTimeline"/>
-    <dgm:cxn modelId="{7EAD7967-836C-4AB6-AAA2-ED2EF3F29E78}" type="presParOf" srcId="{815EDF7B-AC93-4A61-87AA-CAA5D85C31A8}" destId="{6E76EADA-5F61-4A59-B2F8-FA10112079FC}" srcOrd="4" destOrd="0" presId="urn:microsoft.com/office/officeart/2016/7/layout/RoundedRectangleTimeline"/>
-    <dgm:cxn modelId="{3783DE09-7B3D-423E-960C-ED9DB81E314E}" type="presParOf" srcId="{AB52B3CC-6563-466D-BFC3-9B6B5AFA0881}" destId="{A8189248-0785-43F1-844C-4DE92841F254}" srcOrd="1" destOrd="0" presId="urn:microsoft.com/office/officeart/2016/7/layout/RoundedRectangleTimeline"/>
-    <dgm:cxn modelId="{38B07C9C-D21D-4E2B-A78B-C30877B2689A}" type="presParOf" srcId="{AB52B3CC-6563-466D-BFC3-9B6B5AFA0881}" destId="{218D9CD7-D48D-464C-9A1C-0F322EC540B3}" srcOrd="2" destOrd="0" presId="urn:microsoft.com/office/officeart/2016/7/layout/RoundedRectangleTimeline"/>
-    <dgm:cxn modelId="{E6790483-7B9E-44FB-9EAE-A282A4B9AB73}" type="presParOf" srcId="{218D9CD7-D48D-464C-9A1C-0F322EC540B3}" destId="{30804A27-188E-4A17-8FFE-97BCCA0597B8}" srcOrd="0" destOrd="0" presId="urn:microsoft.com/office/officeart/2016/7/layout/RoundedRectangleTimeline"/>
-    <dgm:cxn modelId="{B31BDB48-FB8E-47F4-8F76-B90009D28A96}" type="presParOf" srcId="{218D9CD7-D48D-464C-9A1C-0F322EC540B3}" destId="{DF65791B-462E-4589-B98D-F60587330CA8}" srcOrd="1" destOrd="0" presId="urn:microsoft.com/office/officeart/2016/7/layout/RoundedRectangleTimeline"/>
-    <dgm:cxn modelId="{517AE913-68B2-41AC-BE20-5D4195845D6F}" type="presParOf" srcId="{218D9CD7-D48D-464C-9A1C-0F322EC540B3}" destId="{DBA410EB-5F61-4F46-92D9-C5B0AA59EE15}" srcOrd="2" destOrd="0" presId="urn:microsoft.com/office/officeart/2016/7/layout/RoundedRectangleTimeline"/>
-    <dgm:cxn modelId="{0F089045-7542-47F1-8B17-68354869406A}" type="presParOf" srcId="{218D9CD7-D48D-464C-9A1C-0F322EC540B3}" destId="{E1220EDB-B75C-43A5-B862-97E4C09130A7}" srcOrd="3" destOrd="0" presId="urn:microsoft.com/office/officeart/2016/7/layout/RoundedRectangleTimeline"/>
-    <dgm:cxn modelId="{79B44ECC-99D2-49DD-9DEE-58B1D2AE6C6C}" type="presParOf" srcId="{218D9CD7-D48D-464C-9A1C-0F322EC540B3}" destId="{D8849157-215F-4E70-9735-315E97B5AC5C}" srcOrd="4" destOrd="0" presId="urn:microsoft.com/office/officeart/2016/7/layout/RoundedRectangleTimeline"/>
-    <dgm:cxn modelId="{6930EC12-FB60-44F8-973F-19AC06AA90BB}" type="presParOf" srcId="{AB52B3CC-6563-466D-BFC3-9B6B5AFA0881}" destId="{7C467054-22FE-4C18-9934-29D7168DFF63}" srcOrd="3" destOrd="0" presId="urn:microsoft.com/office/officeart/2016/7/layout/RoundedRectangleTimeline"/>
-    <dgm:cxn modelId="{1F4A4777-E935-453F-A5B9-015C6946FC6A}" type="presParOf" srcId="{AB52B3CC-6563-466D-BFC3-9B6B5AFA0881}" destId="{3E3E944D-A6EC-4962-9AC1-C585A4F97BDA}" srcOrd="4" destOrd="0" presId="urn:microsoft.com/office/officeart/2016/7/layout/RoundedRectangleTimeline"/>
-    <dgm:cxn modelId="{94AC8B5D-A9B9-4EF3-AD1C-6024606B5BF8}" type="presParOf" srcId="{3E3E944D-A6EC-4962-9AC1-C585A4F97BDA}" destId="{566B79CB-1A41-4F5C-BF91-58D94BF93913}" srcOrd="0" destOrd="0" presId="urn:microsoft.com/office/officeart/2016/7/layout/RoundedRectangleTimeline"/>
-    <dgm:cxn modelId="{A151554E-10B3-429A-9E0D-D40262ED6857}" type="presParOf" srcId="{3E3E944D-A6EC-4962-9AC1-C585A4F97BDA}" destId="{B4723E2A-4FF1-452A-BD25-8EC364F15A6F}" srcOrd="1" destOrd="0" presId="urn:microsoft.com/office/officeart/2016/7/layout/RoundedRectangleTimeline"/>
-    <dgm:cxn modelId="{329635D9-081F-4DC9-88AA-E074B7400415}" type="presParOf" srcId="{3E3E944D-A6EC-4962-9AC1-C585A4F97BDA}" destId="{440E9361-37D2-4157-AF38-7B49AD23708B}" srcOrd="2" destOrd="0" presId="urn:microsoft.com/office/officeart/2016/7/layout/RoundedRectangleTimeline"/>
-    <dgm:cxn modelId="{0F0D3AEA-9F0C-400E-A955-6CD1F474B6A4}" type="presParOf" srcId="{3E3E944D-A6EC-4962-9AC1-C585A4F97BDA}" destId="{C45E7B63-1C71-483E-A3A8-705CE86D4D8E}" srcOrd="3" destOrd="0" presId="urn:microsoft.com/office/officeart/2016/7/layout/RoundedRectangleTimeline"/>
-    <dgm:cxn modelId="{91F0BE33-39D4-4457-A5CC-3F1682DB166D}" type="presParOf" srcId="{3E3E944D-A6EC-4962-9AC1-C585A4F97BDA}" destId="{4174F691-D9D3-451C-9893-D177DC3AED58}" srcOrd="4" destOrd="0" presId="urn:microsoft.com/office/officeart/2016/7/layout/RoundedRectangleTimeline"/>
-  </dgm:cxnLst>
-  <dgm:bg/>
-  <dgm:whole/>
-  <dgm:extLst>
-    <a:ext uri="http://schemas.microsoft.com/office/drawing/2008/diagram">
-      <dsp:dataModelExt xmlns:dsp="http://schemas.microsoft.com/office/drawing/2008/diagram" relId="rId6" minVer="http://schemas.openxmlformats.org/drawingml/2006/diagram"/>
-    </a:ext>
-  </dgm:extLst>
-</dgm:dataModel>
-</file>
-
-<file path=ppt/diagrams/drawing1.xml><?xml version="1.0" encoding="utf-8"?>
-<dsp:drawing xmlns:dgm="http://schemas.openxmlformats.org/drawingml/2006/diagram" xmlns:dsp="http://schemas.microsoft.com/office/drawing/2008/diagram" xmlns:a="http://schemas.openxmlformats.org/drawingml/2006/main">
-  <dsp:spTree>
-    <dsp:nvGrpSpPr>
-      <dsp:cNvPr id="0" name=""/>
-      <dsp:cNvGrpSpPr/>
-    </dsp:nvGrpSpPr>
-    <dsp:grpSpPr/>
-    <dsp:sp modelId="{954381E7-0584-46DD-8108-E9BF4F2B5005}">
-      <dsp:nvSpPr>
-        <dsp:cNvPr id="0" name=""/>
-        <dsp:cNvSpPr/>
-      </dsp:nvSpPr>
-      <dsp:spPr>
-        <a:xfrm rot="16200000">
-          <a:off x="2328055" y="314278"/>
-          <a:ext cx="363378" cy="3005230"/>
-        </a:xfrm>
-        <a:prstGeom prst="round2SameRect">
-          <a:avLst/>
-        </a:prstGeom>
-        <a:solidFill>
-          <a:schemeClr val="accent1">
-            <a:shade val="80000"/>
-            <a:hueOff val="0"/>
-            <a:satOff val="0"/>
-            <a:lumOff val="0"/>
-            <a:alphaOff val="0"/>
-          </a:schemeClr>
-        </a:solidFill>
-        <a:ln w="22225" cap="rnd" cmpd="sng" algn="ctr">
-          <a:solidFill>
-            <a:schemeClr val="accent1">
-              <a:shade val="80000"/>
-              <a:hueOff val="0"/>
-              <a:satOff val="0"/>
-              <a:lumOff val="0"/>
-              <a:alphaOff val="0"/>
-            </a:schemeClr>
-          </a:solidFill>
-          <a:prstDash val="solid"/>
-        </a:ln>
-        <a:effectLst/>
-      </dsp:spPr>
-      <dsp:style>
-        <a:lnRef idx="2">
-          <a:scrgbClr r="0" g="0" b="0"/>
-        </a:lnRef>
-        <a:fillRef idx="1">
-          <a:scrgbClr r="0" g="0" b="0"/>
-        </a:fillRef>
-        <a:effectRef idx="0">
-          <a:scrgbClr r="0" g="0" b="0"/>
-        </a:effectRef>
-        <a:fontRef idx="minor">
-          <a:schemeClr val="lt1"/>
-        </a:fontRef>
-      </dsp:style>
-      <dsp:txBody>
-        <a:bodyPr spcFirstLastPara="0" vert="horz" wrap="square" lIns="83820" tIns="83820" rIns="83820" bIns="83820" numCol="1" spcCol="1270" anchor="ctr" anchorCtr="1">
-          <a:noAutofit/>
-        </a:bodyPr>
-        <a:lstStyle/>
-        <a:p>
-          <a:pPr marL="0" lvl="0" indent="0" algn="ctr" defTabSz="488950">
-            <a:lnSpc>
-              <a:spcPct val="90000"/>
-            </a:lnSpc>
-            <a:spcBef>
-              <a:spcPct val="0"/>
-            </a:spcBef>
-            <a:spcAft>
-              <a:spcPct val="35000"/>
-            </a:spcAft>
-            <a:buNone/>
-          </a:pPr>
-          <a:r>
-            <a:rPr lang="en-US" sz="1100" kern="1200" dirty="0"/>
-            <a:t>2017</a:t>
-          </a:r>
-        </a:p>
-      </dsp:txBody>
-      <dsp:txXfrm rot="5400000">
-        <a:off x="1024869" y="1652943"/>
-        <a:ext cx="2987491" cy="327900"/>
-      </dsp:txXfrm>
-    </dsp:sp>
-    <dsp:sp modelId="{5A1B764B-0DC5-47CD-BDEA-9E67799496EC}">
-      <dsp:nvSpPr>
-        <dsp:cNvPr id="0" name=""/>
-        <dsp:cNvSpPr/>
-      </dsp:nvSpPr>
-      <dsp:spPr>
-        <a:xfrm>
-          <a:off x="5385" y="0"/>
-          <a:ext cx="5008717" cy="1271825"/>
-        </a:xfrm>
-        <a:prstGeom prst="rect">
-          <a:avLst/>
-        </a:prstGeom>
-        <a:noFill/>
-        <a:ln>
-          <a:noFill/>
-        </a:ln>
-        <a:effectLst/>
-      </dsp:spPr>
-      <dsp:style>
-        <a:lnRef idx="0">
-          <a:scrgbClr r="0" g="0" b="0"/>
-        </a:lnRef>
-        <a:fillRef idx="0">
-          <a:scrgbClr r="0" g="0" b="0"/>
-        </a:fillRef>
-        <a:effectRef idx="0">
-          <a:scrgbClr r="0" g="0" b="0"/>
-        </a:effectRef>
-        <a:fontRef idx="minor"/>
-      </dsp:style>
-      <dsp:txBody>
-        <a:bodyPr spcFirstLastPara="0" vert="horz" wrap="square" lIns="0" tIns="0" rIns="0" bIns="83820" numCol="1" spcCol="1270" anchor="b" anchorCtr="1">
-          <a:noAutofit/>
-        </a:bodyPr>
-        <a:lstStyle/>
-        <a:p>
-          <a:pPr marL="0" lvl="0" indent="0" algn="ctr" defTabSz="488950">
-            <a:lnSpc>
-              <a:spcPct val="90000"/>
-            </a:lnSpc>
-            <a:spcBef>
-              <a:spcPct val="0"/>
-            </a:spcBef>
-            <a:spcAft>
-              <a:spcPct val="35000"/>
-            </a:spcAft>
-            <a:buNone/>
-          </a:pPr>
-          <a:r>
-            <a:rPr lang="en-US" sz="1100" kern="1200" dirty="0"/>
-            <a:t>Lorem ipsum dolor sit amet</a:t>
-          </a:r>
-        </a:p>
-      </dsp:txBody>
-      <dsp:txXfrm>
-        <a:off x="5385" y="0"/>
-        <a:ext cx="5008717" cy="1271825"/>
-      </dsp:txXfrm>
-    </dsp:sp>
-    <dsp:sp modelId="{122B38A3-0442-4747-820C-1F37877E2B0E}">
-      <dsp:nvSpPr>
-        <dsp:cNvPr id="0" name=""/>
-        <dsp:cNvSpPr/>
-      </dsp:nvSpPr>
-      <dsp:spPr>
-        <a:xfrm>
-          <a:off x="2509744" y="1344501"/>
-          <a:ext cx="0" cy="290702"/>
-        </a:xfrm>
-        <a:prstGeom prst="line">
-          <a:avLst/>
-        </a:prstGeom>
-        <a:noFill/>
-        <a:ln w="12700" cap="rnd" cmpd="sng" algn="ctr">
-          <a:solidFill>
-            <a:schemeClr val="accent1">
-              <a:shade val="90000"/>
-              <a:hueOff val="93466"/>
-              <a:satOff val="1924"/>
-              <a:lumOff val="8231"/>
-              <a:alphaOff val="0"/>
-            </a:schemeClr>
-          </a:solidFill>
-          <a:prstDash val="dash"/>
-        </a:ln>
-        <a:effectLst/>
-      </dsp:spPr>
-      <dsp:style>
-        <a:lnRef idx="1">
-          <a:scrgbClr r="0" g="0" b="0"/>
-        </a:lnRef>
-        <a:fillRef idx="0">
-          <a:scrgbClr r="0" g="0" b="0"/>
-        </a:fillRef>
-        <a:effectRef idx="0">
-          <a:scrgbClr r="0" g="0" b="0"/>
-        </a:effectRef>
-        <a:fontRef idx="minor"/>
-      </dsp:style>
-    </dsp:sp>
-    <dsp:sp modelId="{A73181F6-69BB-4A47-8277-4671A45AC8C8}">
-      <dsp:nvSpPr>
-        <dsp:cNvPr id="0" name=""/>
-        <dsp:cNvSpPr/>
-      </dsp:nvSpPr>
-      <dsp:spPr>
-        <a:xfrm>
-          <a:off x="2473406" y="1271825"/>
-          <a:ext cx="72675" cy="72675"/>
-        </a:xfrm>
-        <a:prstGeom prst="ellipse">
-          <a:avLst/>
-        </a:prstGeom>
-        <a:solidFill>
-          <a:schemeClr val="accent1">
-            <a:shade val="80000"/>
-            <a:hueOff val="0"/>
-            <a:satOff val="0"/>
-            <a:lumOff val="0"/>
-            <a:alphaOff val="0"/>
-          </a:schemeClr>
-        </a:solidFill>
-        <a:ln w="22225" cap="rnd" cmpd="sng" algn="ctr">
-          <a:solidFill>
-            <a:schemeClr val="lt1">
-              <a:hueOff val="0"/>
-              <a:satOff val="0"/>
-              <a:lumOff val="0"/>
-              <a:alphaOff val="0"/>
-            </a:schemeClr>
-          </a:solidFill>
-          <a:prstDash val="solid"/>
-        </a:ln>
-        <a:effectLst/>
-      </dsp:spPr>
-      <dsp:style>
-        <a:lnRef idx="2">
-          <a:scrgbClr r="0" g="0" b="0"/>
-        </a:lnRef>
-        <a:fillRef idx="1">
-          <a:scrgbClr r="0" g="0" b="0"/>
-        </a:fillRef>
-        <a:effectRef idx="0">
-          <a:scrgbClr r="0" g="0" b="0"/>
-        </a:effectRef>
-        <a:fontRef idx="minor">
-          <a:schemeClr val="lt1"/>
-        </a:fontRef>
-      </dsp:style>
-    </dsp:sp>
-    <dsp:sp modelId="{30804A27-188E-4A17-8FFE-97BCCA0597B8}">
-      <dsp:nvSpPr>
-        <dsp:cNvPr id="0" name=""/>
-        <dsp:cNvSpPr/>
-      </dsp:nvSpPr>
-      <dsp:spPr>
-        <a:xfrm>
-          <a:off x="4012359" y="1635204"/>
-          <a:ext cx="3005230" cy="363378"/>
-        </a:xfrm>
-        <a:prstGeom prst="rect">
-          <a:avLst/>
-        </a:prstGeom>
-        <a:solidFill>
-          <a:schemeClr val="accent1">
-            <a:shade val="80000"/>
-            <a:hueOff val="223096"/>
-            <a:satOff val="-4529"/>
-            <a:lumOff val="15339"/>
-            <a:alphaOff val="0"/>
-          </a:schemeClr>
-        </a:solidFill>
-        <a:ln w="22225" cap="rnd" cmpd="sng" algn="ctr">
-          <a:solidFill>
-            <a:schemeClr val="accent1">
-              <a:shade val="80000"/>
-              <a:hueOff val="223096"/>
-              <a:satOff val="-4529"/>
-              <a:lumOff val="15339"/>
-              <a:alphaOff val="0"/>
-            </a:schemeClr>
-          </a:solidFill>
-          <a:prstDash val="solid"/>
-        </a:ln>
-        <a:effectLst/>
-      </dsp:spPr>
-      <dsp:style>
-        <a:lnRef idx="2">
-          <a:scrgbClr r="0" g="0" b="0"/>
-        </a:lnRef>
-        <a:fillRef idx="1">
-          <a:scrgbClr r="0" g="0" b="0"/>
-        </a:fillRef>
-        <a:effectRef idx="0">
-          <a:scrgbClr r="0" g="0" b="0"/>
-        </a:effectRef>
-        <a:fontRef idx="minor">
-          <a:schemeClr val="lt1"/>
-        </a:fontRef>
-      </dsp:style>
-      <dsp:txBody>
-        <a:bodyPr spcFirstLastPara="0" vert="horz" wrap="square" lIns="83820" tIns="83820" rIns="83820" bIns="83820" numCol="1" spcCol="1270" anchor="ctr" anchorCtr="1">
-          <a:noAutofit/>
-        </a:bodyPr>
-        <a:lstStyle/>
-        <a:p>
-          <a:pPr marL="0" lvl="0" indent="0" algn="ctr" defTabSz="488950">
-            <a:lnSpc>
-              <a:spcPct val="90000"/>
-            </a:lnSpc>
-            <a:spcBef>
-              <a:spcPct val="0"/>
-            </a:spcBef>
-            <a:spcAft>
-              <a:spcPct val="35000"/>
-            </a:spcAft>
-            <a:buNone/>
-          </a:pPr>
-          <a:r>
-            <a:rPr lang="en-US" sz="1100" kern="1200" dirty="0"/>
-            <a:t>2018</a:t>
-          </a:r>
-        </a:p>
-      </dsp:txBody>
-      <dsp:txXfrm>
-        <a:off x="4012359" y="1635204"/>
-        <a:ext cx="3005230" cy="363378"/>
-      </dsp:txXfrm>
-    </dsp:sp>
-    <dsp:sp modelId="{DF65791B-462E-4589-B98D-F60587330CA8}">
-      <dsp:nvSpPr>
-        <dsp:cNvPr id="0" name=""/>
-        <dsp:cNvSpPr/>
-      </dsp:nvSpPr>
-      <dsp:spPr>
-        <a:xfrm>
-          <a:off x="3010616" y="2361961"/>
-          <a:ext cx="5008717" cy="1271825"/>
-        </a:xfrm>
-        <a:prstGeom prst="rect">
-          <a:avLst/>
-        </a:prstGeom>
-        <a:noFill/>
-        <a:ln>
-          <a:noFill/>
-        </a:ln>
-        <a:effectLst/>
-      </dsp:spPr>
-      <dsp:style>
-        <a:lnRef idx="0">
-          <a:scrgbClr r="0" g="0" b="0"/>
-        </a:lnRef>
-        <a:fillRef idx="0">
-          <a:scrgbClr r="0" g="0" b="0"/>
-        </a:fillRef>
-        <a:effectRef idx="0">
-          <a:scrgbClr r="0" g="0" b="0"/>
-        </a:effectRef>
-        <a:fontRef idx="minor"/>
-      </dsp:style>
-      <dsp:txBody>
-        <a:bodyPr spcFirstLastPara="0" vert="horz" wrap="square" lIns="0" tIns="83820" rIns="0" bIns="0" numCol="1" spcCol="1270" anchor="t" anchorCtr="1">
-          <a:noAutofit/>
-        </a:bodyPr>
-        <a:lstStyle/>
-        <a:p>
-          <a:pPr marL="0" lvl="0" indent="0" algn="ctr" defTabSz="488950">
-            <a:lnSpc>
-              <a:spcPct val="90000"/>
-            </a:lnSpc>
-            <a:spcBef>
-              <a:spcPct val="0"/>
-            </a:spcBef>
-            <a:spcAft>
-              <a:spcPct val="35000"/>
-            </a:spcAft>
-            <a:buNone/>
-          </a:pPr>
-          <a:r>
-            <a:rPr lang="en-US" sz="1100" kern="1200" dirty="0"/>
-            <a:t>Lorem ipsum dolor sit amet</a:t>
-          </a:r>
-        </a:p>
-      </dsp:txBody>
-      <dsp:txXfrm>
-        <a:off x="3010616" y="2361961"/>
-        <a:ext cx="5008717" cy="1271825"/>
-      </dsp:txXfrm>
-    </dsp:sp>
-    <dsp:sp modelId="{DBA410EB-5F61-4F46-92D9-C5B0AA59EE15}">
-      <dsp:nvSpPr>
-        <dsp:cNvPr id="0" name=""/>
-        <dsp:cNvSpPr/>
-      </dsp:nvSpPr>
-      <dsp:spPr>
-        <a:xfrm>
-          <a:off x="5514975" y="1998582"/>
-          <a:ext cx="0" cy="290702"/>
-        </a:xfrm>
-        <a:prstGeom prst="line">
-          <a:avLst/>
-        </a:prstGeom>
-        <a:noFill/>
-        <a:ln w="12700" cap="rnd" cmpd="sng" algn="ctr">
-          <a:solidFill>
-            <a:schemeClr val="accent1">
-              <a:shade val="90000"/>
-              <a:hueOff val="140199"/>
-              <a:satOff val="2886"/>
-              <a:lumOff val="12346"/>
-              <a:alphaOff val="0"/>
-            </a:schemeClr>
-          </a:solidFill>
-          <a:prstDash val="dash"/>
-        </a:ln>
-        <a:effectLst/>
-      </dsp:spPr>
-      <dsp:style>
-        <a:lnRef idx="1">
-          <a:scrgbClr r="0" g="0" b="0"/>
-        </a:lnRef>
-        <a:fillRef idx="0">
-          <a:scrgbClr r="0" g="0" b="0"/>
-        </a:fillRef>
-        <a:effectRef idx="0">
-          <a:scrgbClr r="0" g="0" b="0"/>
-        </a:effectRef>
-        <a:fontRef idx="minor"/>
-      </dsp:style>
-    </dsp:sp>
-    <dsp:sp modelId="{E1220EDB-B75C-43A5-B862-97E4C09130A7}">
-      <dsp:nvSpPr>
-        <dsp:cNvPr id="0" name=""/>
-        <dsp:cNvSpPr/>
-      </dsp:nvSpPr>
-      <dsp:spPr>
-        <a:xfrm>
-          <a:off x="5478637" y="2289285"/>
-          <a:ext cx="72675" cy="72675"/>
-        </a:xfrm>
-        <a:prstGeom prst="ellipse">
-          <a:avLst/>
-        </a:prstGeom>
-        <a:solidFill>
-          <a:schemeClr val="accent1">
-            <a:shade val="80000"/>
-            <a:hueOff val="223096"/>
-            <a:satOff val="-4529"/>
-            <a:lumOff val="15339"/>
-            <a:alphaOff val="0"/>
-          </a:schemeClr>
-        </a:solidFill>
-        <a:ln w="22225" cap="rnd" cmpd="sng" algn="ctr">
-          <a:solidFill>
-            <a:schemeClr val="lt1">
-              <a:hueOff val="0"/>
-              <a:satOff val="0"/>
-              <a:lumOff val="0"/>
-              <a:alphaOff val="0"/>
-            </a:schemeClr>
-          </a:solidFill>
-          <a:prstDash val="solid"/>
-        </a:ln>
-        <a:effectLst/>
-      </dsp:spPr>
-      <dsp:style>
-        <a:lnRef idx="2">
-          <a:scrgbClr r="0" g="0" b="0"/>
-        </a:lnRef>
-        <a:fillRef idx="1">
-          <a:scrgbClr r="0" g="0" b="0"/>
-        </a:fillRef>
-        <a:effectRef idx="0">
-          <a:scrgbClr r="0" g="0" b="0"/>
-        </a:effectRef>
-        <a:fontRef idx="minor">
-          <a:schemeClr val="lt1"/>
-        </a:fontRef>
-      </dsp:style>
-    </dsp:sp>
-    <dsp:sp modelId="{566B79CB-1A41-4F5C-BF91-58D94BF93913}">
-      <dsp:nvSpPr>
-        <dsp:cNvPr id="0" name=""/>
-        <dsp:cNvSpPr/>
-      </dsp:nvSpPr>
-      <dsp:spPr>
-        <a:xfrm rot="5400000">
-          <a:off x="8338516" y="314278"/>
-          <a:ext cx="363378" cy="3005230"/>
-        </a:xfrm>
-        <a:prstGeom prst="round2SameRect">
-          <a:avLst/>
-        </a:prstGeom>
-        <a:solidFill>
-          <a:schemeClr val="accent1">
-            <a:shade val="80000"/>
-            <a:hueOff val="446191"/>
-            <a:satOff val="-9058"/>
-            <a:lumOff val="30677"/>
-            <a:alphaOff val="0"/>
-          </a:schemeClr>
-        </a:solidFill>
-        <a:ln w="22225" cap="rnd" cmpd="sng" algn="ctr">
-          <a:solidFill>
-            <a:schemeClr val="accent1">
-              <a:shade val="80000"/>
-              <a:hueOff val="446191"/>
-              <a:satOff val="-9058"/>
-              <a:lumOff val="30677"/>
-              <a:alphaOff val="0"/>
-            </a:schemeClr>
-          </a:solidFill>
-          <a:prstDash val="solid"/>
-        </a:ln>
-        <a:effectLst/>
-      </dsp:spPr>
-      <dsp:style>
-        <a:lnRef idx="2">
-          <a:scrgbClr r="0" g="0" b="0"/>
-        </a:lnRef>
-        <a:fillRef idx="1">
-          <a:scrgbClr r="0" g="0" b="0"/>
-        </a:fillRef>
-        <a:effectRef idx="0">
-          <a:scrgbClr r="0" g="0" b="0"/>
-        </a:effectRef>
-        <a:fontRef idx="minor">
-          <a:schemeClr val="lt1"/>
-        </a:fontRef>
-      </dsp:style>
-      <dsp:txBody>
-        <a:bodyPr spcFirstLastPara="0" vert="horz" wrap="square" lIns="83820" tIns="83820" rIns="83820" bIns="83820" numCol="1" spcCol="1270" anchor="ctr" anchorCtr="1">
-          <a:noAutofit/>
-        </a:bodyPr>
-        <a:lstStyle/>
-        <a:p>
-          <a:pPr marL="0" lvl="0" indent="0" algn="ctr" defTabSz="488950">
-            <a:lnSpc>
-              <a:spcPct val="90000"/>
-            </a:lnSpc>
-            <a:spcBef>
-              <a:spcPct val="0"/>
-            </a:spcBef>
-            <a:spcAft>
-              <a:spcPct val="35000"/>
-            </a:spcAft>
-            <a:buNone/>
-          </a:pPr>
-          <a:r>
-            <a:rPr lang="en-US" sz="1100" kern="1200" dirty="0"/>
-            <a:t>2019</a:t>
-          </a:r>
-        </a:p>
-      </dsp:txBody>
-      <dsp:txXfrm rot="-5400000">
-        <a:off x="7017591" y="1652943"/>
-        <a:ext cx="2987491" cy="327900"/>
-      </dsp:txXfrm>
-    </dsp:sp>
-    <dsp:sp modelId="{B4723E2A-4FF1-452A-BD25-8EC364F15A6F}">
-      <dsp:nvSpPr>
-        <dsp:cNvPr id="0" name=""/>
-        <dsp:cNvSpPr/>
-      </dsp:nvSpPr>
-      <dsp:spPr>
-        <a:xfrm>
-          <a:off x="6015846" y="0"/>
-          <a:ext cx="5008717" cy="1271825"/>
-        </a:xfrm>
-        <a:prstGeom prst="rect">
-          <a:avLst/>
-        </a:prstGeom>
-        <a:noFill/>
-        <a:ln>
-          <a:noFill/>
-        </a:ln>
-        <a:effectLst/>
-      </dsp:spPr>
-      <dsp:style>
-        <a:lnRef idx="0">
-          <a:scrgbClr r="0" g="0" b="0"/>
-        </a:lnRef>
-        <a:fillRef idx="0">
-          <a:scrgbClr r="0" g="0" b="0"/>
-        </a:fillRef>
-        <a:effectRef idx="0">
-          <a:scrgbClr r="0" g="0" b="0"/>
-        </a:effectRef>
-        <a:fontRef idx="minor"/>
-      </dsp:style>
-      <dsp:txBody>
-        <a:bodyPr spcFirstLastPara="0" vert="horz" wrap="square" lIns="0" tIns="0" rIns="0" bIns="83820" numCol="1" spcCol="1270" anchor="b" anchorCtr="1">
-          <a:noAutofit/>
-        </a:bodyPr>
-        <a:lstStyle/>
-        <a:p>
-          <a:pPr marL="0" lvl="0" indent="0" algn="ctr" defTabSz="488950">
-            <a:lnSpc>
-              <a:spcPct val="90000"/>
-            </a:lnSpc>
-            <a:spcBef>
-              <a:spcPct val="0"/>
-            </a:spcBef>
-            <a:spcAft>
-              <a:spcPct val="35000"/>
-            </a:spcAft>
-            <a:buNone/>
-          </a:pPr>
-          <a:r>
-            <a:rPr lang="en-US" sz="1100" kern="1200" dirty="0"/>
-            <a:t>Lorem ipsum dolor sit amet</a:t>
-          </a:r>
-        </a:p>
-      </dsp:txBody>
-      <dsp:txXfrm>
-        <a:off x="6015846" y="0"/>
-        <a:ext cx="5008717" cy="1271825"/>
-      </dsp:txXfrm>
-    </dsp:sp>
-    <dsp:sp modelId="{440E9361-37D2-4157-AF38-7B49AD23708B}">
-      <dsp:nvSpPr>
-        <dsp:cNvPr id="0" name=""/>
-        <dsp:cNvSpPr/>
-      </dsp:nvSpPr>
-      <dsp:spPr>
-        <a:xfrm>
-          <a:off x="8520205" y="1344501"/>
-          <a:ext cx="0" cy="290702"/>
-        </a:xfrm>
-        <a:prstGeom prst="line">
-          <a:avLst/>
-        </a:prstGeom>
-        <a:noFill/>
-        <a:ln w="12700" cap="rnd" cmpd="sng" algn="ctr">
-          <a:solidFill>
-            <a:schemeClr val="accent1">
-              <a:shade val="90000"/>
-              <a:hueOff val="186931"/>
-              <a:satOff val="3848"/>
-              <a:lumOff val="16461"/>
-              <a:alphaOff val="0"/>
-            </a:schemeClr>
-          </a:solidFill>
-          <a:prstDash val="dash"/>
-        </a:ln>
-        <a:effectLst/>
-      </dsp:spPr>
-      <dsp:style>
-        <a:lnRef idx="1">
-          <a:scrgbClr r="0" g="0" b="0"/>
-        </a:lnRef>
-        <a:fillRef idx="0">
-          <a:scrgbClr r="0" g="0" b="0"/>
-        </a:fillRef>
-        <a:effectRef idx="0">
-          <a:scrgbClr r="0" g="0" b="0"/>
-        </a:effectRef>
-        <a:fontRef idx="minor"/>
-      </dsp:style>
-    </dsp:sp>
-    <dsp:sp modelId="{C45E7B63-1C71-483E-A3A8-705CE86D4D8E}">
-      <dsp:nvSpPr>
-        <dsp:cNvPr id="0" name=""/>
-        <dsp:cNvSpPr/>
-      </dsp:nvSpPr>
-      <dsp:spPr>
-        <a:xfrm>
-          <a:off x="8483867" y="1271825"/>
-          <a:ext cx="72675" cy="72675"/>
-        </a:xfrm>
-        <a:prstGeom prst="ellipse">
-          <a:avLst/>
-        </a:prstGeom>
-        <a:solidFill>
-          <a:schemeClr val="accent1">
-            <a:shade val="80000"/>
-            <a:hueOff val="446191"/>
-            <a:satOff val="-9058"/>
-            <a:lumOff val="30677"/>
-            <a:alphaOff val="0"/>
-          </a:schemeClr>
-        </a:solidFill>
-        <a:ln w="22225" cap="rnd" cmpd="sng" algn="ctr">
-          <a:solidFill>
-            <a:schemeClr val="lt1">
-              <a:hueOff val="0"/>
-              <a:satOff val="0"/>
-              <a:lumOff val="0"/>
-              <a:alphaOff val="0"/>
-            </a:schemeClr>
-          </a:solidFill>
-          <a:prstDash val="solid"/>
-        </a:ln>
-        <a:effectLst/>
-      </dsp:spPr>
-      <dsp:style>
-        <a:lnRef idx="2">
-          <a:scrgbClr r="0" g="0" b="0"/>
-        </a:lnRef>
-        <a:fillRef idx="1">
-          <a:scrgbClr r="0" g="0" b="0"/>
-        </a:fillRef>
-        <a:effectRef idx="0">
-          <a:scrgbClr r="0" g="0" b="0"/>
-        </a:effectRef>
-        <a:fontRef idx="minor">
-          <a:schemeClr val="lt1"/>
-        </a:fontRef>
-      </dsp:style>
-    </dsp:sp>
-  </dsp:spTree>
-</dsp:drawing>
-</file>
-
-<file path=ppt/diagrams/layout1.xml><?xml version="1.0" encoding="utf-8"?>
-<dgm:layoutDef xmlns:dgm="http://schemas.openxmlformats.org/drawingml/2006/diagram" xmlns:a="http://schemas.openxmlformats.org/drawingml/2006/main" uniqueId="urn:microsoft.com/office/officeart/2016/7/layout/RoundedRectangleTimeline">
-  <dgm:title val="Rounded Rectangle Timeline"/>
-  <dgm:desc val="Use to show a list of events in chronological order. An invisible box contains the description while the date is shown in rectangles, except for the first and last node where the corners of the rectangle are rounded. It can display large amount of text and long descriptive date format."/>
-  <dgm:catLst>
-    <dgm:cat type="timeline" pri="500"/>
-    <dgm:cat type="process" pri="600"/>
-  </dgm:catLst>
-  <dgm:sampData>
-    <dgm:dataModel>
-      <dgm:ptLst>
-        <dgm:pt modelId="0" type="doc"/>
-        <dgm:pt modelId="10">
-          <dgm:prSet phldr="1"/>
-        </dgm:pt>
-        <dgm:pt modelId="11">
-          <dgm:prSet phldr="1"/>
-        </dgm:pt>
-        <dgm:pt modelId="20">
-          <dgm:prSet phldr="1"/>
-        </dgm:pt>
-        <dgm:pt modelId="21">
-          <dgm:prSet phldr="1"/>
-        </dgm:pt>
-        <dgm:pt modelId="30">
-          <dgm:prSet phldr="1"/>
-        </dgm:pt>
-        <dgm:pt modelId="31">
-          <dgm:prSet phldr="1"/>
-        </dgm:pt>
-      </dgm:ptLst>
-      <dgm:cxnLst>
-        <dgm:cxn modelId="40" srcId="0" destId="10" srcOrd="0" destOrd="0"/>
-        <dgm:cxn modelId="12" srcId="10" destId="11" srcOrd="0" destOrd="0"/>
-        <dgm:cxn modelId="50" srcId="0" destId="20" srcOrd="1" destOrd="0"/>
-        <dgm:cxn modelId="22" srcId="20" destId="21" srcOrd="0" destOrd="0"/>
-        <dgm:cxn modelId="60" srcId="0" destId="30" srcOrd="1" destOrd="0"/>
-        <dgm:cxn modelId="32" srcId="30" destId="31" srcOrd="0" destOrd="0"/>
-      </dgm:cxnLst>
-      <dgm:bg/>
-      <dgm:whole/>
-    </dgm:dataModel>
-  </dgm:sampData>
-  <dgm:styleData>
-    <dgm:dataModel>
-      <dgm:ptLst>
-        <dgm:pt modelId="0" type="doc"/>
-        <dgm:pt modelId="10">
-          <dgm:prSet phldr="1"/>
-        </dgm:pt>
-        <dgm:pt modelId="20">
-          <dgm:prSet phldr="1"/>
-        </dgm:pt>
-      </dgm:ptLst>
-      <dgm:cxnLst>
-        <dgm:cxn modelId="60" srcId="0" destId="10" srcOrd="0" destOrd="0"/>
-        <dgm:cxn modelId="70" srcId="0" destId="20" srcOrd="1" destOrd="0"/>
-      </dgm:cxnLst>
-      <dgm:bg/>
-      <dgm:whole/>
-    </dgm:dataModel>
-  </dgm:styleData>
-  <dgm:clrData>
-    <dgm:dataModel>
-      <dgm:ptLst>
-        <dgm:pt modelId="0" type="doc"/>
-        <dgm:pt modelId="10">
-          <dgm:prSet phldr="1"/>
-        </dgm:pt>
-        <dgm:pt modelId="20">
-          <dgm:prSet phldr="1"/>
-        </dgm:pt>
-        <dgm:pt modelId="30">
-          <dgm:prSet phldr="1"/>
-        </dgm:pt>
-        <dgm:pt modelId="40">
-          <dgm:prSet phldr="1"/>
-        </dgm:pt>
-      </dgm:ptLst>
-      <dgm:cxnLst>
-        <dgm:cxn modelId="60" srcId="0" destId="10" srcOrd="0" destOrd="0"/>
-        <dgm:cxn modelId="70" srcId="0" destId="20" srcOrd="1" destOrd="0"/>
-        <dgm:cxn modelId="80" srcId="0" destId="30" srcOrd="2" destOrd="0"/>
-        <dgm:cxn modelId="90" srcId="0" destId="40" srcOrd="3" destOrd="0"/>
-      </dgm:cxnLst>
-      <dgm:bg/>
-      <dgm:whole/>
-    </dgm:dataModel>
-  </dgm:clrData>
-  <dgm:layoutNode name="Name0">
-    <dgm:varLst>
-      <dgm:chMax/>
-      <dgm:chPref/>
-      <dgm:animLvl val="lvl"/>
-    </dgm:varLst>
-    <dgm:choose name="Name1">
-      <dgm:if name="Name2" func="var" arg="dir" op="equ" val="norm">
-        <dgm:alg type="lin"/>
-      </dgm:if>
-      <dgm:else name="Name3">
-        <dgm:alg type="lin">
-          <dgm:param type="linDir" val="fromR"/>
-        </dgm:alg>
-      </dgm:else>
-    </dgm:choose>
-    <dgm:shape xmlns:r="http://schemas.openxmlformats.org/officeDocument/2006/relationships" r:blip="">
-      <dgm:adjLst/>
-    </dgm:shape>
-    <dgm:constrLst>
-      <dgm:constr type="primFontSz" for="des" forName="parent" val="18"/>
-      <dgm:constr type="primFontSz" for="des" forName="Childtext" val="18"/>
-      <dgm:constr type="primFontSz" for="des" forName="Childtext" refType="primFontSz" refFor="des" refForName="parent" op="lte"/>
-      <dgm:constr type="w" for="ch" forName="composite" refType="w"/>
-      <dgm:constr type="h" for="ch" forName="composite" refType="h"/>
-      <dgm:constr type="w" for="ch" forName="spaceBetweenRectangles" refType="w" refFor="ch" refForName="composite" fact="-0.4"/>
-      <dgm:constr type="w" for="ch" ptType="sibTrans" op="equ"/>
-      <dgm:constr type="primFontSz" for="des" forName="parent" op="equ"/>
-      <dgm:constr type="primFontSz" for="des" forName="Childtext" op="equ"/>
-      <dgm:constr type="primFontSz" for="des" forName="parent1" val="18"/>
-      <dgm:constr type="primFontSz" for="des" forName="Childtext1" val="18"/>
-      <dgm:constr type="primFontSz" for="des" forName="Childtext1" refType="primFontSz" refFor="des" refForName="parent1" op="lte"/>
-      <dgm:constr type="w" for="ch" forName="composite1" refType="w"/>
-      <dgm:constr type="h" for="ch" forName="composite1" refType="h"/>
-      <dgm:constr type="w" for="ch" forName="spaceBetweenRectangles1" refType="w" refFor="ch" refForName="composite1" fact="-0.4"/>
-      <dgm:constr type="primFontSz" for="des" forName="parent1" op="equ"/>
-      <dgm:constr type="primFontSz" for="des" forName="Childtext1" op="equ"/>
-    </dgm:constrLst>
-    <dgm:choose name="layoutByNodeCnt">
-      <dgm:if name="twoOrLessNodes" axis="ch" ptType="node" func="cnt" op="lte" val="2">
-        <dgm:forEach name="nodesForEach" axis="ch" ptType="node">
-          <dgm:layoutNode name="composite">
-            <dgm:alg type="composite"/>
-            <dgm:shape xmlns:r="http://schemas.openxmlformats.org/officeDocument/2006/relationships" r:blip="">
-              <dgm:adjLst/>
-            </dgm:shape>
-            <dgm:choose name="casesForFirstAndLastNode1">
-              <dgm:if name="startNode1" axis="self" ptType="node" func="pos" op="equ" val="1">
-                <dgm:choose name="removeLineWhenOnlyOneNode1">
-                  <dgm:if name="ifOnlyOneNode1" axis="followSib" ptType="node" func="cnt" op="equ" val="0">
-                    <dgm:constrLst>
-                      <dgm:constr type="w" for="ch" forName="parent" refType="w" fact="0.95"/>
-                      <dgm:constr type="l" for="ch" forName="parent" refType="w" fact="0.025"/>
-                      <dgm:constr type="t" for="ch" forName="parent" refType="h" fact="0.45"/>
-                      <dgm:constr type="h" for="ch" forName="parent" refType="h" fact="0.1"/>
-                      <dgm:constr type="l" for="ch" forName="Childtext" refType="w" fact="0.025"/>
-                      <dgm:constr type="w" for="ch" forName="Childtext" refType="w" fact="0.95"/>
-                      <dgm:constr type="h" for="ch" forName="Childtext" refType="h" fact="0.35"/>
-                      <dgm:constr type="w" for="ch" forName="ConnectLine"/>
-                      <dgm:constr type="h" for="ch" forName="ConnectLine" refType="h" fact="0.08"/>
-                      <dgm:constr type="t" for="ch" forName="ConnectLine" refType="h" fact="0.37"/>
-                      <dgm:constr type="ctrX" for="ch" forName="ConnectLine" refType="w" fact="0.5"/>
-                      <dgm:constr type="w" for="ch" forName="ConnectLineEnd" refType="h" fact="0.02"/>
-                      <dgm:constr type="h" for="ch" forName="ConnectLineEnd" refType="h" fact="0.02"/>
-                      <dgm:constr type="t" for="ch" forName="ConnectLineEnd" refType="h" fact="0.35"/>
-                      <dgm:constr type="ctrX" for="ch" forName="ConnectLineEnd" refType="w" fact="0.5"/>
-                      <dgm:constr type="w" for="ch" forName="EmptyPane" refType="w"/>
-                      <dgm:constr type="t" for="ch" forName="EmptyPane" refType="h" fact="0.55"/>
-                      <dgm:constr type="h" for="ch" forName="EmptyPane" refType="h" fact="0.45"/>
-                    </dgm:constrLst>
-                  </dgm:if>
-                  <dgm:else name="ifMoreThanOneNode1">
-                    <dgm:constrLst>
-                      <dgm:constr type="w" for="ch" forName="parent" refType="w" fact="0.6"/>
-                      <dgm:constr type="l" for="ch" forName="parent" refType="w" fact="0.2"/>
-                      <dgm:constr type="t" for="ch" forName="parent" refType="h" fact="0.45"/>
-                      <dgm:constr type="h" for="ch" forName="parent" refType="h" fact="0.1"/>
-                      <dgm:constr type="l" for="ch" forName="Childtext" refType="w" fact="0.2"/>
-                      <dgm:constr type="w" for="ch" forName="Childtext" refType="w" fact="0.6"/>
-                      <dgm:constr type="h" for="ch" forName="Childtext" refType="h" fact="0.35"/>
-                      <dgm:constr type="w" for="ch" forName="ConnectLine"/>
-                      <dgm:constr type="h" for="ch" forName="ConnectLine" refType="h" fact="0.08"/>
-                      <dgm:constr type="t" for="ch" forName="ConnectLine" refType="h" fact="0.37"/>
-                      <dgm:constr type="ctrX" for="ch" forName="ConnectLine" refType="w" fact="0.5"/>
-                      <dgm:constr type="w" for="ch" forName="ConnectLineEnd" refType="h" fact="0.02"/>
-                      <dgm:constr type="h" for="ch" forName="ConnectLineEnd" refType="h" fact="0.02"/>
-                      <dgm:constr type="t" for="ch" forName="ConnectLineEnd" refType="h" fact="0.35"/>
-                      <dgm:constr type="ctrX" for="ch" forName="ConnectLineEnd" refType="w" fact="0.5"/>
-                      <dgm:constr type="w" for="ch" forName="EmptyPane" refType="w"/>
-                      <dgm:constr type="t" for="ch" forName="EmptyPane" refType="h" fact="0.55"/>
-                      <dgm:constr type="h" for="ch" forName="EmptyPane" refType="h" fact="0.45"/>
-                    </dgm:constrLst>
-                  </dgm:else>
-                </dgm:choose>
-              </dgm:if>
-              <dgm:else name="notStartNode1">
-                <dgm:constrLst>
-                  <dgm:constr type="w" for="ch" forName="parent" refType="w" fact="0.6"/>
-                  <dgm:constr type="l" for="ch" forName="parent" refType="w" fact="0.2"/>
-                  <dgm:constr type="t" for="ch" forName="parent" refType="h" fact="0.45"/>
-                  <dgm:constr type="h" for="ch" forName="parent" refType="h" fact="0.1"/>
-                  <dgm:constr type="l" for="ch" forName="Childtext" refType="w" fact="0.2"/>
-                  <dgm:constr type="w" for="ch" forName="Childtext" refType="w" fact="0.6"/>
-                  <dgm:constr type="h" for="ch" forName="Childtext" refType="h" fact="0.35"/>
-                  <dgm:constr type="t" for="ch" forName="Childtext" refType="h" fact="0.65"/>
-                  <dgm:constr type="w" for="ch" forName="ConnectLine"/>
-                  <dgm:constr type="h" for="ch" forName="ConnectLine" refType="h" fact="0.08"/>
-                  <dgm:constr type="t" for="ch" forName="ConnectLine" refType="h" fact="0.55"/>
-                  <dgm:constr type="ctrX" for="ch" forName="ConnectLine" refType="w" fact="0.5"/>
-                  <dgm:constr type="w" for="ch" forName="ConnectLineEnd" refType="h" fact="0.02"/>
-                  <dgm:constr type="h" for="ch" forName="ConnectLineEnd" refType="h" fact="0.02"/>
-                  <dgm:constr type="b" for="ch" forName="ConnectLineEnd" refType="h" fact="0.65"/>
-                  <dgm:constr type="ctrX" for="ch" forName="ConnectLineEnd" refType="w" fact="0.5"/>
-                  <dgm:constr type="w" for="ch" forName="EmptyPane" refType="w"/>
-                  <dgm:constr type="h" for="ch" forName="EmptyPane" refType="h" fact="0.45"/>
-                </dgm:constrLst>
-              </dgm:else>
-            </dgm:choose>
-            <dgm:layoutNode name="parent" styleLbl="alignNode1">
-              <dgm:varLst>
-                <dgm:chMax val="1"/>
-                <dgm:chPref val="1"/>
-                <dgm:bulletEnabled val="1"/>
-              </dgm:varLst>
-              <dgm:alg type="tx">
-                <dgm:param type="txAnchorHorz" val="ctr"/>
-                <dgm:param type="txAnchorVert" val="mid"/>
-                <dgm:param type="parTxLTRAlign" val="ctr"/>
-                <dgm:param type="parTxRTLAlign" val="ctr"/>
-              </dgm:alg>
-              <dgm:choose name="casesForFirstAndLastNode">
-                <dgm:if name="startNode" axis="self" ptType="node" func="pos" op="equ" val="1">
-                  <dgm:choose name="removeLineWhenOnlyOneNode">
-                    <dgm:if name="ifOnlyOneNode" axis="followSib" ptType="node" func="cnt" op="equ" val="0">
-                      <dgm:shape xmlns:r="http://schemas.openxmlformats.org/officeDocument/2006/relationships" type="roundRect" r:blip="">
-                        <dgm:adjLst/>
-                      </dgm:shape>
-                    </dgm:if>
-                    <dgm:else name="ifMoreThanOneNode">
-                      <dgm:choose name="Name18">
-                        <dgm:if name="Name19" func="var" arg="dir" op="equ" val="norm">
-                          <dgm:shape xmlns:r="http://schemas.openxmlformats.org/officeDocument/2006/relationships" rot="-90" type="round2SameRect" r:blip="">
-                            <dgm:adjLst/>
-                          </dgm:shape>
-                        </dgm:if>
-                        <dgm:else name="Name20">
-                          <dgm:shape xmlns:r="http://schemas.openxmlformats.org/officeDocument/2006/relationships" rot="90" type="round2SameRect" r:blip="">
-                            <dgm:adjLst/>
-                          </dgm:shape>
-                        </dgm:else>
-                      </dgm:choose>
-                    </dgm:else>
-                  </dgm:choose>
-                </dgm:if>
-                <dgm:else name="notStartNode">
-                  <dgm:choose name="Name22">
-                    <dgm:if name="Name23" axis="self" ptType="node" func="revPos" op="equ" val="1">
-                      <dgm:choose name="Name24">
-                        <dgm:if name="Name25" func="var" arg="dir" op="equ" val="norm">
-                          <dgm:shape xmlns:r="http://schemas.openxmlformats.org/officeDocument/2006/relationships" rot="90" type="round2SameRect" r:blip="">
-                            <dgm:adjLst/>
-                          </dgm:shape>
-                        </dgm:if>
-                        <dgm:else name="Name26">
-                          <dgm:shape xmlns:r="http://schemas.openxmlformats.org/officeDocument/2006/relationships" rot="-90" type="round2SameRect" r:blip="">
-                            <dgm:adjLst/>
-                          </dgm:shape>
-                        </dgm:else>
-                      </dgm:choose>
-                    </dgm:if>
-                    <dgm:else name="Name27">
-                      <dgm:shape xmlns:r="http://schemas.openxmlformats.org/officeDocument/2006/relationships" type="rect" r:blip="">
-                        <dgm:adjLst/>
-                      </dgm:shape>
-                    </dgm:else>
-                  </dgm:choose>
-                </dgm:else>
-              </dgm:choose>
-              <dgm:presOf axis="self" ptType="node"/>
-              <dgm:constrLst>
-                <dgm:constr type="lMarg" refType="primFontSz" fact="0.6"/>
-                <dgm:constr type="rMarg" refType="primFontSz" fact="0.6"/>
-                <dgm:constr type="tMarg" refType="primFontSz" fact="0.6"/>
-                <dgm:constr type="bMarg" refType="primFontSz" fact="0.6"/>
-              </dgm:constrLst>
-              <dgm:ruleLst>
-                <dgm:rule type="primFontSz" val="11" fact="NaN" max="NaN"/>
-              </dgm:ruleLst>
-            </dgm:layoutNode>
-            <dgm:layoutNode name="Childtext" styleLbl="revTx">
-              <dgm:varLst>
-                <dgm:bulletEnabled val="1"/>
-              </dgm:varLst>
-              <dgm:choose name="casesForTxtDirLogic">
-                <dgm:if name="Name77" axis="self" ptType="node" func="posOdd" op="equ" val="1">
-                  <dgm:alg type="tx">
-                    <dgm:param type="txAnchorVert" val="b"/>
-                    <dgm:param type="txAnchorHorz" val="ctr"/>
-                    <dgm:param type="parTxLTRAlign" val="ctr"/>
-                    <dgm:param type="parTxRTLAlign" val="ctr"/>
-                  </dgm:alg>
-                  <dgm:constrLst>
-                    <dgm:constr type="lMarg"/>
-                    <dgm:constr type="rMarg"/>
-                    <dgm:constr type="tMarg"/>
-                    <dgm:constr type="bMarg" refType="primFontSz" fact="0.6"/>
-                  </dgm:constrLst>
-                </dgm:if>
-                <dgm:else name="Name88">
-                  <dgm:alg type="tx">
-                    <dgm:param type="txAnchorVert" val="t"/>
-                    <dgm:param type="txAnchorHorz" val="ctr"/>
-                    <dgm:param type="parTxLTRAlign" val="ctr"/>
-                    <dgm:param type="parTxRTLAlign" val="ctr"/>
-                  </dgm:alg>
-                  <dgm:constrLst>
-                    <dgm:constr type="lMarg"/>
-                    <dgm:constr type="rMarg"/>
-                    <dgm:constr type="tMarg" refType="primFontSz" fact="0.6"/>
-                    <dgm:constr type="bMarg"/>
-                  </dgm:constrLst>
-                </dgm:else>
-              </dgm:choose>
-              <dgm:shape xmlns:r="http://schemas.openxmlformats.org/officeDocument/2006/relationships" type="rect" r:blip="">
-                <dgm:adjLst/>
-              </dgm:shape>
-              <dgm:presOf axis="ch" ptType="node"/>
-              <dgm:ruleLst>
-                <dgm:rule type="primFontSz" val="11" fact="NaN" max="NaN"/>
-              </dgm:ruleLst>
-            </dgm:layoutNode>
-            <dgm:layoutNode name="ConnectLine" styleLbl="sibTrans1D1">
-              <dgm:alg type="sp"/>
-              <dgm:shape xmlns:r="http://schemas.openxmlformats.org/officeDocument/2006/relationships" type="line" r:blip="">
-                <dgm:adjLst/>
-                <dgm:extLst>
-                  <a:ext uri="{B698B0E9-8C71-41B9-8309-B3DCBF30829C}">
-                    <dgm1612:spPr xmlns:dgm1612="http://schemas.microsoft.com/office/drawing/2016/12/diagram">
-                      <a:ln>
-                        <a:prstDash val="dash"/>
-                      </a:ln>
-                    </dgm1612:spPr>
-                  </a:ext>
-                </dgm:extLst>
-              </dgm:shape>
-              <dgm:presOf/>
-              <dgm:constrLst/>
-            </dgm:layoutNode>
-            <dgm:layoutNode name="ConnectLineEnd" styleLbl="lnNode1">
-              <dgm:alg type="sp"/>
-              <dgm:shape xmlns:r="http://schemas.openxmlformats.org/officeDocument/2006/relationships" type="ellipse" r:blip="">
-                <dgm:adjLst/>
-              </dgm:shape>
-              <dgm:presOf/>
-              <dgm:constrLst/>
-            </dgm:layoutNode>
-            <dgm:layoutNode name="EmptyPane">
-              <dgm:alg type="sp"/>
-              <dgm:shape xmlns:r="http://schemas.openxmlformats.org/officeDocument/2006/relationships" r:blip="">
-                <dgm:adjLst/>
-              </dgm:shape>
-              <dgm:presOf/>
-              <dgm:constrLst/>
-            </dgm:layoutNode>
-          </dgm:layoutNode>
-          <dgm:forEach name="Name28" axis="followSib" ptType="sibTrans" cnt="1">
-            <dgm:layoutNode name="spaceBetweenRectangles">
-              <dgm:alg type="sp"/>
-              <dgm:shape xmlns:r="http://schemas.openxmlformats.org/officeDocument/2006/relationships" r:blip="">
-                <dgm:adjLst/>
-              </dgm:shape>
-              <dgm:presOf/>
-              <dgm:constrLst/>
-              <dgm:ruleLst/>
-            </dgm:layoutNode>
-          </dgm:forEach>
-        </dgm:forEach>
-      </dgm:if>
-      <dgm:else name="moreThanTwoNodes">
-        <dgm:forEach name="nodesForEach1" axis="ch" ptType="node">
-          <dgm:layoutNode name="composite1">
-            <dgm:alg type="composite"/>
-            <dgm:shape xmlns:r="http://schemas.openxmlformats.org/officeDocument/2006/relationships" r:blip="">
-              <dgm:adjLst/>
-            </dgm:shape>
-            <dgm:choose name="casesForSnakingLogic21">
-              <dgm:if name="oddNode21" axis="self" ptType="node" func="posOdd" op="equ" val="1">
-                <dgm:constrLst>
-                  <dgm:constr type="w" for="ch" forName="parent1" refType="w" fact="0.6"/>
-                  <dgm:constr type="l" for="ch" forName="parent1" refType="w" fact="0.2"/>
-                  <dgm:constr type="t" for="ch" forName="parent1" refType="h" fact="0.45"/>
-                  <dgm:constr type="h" for="ch" forName="parent1" refType="h" fact="0.1"/>
-                  <dgm:constr type="w" for="ch" forName="Childtext1" refType="w"/>
-                  <dgm:constr type="h" for="ch" forName="Childtext1" refType="h" fact="0.35"/>
-                  <dgm:constr type="w" for="ch" forName="ConnectLine1"/>
-                  <dgm:constr type="h" for="ch" forName="ConnectLine1" refType="h" fact="0.08"/>
-                  <dgm:constr type="t" for="ch" forName="ConnectLine1" refType="h" fact="0.37"/>
-                  <dgm:constr type="ctrX" for="ch" forName="ConnectLine1" refType="w" fact="0.5"/>
-                  <dgm:constr type="w" for="ch" forName="ConnectLineEnd1" refType="h" fact="0.02"/>
-                  <dgm:constr type="h" for="ch" forName="ConnectLineEnd1" refType="h" fact="0.02"/>
-                  <dgm:constr type="t" for="ch" forName="ConnectLineEnd1" refType="h" fact="0.35"/>
-                  <dgm:constr type="ctrX" for="ch" forName="ConnectLineEnd1" refType="w" fact="0.5"/>
-                  <dgm:constr type="w" for="ch" forName="EmptyPane1" refType="w"/>
-                  <dgm:constr type="t" for="ch" forName="EmptyPane1" refType="h" fact="0.55"/>
-                  <dgm:constr type="h" for="ch" forName="EmptyPane1" refType="h" fact="0.45"/>
-                </dgm:constrLst>
-              </dgm:if>
-              <dgm:else name="evenNode2">
-                <dgm:constrLst>
-                  <dgm:constr type="w" for="ch" forName="parent1" refType="w" fact="0.6"/>
-                  <dgm:constr type="l" for="ch" forName="parent1" refType="w" fact="0.2"/>
-                  <dgm:constr type="t" for="ch" forName="parent1" refType="h" fact="0.45"/>
-                  <dgm:constr type="h" for="ch" forName="parent1" refType="h" fact="0.1"/>
-                  <dgm:constr type="w" for="ch" forName="Childtext1" refType="w"/>
-                  <dgm:constr type="h" for="ch" forName="Childtext1" refType="h" fact="0.35"/>
-                  <dgm:constr type="t" for="ch" forName="Childtext1" refType="h" fact="0.65"/>
-                  <dgm:constr type="w" for="ch" forName="ConnectLine1"/>
-                  <dgm:constr type="h" for="ch" forName="ConnectLine1" refType="h" fact="0.08"/>
-                  <dgm:constr type="t" for="ch" forName="ConnectLine1" refType="h" fact="0.55"/>
-                  <dgm:constr type="ctrX" for="ch" forName="ConnectLine1" refType="w" fact="0.5"/>
-                  <dgm:constr type="w" for="ch" forName="ConnectLineEnd1" refType="h" fact="0.02"/>
-                  <dgm:constr type="h" for="ch" forName="ConnectLineEnd1" refType="h" fact="0.02"/>
-                  <dgm:constr type="b" for="ch" forName="ConnectLineEnd1" refType="h" fact="0.65"/>
-                  <dgm:constr type="ctrX" for="ch" forName="ConnectLineEnd1" refType="w" fact="0.5"/>
-                  <dgm:constr type="w" for="ch" forName="EmptyPane1" refType="w"/>
-                  <dgm:constr type="h" for="ch" forName="EmptyPane1" refType="h" fact="0.45"/>
-                </dgm:constrLst>
-              </dgm:else>
-            </dgm:choose>
-            <dgm:layoutNode name="parent1" styleLbl="alignNode1">
-              <dgm:varLst>
-                <dgm:chMax val="1"/>
-                <dgm:chPref val="1"/>
-                <dgm:bulletEnabled val="1"/>
-              </dgm:varLst>
-              <dgm:alg type="tx">
-                <dgm:param type="txAnchorHorz" val="ctr"/>
-                <dgm:param type="txAnchorVert" val="mid"/>
-                <dgm:param type="parTxLTRAlign" val="ctr"/>
-                <dgm:param type="parTxRTLAlign" val="ctr"/>
-              </dgm:alg>
-              <dgm:choose name="casesForFirstAndLastNode12">
-                <dgm:if name="startNode12" axis="self" ptType="node" func="pos" op="equ" val="1">
-                  <dgm:choose name="removeLineWhenOnlyOneNode12">
-                    <dgm:if name="ifOnlyOneNode12" axis="followSib" ptType="node" func="cnt" op="equ" val="0">
-                      <dgm:shape xmlns:r="http://schemas.openxmlformats.org/officeDocument/2006/relationships" type="roundRect" r:blip="">
-                        <dgm:adjLst/>
-                      </dgm:shape>
-                    </dgm:if>
-                    <dgm:else name="ifMoreThanOneNode12">
-                      <dgm:choose name="Name181">
-                        <dgm:if name="Name191" func="var" arg="dir" op="equ" val="norm">
-                          <dgm:shape xmlns:r="http://schemas.openxmlformats.org/officeDocument/2006/relationships" rot="-90" type="round2SameRect" r:blip="">
-                            <dgm:adjLst/>
-                          </dgm:shape>
-                        </dgm:if>
-                        <dgm:else name="Name201">
-                          <dgm:shape xmlns:r="http://schemas.openxmlformats.org/officeDocument/2006/relationships" rot="90" type="round2SameRect" r:blip="">
-                            <dgm:adjLst/>
-                          </dgm:shape>
-                        </dgm:else>
-                      </dgm:choose>
-                    </dgm:else>
-                  </dgm:choose>
-                </dgm:if>
-                <dgm:else name="notStartNode12">
-                  <dgm:choose name="Name221">
-                    <dgm:if name="Name231" axis="self" ptType="node" func="revPos" op="equ" val="1">
-                      <dgm:choose name="Name241">
-                        <dgm:if name="Name251" func="var" arg="dir" op="equ" val="norm">
-                          <dgm:shape xmlns:r="http://schemas.openxmlformats.org/officeDocument/2006/relationships" rot="90" type="round2SameRect" r:blip="">
-                            <dgm:adjLst/>
-                          </dgm:shape>
-                        </dgm:if>
-                        <dgm:else name="Name261">
-                          <dgm:shape xmlns:r="http://schemas.openxmlformats.org/officeDocument/2006/relationships" rot="-90" type="round2SameRect" r:blip="">
-                            <dgm:adjLst/>
-                          </dgm:shape>
-                        </dgm:else>
-                      </dgm:choose>
-                    </dgm:if>
-                    <dgm:else name="Name271">
-                      <dgm:shape xmlns:r="http://schemas.openxmlformats.org/officeDocument/2006/relationships" type="rect" r:blip="">
-                        <dgm:adjLst/>
-                      </dgm:shape>
-                    </dgm:else>
-                  </dgm:choose>
-                </dgm:else>
-              </dgm:choose>
-              <dgm:presOf axis="self" ptType="node"/>
-              <dgm:constrLst>
-                <dgm:constr type="lMarg" refType="primFontSz" fact="0.6"/>
-                <dgm:constr type="rMarg" refType="primFontSz" fact="0.6"/>
-                <dgm:constr type="tMarg" refType="primFontSz" fact="0.6"/>
-                <dgm:constr type="bMarg" refType="primFontSz" fact="0.6"/>
-              </dgm:constrLst>
-              <dgm:ruleLst>
-                <dgm:rule type="primFontSz" val="11" fact="NaN" max="NaN"/>
-              </dgm:ruleLst>
-            </dgm:layoutNode>
-            <dgm:layoutNode name="Childtext1" styleLbl="revTx">
-              <dgm:varLst>
-                <dgm:bulletEnabled val="1"/>
-              </dgm:varLst>
-              <dgm:choose name="casesForTxtDirLogic1">
-                <dgm:if name="Name771" axis="self" ptType="node" func="posOdd" op="equ" val="1">
-                  <dgm:alg type="tx">
-                    <dgm:param type="txAnchorVert" val="b"/>
-                    <dgm:param type="txAnchorHorz" val="ctr"/>
-                    <dgm:param type="parTxLTRAlign" val="ctr"/>
-                    <dgm:param type="parTxRTLAlign" val="ctr"/>
-                  </dgm:alg>
-                  <dgm:constrLst>
-                    <dgm:constr type="lMarg"/>
-                    <dgm:constr type="rMarg"/>
-                    <dgm:constr type="tMarg"/>
-                    <dgm:constr type="bMarg" refType="primFontSz" fact="0.6"/>
-                  </dgm:constrLst>
-                </dgm:if>
-                <dgm:else name="Name881">
-                  <dgm:alg type="tx">
-                    <dgm:param type="txAnchorVert" val="t"/>
-                    <dgm:param type="txAnchorHorz" val="ctr"/>
-                    <dgm:param type="parTxLTRAlign" val="ctr"/>
-                    <dgm:param type="parTxRTLAlign" val="ctr"/>
-                  </dgm:alg>
-                  <dgm:constrLst>
-                    <dgm:constr type="lMarg"/>
-                    <dgm:constr type="rMarg"/>
-                    <dgm:constr type="tMarg" refType="primFontSz" fact="0.6"/>
-                    <dgm:constr type="bMarg"/>
-                  </dgm:constrLst>
-                </dgm:else>
-              </dgm:choose>
-              <dgm:shape xmlns:r="http://schemas.openxmlformats.org/officeDocument/2006/relationships" type="rect" r:blip="">
-                <dgm:adjLst/>
-              </dgm:shape>
-              <dgm:presOf axis="ch" ptType="node"/>
-              <dgm:ruleLst>
-                <dgm:rule type="primFontSz" val="11" fact="NaN" max="NaN"/>
-              </dgm:ruleLst>
-            </dgm:layoutNode>
-            <dgm:layoutNode name="ConnectLine1" styleLbl="sibTrans1D1">
-              <dgm:alg type="sp"/>
-              <dgm:shape xmlns:r="http://schemas.openxmlformats.org/officeDocument/2006/relationships" type="line" r:blip="">
-                <dgm:adjLst/>
-                <dgm:extLst>
-                  <a:ext uri="{B698B0E9-8C71-41B9-8309-B3DCBF30829C}">
-                    <dgm1612:spPr xmlns:dgm1612="http://schemas.microsoft.com/office/drawing/2016/12/diagram">
-                      <a:ln>
-                        <a:prstDash val="dash"/>
-                      </a:ln>
-                    </dgm1612:spPr>
-                  </a:ext>
-                </dgm:extLst>
-              </dgm:shape>
-              <dgm:presOf/>
-              <dgm:constrLst/>
-            </dgm:layoutNode>
-            <dgm:layoutNode name="ConnectLineEnd1" styleLbl="lnNode1">
-              <dgm:alg type="sp"/>
-              <dgm:shape xmlns:r="http://schemas.openxmlformats.org/officeDocument/2006/relationships" type="ellipse" r:blip="">
-                <dgm:adjLst/>
-              </dgm:shape>
-              <dgm:presOf/>
-              <dgm:constrLst/>
-            </dgm:layoutNode>
-            <dgm:layoutNode name="EmptyPane1">
-              <dgm:alg type="sp"/>
-              <dgm:shape xmlns:r="http://schemas.openxmlformats.org/officeDocument/2006/relationships" r:blip="">
-                <dgm:adjLst/>
-              </dgm:shape>
-              <dgm:presOf/>
-              <dgm:constrLst/>
-            </dgm:layoutNode>
-          </dgm:layoutNode>
-          <dgm:forEach name="Name281" axis="followSib" ptType="sibTrans" cnt="1">
-            <dgm:layoutNode name="spaceBetweenRectangles1">
-              <dgm:alg type="sp"/>
-              <dgm:shape xmlns:r="http://schemas.openxmlformats.org/officeDocument/2006/relationships" r:blip="">
-                <dgm:adjLst/>
-              </dgm:shape>
-              <dgm:presOf/>
-              <dgm:constrLst/>
-              <dgm:ruleLst/>
-            </dgm:layoutNode>
-          </dgm:forEach>
-        </dgm:forEach>
-      </dgm:else>
-    </dgm:choose>
-  </dgm:layoutNode>
-</dgm:layoutDef>
-</file>
-
-<file path=ppt/diagrams/quickStyle1.xml><?xml version="1.0" encoding="utf-8"?>
-<dgm:styleDef xmlns:dgm="http://schemas.openxmlformats.org/drawingml/2006/diagram" xmlns:a="http://schemas.openxmlformats.org/drawingml/2006/main" uniqueId="urn:microsoft.com/office/officeart/2005/8/quickstyle/simple1">
-  <dgm:title val=""/>
-  <dgm:desc val=""/>
-  <dgm:catLst>
-    <dgm:cat type="simple" pri="10100"/>
-  </dgm:catLst>
-  <dgm:scene3d>
-    <a:camera prst="orthographicFront"/>
-    <a:lightRig rig="threePt" dir="t"/>
-  </dgm:scene3d>
-  <dgm:styleLbl name="node0">
-    <dgm:scene3d>
-      <a:camera prst="orthographicFront"/>
-      <a:lightRig rig="threePt" dir="t"/>
-    </dgm:scene3d>
-    <dgm:sp3d/>
-    <dgm:txPr/>
-    <dgm:style>
-      <a:lnRef idx="2">
-        <a:scrgbClr r="0" g="0" b="0"/>
-      </a:lnRef>
-      <a:fillRef idx="1">
-        <a:scrgbClr r="0" g="0" b="0"/>
-      </a:fillRef>
-      <a:effectRef idx="0">
-        <a:scrgbClr r="0" g="0" b="0"/>
-      </a:effectRef>
-      <a:fontRef idx="minor">
-        <a:schemeClr val="lt1"/>
-      </a:fontRef>
-    </dgm:style>
-  </dgm:styleLbl>
-  <dgm:styleLbl name="lnNode1">
-    <dgm:scene3d>
-      <a:camera prst="orthographicFront"/>
-      <a:lightRig rig="threePt" dir="t"/>
-    </dgm:scene3d>
-    <dgm:sp3d/>
-    <dgm:txPr/>
-    <dgm:style>
-      <a:lnRef idx="2">
-        <a:scrgbClr r="0" g="0" b="0"/>
-      </a:lnRef>
-      <a:fillRef idx="1">
-        <a:scrgbClr r="0" g="0" b="0"/>
-      </a:fillRef>
-      <a:effectRef idx="0">
-        <a:scrgbClr r="0" g="0" b="0"/>
-      </a:effectRef>
-      <a:fontRef idx="minor">
-        <a:schemeClr val="lt1"/>
-      </a:fontRef>
-    </dgm:style>
-  </dgm:styleLbl>
-  <dgm:styleLbl name="vennNode1">
-    <dgm:scene3d>
-      <a:camera prst="orthographicFront"/>
-      <a:lightRig rig="threePt" dir="t"/>
-    </dgm:scene3d>
-    <dgm:sp3d/>
-    <dgm:txPr/>
-    <dgm:style>
-      <a:lnRef idx="2">
-        <a:scrgbClr r="0" g="0" b="0"/>
-      </a:lnRef>
-      <a:fillRef idx="1">
-        <a:scrgbClr r="0" g="0" b="0"/>
-      </a:fillRef>
-      <a:effectRef idx="0">
-        <a:scrgbClr r="0" g="0" b="0"/>
-      </a:effectRef>
-      <a:fontRef idx="minor">
-        <a:schemeClr val="tx1"/>
-      </a:fontRef>
-    </dgm:style>
-  </dgm:styleLbl>
-  <dgm:styleLbl name="alignNode1">
-    <dgm:scene3d>
-      <a:camera prst="orthographicFront"/>
-      <a:lightRig rig="threePt" dir="t"/>
-    </dgm:scene3d>
-    <dgm:sp3d/>
-    <dgm:txPr/>
-    <dgm:style>
-      <a:lnRef idx="2">
-        <a:scrgbClr r="0" g="0" b="0"/>
-      </a:lnRef>
-      <a:fillRef idx="1">
-        <a:scrgbClr r="0" g="0" b="0"/>
-      </a:fillRef>
-      <a:effectRef idx="0">
-        <a:scrgbClr r="0" g="0" b="0"/>
-      </a:effectRef>
-      <a:fontRef idx="minor">
-        <a:schemeClr val="lt1"/>
-      </a:fontRef>
-    </dgm:style>
-  </dgm:styleLbl>
-  <dgm:styleLbl name="node1">
-    <dgm:scene3d>
-      <a:camera prst="orthographicFront"/>
-      <a:lightRig rig="threePt" dir="t"/>
-    </dgm:scene3d>
-    <dgm:sp3d/>
-    <dgm:txPr/>
-    <dgm:style>
-      <a:lnRef idx="2">
-        <a:scrgbClr r="0" g="0" b="0"/>
-      </a:lnRef>
-      <a:fillRef idx="1">
-        <a:scrgbClr r="0" g="0" b="0"/>
-      </a:fillRef>
-      <a:effectRef idx="0">
-        <a:scrgbClr r="0" g="0" b="0"/>
-      </a:effectRef>
-      <a:fontRef idx="minor">
-        <a:schemeClr val="lt1"/>
-      </a:fontRef>
-    </dgm:style>
-  </dgm:styleLbl>
-  <dgm:styleLbl name="node2">
-    <dgm:scene3d>
-      <a:camera prst="orthographicFront"/>
-      <a:lightRig rig="threePt" dir="t"/>
-    </dgm:scene3d>
-    <dgm:sp3d/>
-    <dgm:txPr/>
-    <dgm:style>
-      <a:lnRef idx="2">
-        <a:scrgbClr r="0" g="0" b="0"/>
-      </a:lnRef>
-      <a:fillRef idx="1">
-        <a:scrgbClr r="0" g="0" b="0"/>
-      </a:fillRef>
-      <a:effectRef idx="0">
-        <a:scrgbClr r="0" g="0" b="0"/>
-      </a:effectRef>
-      <a:fontRef idx="minor">
-        <a:schemeClr val="lt1"/>
-      </a:fontRef>
-    </dgm:style>
-  </dgm:styleLbl>
-  <dgm:styleLbl name="node3">
-    <dgm:scene3d>
-      <a:camera prst="orthographicFront"/>
-      <a:lightRig rig="threePt" dir="t"/>
-    </dgm:scene3d>
-    <dgm:sp3d/>
-    <dgm:txPr/>
-    <dgm:style>
-      <a:lnRef idx="2">
-        <a:scrgbClr r="0" g="0" b="0"/>
-      </a:lnRef>
-      <a:fillRef idx="1">
-        <a:scrgbClr r="0" g="0" b="0"/>
-      </a:fillRef>
-      <a:effectRef idx="0">
-        <a:scrgbClr r="0" g="0" b="0"/>
-      </a:effectRef>
-      <a:fontRef idx="minor">
-        <a:schemeClr val="lt1"/>
-      </a:fontRef>
-    </dgm:style>
-  </dgm:styleLbl>
-  <dgm:styleLbl name="node4">
-    <dgm:scene3d>
-      <a:camera prst="orthographicFront"/>
-      <a:lightRig rig="threePt" dir="t"/>
-    </dgm:scene3d>
-    <dgm:sp3d/>
-    <dgm:txPr/>
-    <dgm:style>
-      <a:lnRef idx="2">
-        <a:scrgbClr r="0" g="0" b="0"/>
-      </a:lnRef>
-      <a:fillRef idx="1">
-        <a:scrgbClr r="0" g="0" b="0"/>
-      </a:fillRef>
-      <a:effectRef idx="0">
-        <a:scrgbClr r="0" g="0" b="0"/>
-      </a:effectRef>
-      <a:fontRef idx="minor">
-        <a:schemeClr val="lt1"/>
-      </a:fontRef>
-    </dgm:style>
-  </dgm:styleLbl>
-  <dgm:styleLbl name="fgImgPlace1">
-    <dgm:scene3d>
-      <a:camera prst="orthographicFront"/>
-      <a:lightRig rig="threePt" dir="t"/>
-    </dgm:scene3d>
-    <dgm:sp3d/>
-    <dgm:txPr/>
-    <dgm:style>
-      <a:lnRef idx="2">
-        <a:scrgbClr r="0" g="0" b="0"/>
-      </a:lnRef>
-      <a:fillRef idx="1">
-        <a:scrgbClr r="0" g="0" b="0"/>
-      </a:fillRef>
-      <a:effectRef idx="0">
-        <a:scrgbClr r="0" g="0" b="0"/>
-      </a:effectRef>
-      <a:fontRef idx="minor"/>
-    </dgm:style>
-  </dgm:styleLbl>
-  <dgm:styleLbl name="alignImgPlace1">
-    <dgm:scene3d>
-      <a:camera prst="orthographicFront"/>
-      <a:lightRig rig="threePt" dir="t"/>
-    </dgm:scene3d>
-    <dgm:sp3d/>
-    <dgm:txPr/>
-    <dgm:style>
-      <a:lnRef idx="2">
-        <a:scrgbClr r="0" g="0" b="0"/>
-      </a:lnRef>
-      <a:fillRef idx="1">
-        <a:scrgbClr r="0" g="0" b="0"/>
-      </a:fillRef>
-      <a:effectRef idx="0">
-        <a:scrgbClr r="0" g="0" b="0"/>
-      </a:effectRef>
-      <a:fontRef idx="minor"/>
-    </dgm:style>
-  </dgm:styleLbl>
-  <dgm:styleLbl name="bgImgPlace1">
-    <dgm:scene3d>
-      <a:camera prst="orthographicFront"/>
-      <a:lightRig rig="threePt" dir="t"/>
-    </dgm:scene3d>
-    <dgm:sp3d/>
-    <dgm:txPr/>
-    <dgm:style>
-      <a:lnRef idx="2">
-        <a:scrgbClr r="0" g="0" b="0"/>
-      </a:lnRef>
-      <a:fillRef idx="1">
-        <a:scrgbClr r="0" g="0" b="0"/>
-      </a:fillRef>
-      <a:effectRef idx="0">
-        <a:scrgbClr r="0" g="0" b="0"/>
-      </a:effectRef>
-      <a:fontRef idx="minor"/>
-    </dgm:style>
-  </dgm:styleLbl>
-  <dgm:styleLbl name="sibTrans2D1">
-    <dgm:scene3d>
-      <a:camera prst="orthographicFront"/>
-      <a:lightRig rig="threePt" dir="t"/>
-    </dgm:scene3d>
-    <dgm:sp3d/>
-    <dgm:txPr/>
-    <dgm:style>
-      <a:lnRef idx="0">
-        <a:scrgbClr r="0" g="0" b="0"/>
-      </a:lnRef>
-      <a:fillRef idx="1">
-        <a:scrgbClr r="0" g="0" b="0"/>
-      </a:fillRef>
-      <a:effectRef idx="0">
-        <a:scrgbClr r="0" g="0" b="0"/>
-      </a:effectRef>
-      <a:fontRef idx="minor">
-        <a:schemeClr val="lt1"/>
-      </a:fontRef>
-    </dgm:style>
-  </dgm:styleLbl>
-  <dgm:styleLbl name="fgSibTrans2D1">
-    <dgm:scene3d>
-      <a:camera prst="orthographicFront"/>
-      <a:lightRig rig="threePt" dir="t"/>
-    </dgm:scene3d>
-    <dgm:sp3d/>
-    <dgm:txPr/>
-    <dgm:style>
-      <a:lnRef idx="0">
-        <a:scrgbClr r="0" g="0" b="0"/>
-      </a:lnRef>
-      <a:fillRef idx="1">
-        <a:scrgbClr r="0" g="0" b="0"/>
-      </a:fillRef>
-      <a:effectRef idx="0">
-        <a:scrgbClr r="0" g="0" b="0"/>
-      </a:effectRef>
-      <a:fontRef idx="minor">
-        <a:schemeClr val="lt1"/>
-      </a:fontRef>
-    </dgm:style>
-  </dgm:styleLbl>
-  <dgm:styleLbl name="bgSibTrans2D1">
-    <dgm:scene3d>
-      <a:camera prst="orthographicFront"/>
-      <a:lightRig rig="threePt" dir="t"/>
-    </dgm:scene3d>
-    <dgm:sp3d/>
-    <dgm:txPr/>
-    <dgm:style>
-      <a:lnRef idx="0">
-        <a:scrgbClr r="0" g="0" b="0"/>
-      </a:lnRef>
-      <a:fillRef idx="1">
-        <a:scrgbClr r="0" g="0" b="0"/>
-      </a:fillRef>
-      <a:effectRef idx="0">
-        <a:scrgbClr r="0" g="0" b="0"/>
-      </a:effectRef>
-      <a:fontRef idx="minor">
-        <a:schemeClr val="lt1"/>
-      </a:fontRef>
-    </dgm:style>
-  </dgm:styleLbl>
-  <dgm:styleLbl name="sibTrans1D1">
-    <dgm:scene3d>
-      <a:camera prst="orthographicFront"/>
-      <a:lightRig rig="threePt" dir="t"/>
-    </dgm:scene3d>
-    <dgm:sp3d/>
-    <dgm:txPr/>
-    <dgm:style>
-      <a:lnRef idx="1">
-        <a:scrgbClr r="0" g="0" b="0"/>
-      </a:lnRef>
-      <a:fillRef idx="0">
-        <a:scrgbClr r="0" g="0" b="0"/>
-      </a:fillRef>
-      <a:effectRef idx="0">
-        <a:scrgbClr r="0" g="0" b="0"/>
-      </a:effectRef>
-      <a:fontRef idx="minor"/>
-    </dgm:style>
-  </dgm:styleLbl>
-  <dgm:styleLbl name="callout">
-    <dgm:scene3d>
-      <a:camera prst="orthographicFront"/>
-      <a:lightRig rig="threePt" dir="t"/>
-    </dgm:scene3d>
-    <dgm:sp3d/>
-    <dgm:txPr/>
-    <dgm:style>
-      <a:lnRef idx="2">
-        <a:scrgbClr r="0" g="0" b="0"/>
-      </a:lnRef>
-      <a:fillRef idx="1">
-        <a:scrgbClr r="0" g="0" b="0"/>
-      </a:fillRef>
-      <a:effectRef idx="0">
-        <a:scrgbClr r="0" g="0" b="0"/>
-      </a:effectRef>
-      <a:fontRef idx="minor"/>
-    </dgm:style>
-  </dgm:styleLbl>
-  <dgm:styleLbl name="asst0">
-    <dgm:scene3d>
-      <a:camera prst="orthographicFront"/>
-      <a:lightRig rig="threePt" dir="t"/>
-    </dgm:scene3d>
-    <dgm:sp3d/>
-    <dgm:txPr/>
-    <dgm:style>
-      <a:lnRef idx="2">
-        <a:scrgbClr r="0" g="0" b="0"/>
-      </a:lnRef>
-      <a:fillRef idx="1">
-        <a:scrgbClr r="0" g="0" b="0"/>
-      </a:fillRef>
-      <a:effectRef idx="0">
-        <a:scrgbClr r="0" g="0" b="0"/>
-      </a:effectRef>
-      <a:fontRef idx="minor">
-        <a:schemeClr val="lt1"/>
-      </a:fontRef>
-    </dgm:style>
-  </dgm:styleLbl>
-  <dgm:styleLbl name="asst1">
-    <dgm:scene3d>
-      <a:camera prst="orthographicFront"/>
-      <a:lightRig rig="threePt" dir="t"/>
-    </dgm:scene3d>
-    <dgm:sp3d/>
-    <dgm:txPr/>
-    <dgm:style>
-      <a:lnRef idx="2">
-        <a:scrgbClr r="0" g="0" b="0"/>
-      </a:lnRef>
-      <a:fillRef idx="1">
-        <a:scrgbClr r="0" g="0" b="0"/>
-      </a:fillRef>
-      <a:effectRef idx="0">
-        <a:scrgbClr r="0" g="0" b="0"/>
-      </a:effectRef>
-      <a:fontRef idx="minor">
-        <a:schemeClr val="lt1"/>
-      </a:fontRef>
-    </dgm:style>
-  </dgm:styleLbl>
-  <dgm:styleLbl name="asst2">
-    <dgm:scene3d>
-      <a:camera prst="orthographicFront"/>
-      <a:lightRig rig="threePt" dir="t"/>
-    </dgm:scene3d>
-    <dgm:sp3d/>
-    <dgm:txPr/>
-    <dgm:style>
-      <a:lnRef idx="2">
-        <a:scrgbClr r="0" g="0" b="0"/>
-      </a:lnRef>
-      <a:fillRef idx="1">
-        <a:scrgbClr r="0" g="0" b="0"/>
-      </a:fillRef>
-      <a:effectRef idx="0">
-        <a:scrgbClr r="0" g="0" b="0"/>
-      </a:effectRef>
-      <a:fontRef idx="minor">
-        <a:schemeClr val="lt1"/>
-      </a:fontRef>
-    </dgm:style>
-  </dgm:styleLbl>
-  <dgm:styleLbl name="asst3">
-    <dgm:scene3d>
-      <a:camera prst="orthographicFront"/>
-      <a:lightRig rig="threePt" dir="t"/>
-    </dgm:scene3d>
-    <dgm:sp3d/>
-    <dgm:txPr/>
-    <dgm:style>
-      <a:lnRef idx="2">
-        <a:scrgbClr r="0" g="0" b="0"/>
-      </a:lnRef>
-      <a:fillRef idx="1">
-        <a:scrgbClr r="0" g="0" b="0"/>
-      </a:fillRef>
-      <a:effectRef idx="0">
-        <a:scrgbClr r="0" g="0" b="0"/>
-      </a:effectRef>
-      <a:fontRef idx="minor">
-        <a:schemeClr val="lt1"/>
-      </a:fontRef>
-    </dgm:style>
-  </dgm:styleLbl>
-  <dgm:styleLbl name="asst4">
-    <dgm:scene3d>
-      <a:camera prst="orthographicFront"/>
-      <a:lightRig rig="threePt" dir="t"/>
-    </dgm:scene3d>
-    <dgm:sp3d/>
-    <dgm:txPr/>
-    <dgm:style>
-      <a:lnRef idx="2">
-        <a:scrgbClr r="0" g="0" b="0"/>
-      </a:lnRef>
-      <a:fillRef idx="1">
-        <a:scrgbClr r="0" g="0" b="0"/>
-      </a:fillRef>
-      <a:effectRef idx="0">
-        <a:scrgbClr r="0" g="0" b="0"/>
-      </a:effectRef>
-      <a:fontRef idx="minor">
-        <a:schemeClr val="lt1"/>
-      </a:fontRef>
-    </dgm:style>
-  </dgm:styleLbl>
-  <dgm:styleLbl name="parChTrans2D1">
-    <dgm:scene3d>
-      <a:camera prst="orthographicFront"/>
-      <a:lightRig rig="threePt" dir="t"/>
-    </dgm:scene3d>
-    <dgm:sp3d/>
-    <dgm:txPr/>
-    <dgm:style>
-      <a:lnRef idx="2">
-        <a:scrgbClr r="0" g="0" b="0"/>
-      </a:lnRef>
-      <a:fillRef idx="1">
-        <a:scrgbClr r="0" g="0" b="0"/>
-      </a:fillRef>
-      <a:effectRef idx="0">
-        <a:scrgbClr r="0" g="0" b="0"/>
-      </a:effectRef>
-      <a:fontRef idx="minor">
-        <a:schemeClr val="lt1"/>
-      </a:fontRef>
-    </dgm:style>
-  </dgm:styleLbl>
-  <dgm:styleLbl name="parChTrans2D2">
-    <dgm:scene3d>
-      <a:camera prst="orthographicFront"/>
-      <a:lightRig rig="threePt" dir="t"/>
-    </dgm:scene3d>
-    <dgm:sp3d/>
-    <dgm:txPr/>
-    <dgm:style>
-      <a:lnRef idx="2">
-        <a:scrgbClr r="0" g="0" b="0"/>
-      </a:lnRef>
-      <a:fillRef idx="1">
-        <a:scrgbClr r="0" g="0" b="0"/>
-      </a:fillRef>
-      <a:effectRef idx="0">
-        <a:scrgbClr r="0" g="0" b="0"/>
-      </a:effectRef>
-      <a:fontRef idx="minor">
-        <a:schemeClr val="lt1"/>
-      </a:fontRef>
-    </dgm:style>
-  </dgm:styleLbl>
-  <dgm:styleLbl name="parChTrans2D3">
-    <dgm:scene3d>
-      <a:camera prst="orthographicFront"/>
-      <a:lightRig rig="threePt" dir="t"/>
-    </dgm:scene3d>
-    <dgm:sp3d/>
-    <dgm:txPr/>
-    <dgm:style>
-      <a:lnRef idx="2">
-        <a:scrgbClr r="0" g="0" b="0"/>
-      </a:lnRef>
-      <a:fillRef idx="1">
-        <a:scrgbClr r="0" g="0" b="0"/>
-      </a:fillRef>
-      <a:effectRef idx="0">
-        <a:scrgbClr r="0" g="0" b="0"/>
-      </a:effectRef>
-      <a:fontRef idx="minor">
-        <a:schemeClr val="lt1"/>
-      </a:fontRef>
-    </dgm:style>
-  </dgm:styleLbl>
-  <dgm:styleLbl name="parChTrans2D4">
-    <dgm:scene3d>
-      <a:camera prst="orthographicFront"/>
-      <a:lightRig rig="threePt" dir="t"/>
-    </dgm:scene3d>
-    <dgm:sp3d/>
-    <dgm:txPr/>
-    <dgm:style>
-      <a:lnRef idx="2">
-        <a:scrgbClr r="0" g="0" b="0"/>
-      </a:lnRef>
-      <a:fillRef idx="1">
-        <a:scrgbClr r="0" g="0" b="0"/>
-      </a:fillRef>
-      <a:effectRef idx="0">
-        <a:scrgbClr r="0" g="0" b="0"/>
-      </a:effectRef>
-      <a:fontRef idx="minor">
-        <a:schemeClr val="lt1"/>
-      </a:fontRef>
-    </dgm:style>
-  </dgm:styleLbl>
-  <dgm:styleLbl name="parChTrans1D1">
-    <dgm:scene3d>
-      <a:camera prst="orthographicFront"/>
-      <a:lightRig rig="threePt" dir="t"/>
-    </dgm:scene3d>
-    <dgm:sp3d/>
-    <dgm:txPr/>
-    <dgm:style>
-      <a:lnRef idx="2">
-        <a:scrgbClr r="0" g="0" b="0"/>
-      </a:lnRef>
-      <a:fillRef idx="0">
-        <a:scrgbClr r="0" g="0" b="0"/>
-      </a:fillRef>
-      <a:effectRef idx="0">
-        <a:scrgbClr r="0" g="0" b="0"/>
-      </a:effectRef>
-      <a:fontRef idx="minor"/>
-    </dgm:style>
-  </dgm:styleLbl>
-  <dgm:styleLbl name="parChTrans1D2">
-    <dgm:scene3d>
-      <a:camera prst="orthographicFront"/>
-      <a:lightRig rig="threePt" dir="t"/>
-    </dgm:scene3d>
-    <dgm:sp3d/>
-    <dgm:txPr/>
-    <dgm:style>
-      <a:lnRef idx="2">
-        <a:scrgbClr r="0" g="0" b="0"/>
-      </a:lnRef>
-      <a:fillRef idx="0">
-        <a:scrgbClr r="0" g="0" b="0"/>
-      </a:fillRef>
-      <a:effectRef idx="0">
-        <a:scrgbClr r="0" g="0" b="0"/>
-      </a:effectRef>
-      <a:fontRef idx="minor"/>
-    </dgm:style>
-  </dgm:styleLbl>
-  <dgm:styleLbl name="parChTrans1D3">
-    <dgm:scene3d>
-      <a:camera prst="orthographicFront"/>
-      <a:lightRig rig="threePt" dir="t"/>
-    </dgm:scene3d>
-    <dgm:sp3d/>
-    <dgm:txPr/>
-    <dgm:style>
-      <a:lnRef idx="2">
-        <a:scrgbClr r="0" g="0" b="0"/>
-      </a:lnRef>
-      <a:fillRef idx="0">
-        <a:scrgbClr r="0" g="0" b="0"/>
-      </a:fillRef>
-      <a:effectRef idx="0">
-        <a:scrgbClr r="0" g="0" b="0"/>
-      </a:effectRef>
-      <a:fontRef idx="minor"/>
-    </dgm:style>
-  </dgm:styleLbl>
-  <dgm:styleLbl name="parChTrans1D4">
-    <dgm:scene3d>
-      <a:camera prst="orthographicFront"/>
-      <a:lightRig rig="threePt" dir="t"/>
-    </dgm:scene3d>
-    <dgm:sp3d/>
-    <dgm:txPr/>
-    <dgm:style>
-      <a:lnRef idx="2">
-        <a:scrgbClr r="0" g="0" b="0"/>
-      </a:lnRef>
-      <a:fillRef idx="0">
-        <a:scrgbClr r="0" g="0" b="0"/>
-      </a:fillRef>
-      <a:effectRef idx="0">
-        <a:scrgbClr r="0" g="0" b="0"/>
-      </a:effectRef>
-      <a:fontRef idx="minor"/>
-    </dgm:style>
-  </dgm:styleLbl>
-  <dgm:styleLbl name="fgAcc1">
-    <dgm:scene3d>
-      <a:camera prst="orthographicFront"/>
-      <a:lightRig rig="threePt" dir="t"/>
-    </dgm:scene3d>
-    <dgm:sp3d/>
-    <dgm:txPr/>
-    <dgm:style>
-      <a:lnRef idx="2">
-        <a:scrgbClr r="0" g="0" b="0"/>
-      </a:lnRef>
-      <a:fillRef idx="1">
-        <a:scrgbClr r="0" g="0" b="0"/>
-      </a:fillRef>
-      <a:effectRef idx="0">
-        <a:scrgbClr r="0" g="0" b="0"/>
-      </a:effectRef>
-      <a:fontRef idx="minor"/>
-    </dgm:style>
-  </dgm:styleLbl>
-  <dgm:styleLbl name="conFgAcc1">
-    <dgm:scene3d>
-      <a:camera prst="orthographicFront"/>
-      <a:lightRig rig="threePt" dir="t"/>
-    </dgm:scene3d>
-    <dgm:sp3d/>
-    <dgm:txPr/>
-    <dgm:style>
-      <a:lnRef idx="2">
-        <a:scrgbClr r="0" g="0" b="0"/>
-      </a:lnRef>
-      <a:fillRef idx="1">
-        <a:scrgbClr r="0" g="0" b="0"/>
-      </a:fillRef>
-      <a:effectRef idx="0">
-        <a:scrgbClr r="0" g="0" b="0"/>
-      </a:effectRef>
-      <a:fontRef idx="minor"/>
-    </dgm:style>
-  </dgm:styleLbl>
-  <dgm:styleLbl name="alignAcc1">
-    <dgm:scene3d>
-      <a:camera prst="orthographicFront"/>
-      <a:lightRig rig="threePt" dir="t"/>
-    </dgm:scene3d>
-    <dgm:sp3d/>
-    <dgm:txPr/>
-    <dgm:style>
-      <a:lnRef idx="2">
-        <a:scrgbClr r="0" g="0" b="0"/>
-      </a:lnRef>
-      <a:fillRef idx="1">
-        <a:scrgbClr r="0" g="0" b="0"/>
-      </a:fillRef>
-      <a:effectRef idx="0">
-        <a:scrgbClr r="0" g="0" b="0"/>
-      </a:effectRef>
-      <a:fontRef idx="minor"/>
-    </dgm:style>
-  </dgm:styleLbl>
-  <dgm:styleLbl name="trAlignAcc1">
-    <dgm:scene3d>
-      <a:camera prst="orthographicFront"/>
-      <a:lightRig rig="threePt" dir="t"/>
-    </dgm:scene3d>
-    <dgm:sp3d/>
-    <dgm:txPr/>
-    <dgm:style>
-      <a:lnRef idx="1">
-        <a:scrgbClr r="0" g="0" b="0"/>
-      </a:lnRef>
-      <a:fillRef idx="1">
-        <a:scrgbClr r="0" g="0" b="0"/>
-      </a:fillRef>
-      <a:effectRef idx="0">
-        <a:scrgbClr r="0" g="0" b="0"/>
-      </a:effectRef>
-      <a:fontRef idx="minor"/>
-    </dgm:style>
-  </dgm:styleLbl>
-  <dgm:styleLbl name="bgAcc1">
-    <dgm:scene3d>
-      <a:camera prst="orthographicFront"/>
-      <a:lightRig rig="threePt" dir="t"/>
-    </dgm:scene3d>
-    <dgm:sp3d/>
-    <dgm:txPr/>
-    <dgm:style>
-      <a:lnRef idx="2">
-        <a:scrgbClr r="0" g="0" b="0"/>
-      </a:lnRef>
-      <a:fillRef idx="1">
-        <a:scrgbClr r="0" g="0" b="0"/>
-      </a:fillRef>
-      <a:effectRef idx="0">
-        <a:scrgbClr r="0" g="0" b="0"/>
-      </a:effectRef>
-      <a:fontRef idx="minor"/>
-    </dgm:style>
-  </dgm:styleLbl>
-  <dgm:styleLbl name="solidFgAcc1">
-    <dgm:scene3d>
-      <a:camera prst="orthographicFront"/>
-      <a:lightRig rig="threePt" dir="t"/>
-    </dgm:scene3d>
-    <dgm:sp3d/>
-    <dgm:txPr/>
-    <dgm:style>
-      <a:lnRef idx="2">
-        <a:scrgbClr r="0" g="0" b="0"/>
-      </a:lnRef>
-      <a:fillRef idx="1">
-        <a:scrgbClr r="0" g="0" b="0"/>
-      </a:fillRef>
-      <a:effectRef idx="0">
-        <a:scrgbClr r="0" g="0" b="0"/>
-      </a:effectRef>
-      <a:fontRef idx="minor"/>
-    </dgm:style>
-  </dgm:styleLbl>
-  <dgm:styleLbl name="solidAlignAcc1">
-    <dgm:scene3d>
-      <a:camera prst="orthographicFront"/>
-      <a:lightRig rig="threePt" dir="t"/>
-    </dgm:scene3d>
-    <dgm:sp3d/>
-    <dgm:txPr/>
-    <dgm:style>
-      <a:lnRef idx="2">
-        <a:scrgbClr r="0" g="0" b="0"/>
-      </a:lnRef>
-      <a:fillRef idx="1">
-        <a:scrgbClr r="0" g="0" b="0"/>
-      </a:fillRef>
-      <a:effectRef idx="0">
-        <a:scrgbClr r="0" g="0" b="0"/>
-      </a:effectRef>
-      <a:fontRef idx="minor"/>
-    </dgm:style>
-  </dgm:styleLbl>
-  <dgm:styleLbl name="solidBgAcc1">
-    <dgm:scene3d>
-      <a:camera prst="orthographicFront"/>
-      <a:lightRig rig="threePt" dir="t"/>
-    </dgm:scene3d>
-    <dgm:sp3d/>
-    <dgm:txPr/>
-    <dgm:style>
-      <a:lnRef idx="2">
-        <a:scrgbClr r="0" g="0" b="0"/>
-      </a:lnRef>
-      <a:fillRef idx="1">
-        <a:scrgbClr r="0" g="0" b="0"/>
-      </a:fillRef>
-      <a:effectRef idx="0">
-        <a:scrgbClr r="0" g="0" b="0"/>
-      </a:effectRef>
-      <a:fontRef idx="minor"/>
-    </dgm:style>
-  </dgm:styleLbl>
-  <dgm:styleLbl name="fgAccFollowNode1">
-    <dgm:scene3d>
-      <a:camera prst="orthographicFront"/>
-      <a:lightRig rig="threePt" dir="t"/>
-    </dgm:scene3d>
-    <dgm:sp3d/>
-    <dgm:txPr/>
-    <dgm:style>
-      <a:lnRef idx="2">
-        <a:scrgbClr r="0" g="0" b="0"/>
-      </a:lnRef>
-      <a:fillRef idx="1">
-        <a:scrgbClr r="0" g="0" b="0"/>
-      </a:fillRef>
-      <a:effectRef idx="0">
-        <a:scrgbClr r="0" g="0" b="0"/>
-      </a:effectRef>
-      <a:fontRef idx="minor"/>
-    </dgm:style>
-  </dgm:styleLbl>
-  <dgm:styleLbl name="alignAccFollowNode1">
-    <dgm:scene3d>
-      <a:camera prst="orthographicFront"/>
-      <a:lightRig rig="threePt" dir="t"/>
-    </dgm:scene3d>
-    <dgm:sp3d/>
-    <dgm:txPr/>
-    <dgm:style>
-      <a:lnRef idx="2">
-        <a:scrgbClr r="0" g="0" b="0"/>
-      </a:lnRef>
-      <a:fillRef idx="1">
-        <a:scrgbClr r="0" g="0" b="0"/>
-      </a:fillRef>
-      <a:effectRef idx="0">
-        <a:scrgbClr r="0" g="0" b="0"/>
-      </a:effectRef>
-      <a:fontRef idx="minor"/>
-    </dgm:style>
-  </dgm:styleLbl>
-  <dgm:styleLbl name="bgAccFollowNode1">
-    <dgm:scene3d>
-      <a:camera prst="orthographicFront"/>
-      <a:lightRig rig="threePt" dir="t"/>
-    </dgm:scene3d>
-    <dgm:sp3d/>
-    <dgm:txPr/>
-    <dgm:style>
-      <a:lnRef idx="2">
-        <a:scrgbClr r="0" g="0" b="0"/>
-      </a:lnRef>
-      <a:fillRef idx="1">
-        <a:scrgbClr r="0" g="0" b="0"/>
-      </a:fillRef>
-      <a:effectRef idx="0">
-        <a:scrgbClr r="0" g="0" b="0"/>
-      </a:effectRef>
-      <a:fontRef idx="minor"/>
-    </dgm:style>
-  </dgm:styleLbl>
-  <dgm:styleLbl name="fgAcc0">
-    <dgm:scene3d>
-      <a:camera prst="orthographicFront"/>
-      <a:lightRig rig="threePt" dir="t"/>
-    </dgm:scene3d>
-    <dgm:sp3d/>
-    <dgm:txPr/>
-    <dgm:style>
-      <a:lnRef idx="2">
-        <a:scrgbClr r="0" g="0" b="0"/>
-      </a:lnRef>
-      <a:fillRef idx="1">
-        <a:scrgbClr r="0" g="0" b="0"/>
-      </a:fillRef>
-      <a:effectRef idx="0">
-        <a:scrgbClr r="0" g="0" b="0"/>
-      </a:effectRef>
-      <a:fontRef idx="minor"/>
-    </dgm:style>
-  </dgm:styleLbl>
-  <dgm:styleLbl name="fgAcc2">
-    <dgm:scene3d>
-      <a:camera prst="orthographicFront"/>
-      <a:lightRig rig="threePt" dir="t"/>
-    </dgm:scene3d>
-    <dgm:sp3d/>
-    <dgm:txPr/>
-    <dgm:style>
-      <a:lnRef idx="2">
-        <a:scrgbClr r="0" g="0" b="0"/>
-      </a:lnRef>
-      <a:fillRef idx="1">
-        <a:scrgbClr r="0" g="0" b="0"/>
-      </a:fillRef>
-      <a:effectRef idx="0">
-        <a:scrgbClr r="0" g="0" b="0"/>
-      </a:effectRef>
-      <a:fontRef idx="minor"/>
-    </dgm:style>
-  </dgm:styleLbl>
-  <dgm:styleLbl name="fgAcc3">
-    <dgm:scene3d>
-      <a:camera prst="orthographicFront"/>
-      <a:lightRig rig="threePt" dir="t"/>
-    </dgm:scene3d>
-    <dgm:sp3d/>
-    <dgm:txPr/>
-    <dgm:style>
-      <a:lnRef idx="2">
-        <a:scrgbClr r="0" g="0" b="0"/>
-      </a:lnRef>
-      <a:fillRef idx="1">
-        <a:scrgbClr r="0" g="0" b="0"/>
-      </a:fillRef>
-      <a:effectRef idx="0">
-        <a:scrgbClr r="0" g="0" b="0"/>
-      </a:effectRef>
-      <a:fontRef idx="minor"/>
-    </dgm:style>
-  </dgm:styleLbl>
-  <dgm:styleLbl name="fgAcc4">
-    <dgm:scene3d>
-      <a:camera prst="orthographicFront"/>
-      <a:lightRig rig="threePt" dir="t"/>
-    </dgm:scene3d>
-    <dgm:sp3d/>
-    <dgm:txPr/>
-    <dgm:style>
-      <a:lnRef idx="2">
-        <a:scrgbClr r="0" g="0" b="0"/>
-      </a:lnRef>
-      <a:fillRef idx="1">
-        <a:scrgbClr r="0" g="0" b="0"/>
-      </a:fillRef>
-      <a:effectRef idx="0">
-        <a:scrgbClr r="0" g="0" b="0"/>
-      </a:effectRef>
-      <a:fontRef idx="minor"/>
-    </dgm:style>
-  </dgm:styleLbl>
-  <dgm:styleLbl name="bgShp">
-    <dgm:scene3d>
-      <a:camera prst="orthographicFront"/>
-      <a:lightRig rig="threePt" dir="t"/>
-    </dgm:scene3d>
-    <dgm:sp3d/>
-    <dgm:txPr/>
-    <dgm:style>
-      <a:lnRef idx="0">
-        <a:scrgbClr r="0" g="0" b="0"/>
-      </a:lnRef>
-      <a:fillRef idx="1">
-        <a:scrgbClr r="0" g="0" b="0"/>
-      </a:fillRef>
-      <a:effectRef idx="0">
-        <a:scrgbClr r="0" g="0" b="0"/>
-      </a:effectRef>
-      <a:fontRef idx="minor"/>
-    </dgm:style>
-  </dgm:styleLbl>
-  <dgm:styleLbl name="dkBgShp">
-    <dgm:scene3d>
-      <a:camera prst="orthographicFront"/>
-      <a:lightRig rig="threePt" dir="t"/>
-    </dgm:scene3d>
-    <dgm:sp3d/>
-    <dgm:txPr/>
-    <dgm:style>
-      <a:lnRef idx="0">
-        <a:scrgbClr r="0" g="0" b="0"/>
-      </a:lnRef>
-      <a:fillRef idx="1">
-        <a:scrgbClr r="0" g="0" b="0"/>
-      </a:fillRef>
-      <a:effectRef idx="0">
-        <a:scrgbClr r="0" g="0" b="0"/>
-      </a:effectRef>
-      <a:fontRef idx="minor"/>
-    </dgm:style>
-  </dgm:styleLbl>
-  <dgm:styleLbl name="trBgShp">
-    <dgm:scene3d>
-      <a:camera prst="orthographicFront"/>
-      <a:lightRig rig="threePt" dir="t"/>
-    </dgm:scene3d>
-    <dgm:sp3d/>
-    <dgm:txPr/>
-    <dgm:style>
-      <a:lnRef idx="0">
-        <a:scrgbClr r="0" g="0" b="0"/>
-      </a:lnRef>
-      <a:fillRef idx="1">
-        <a:scrgbClr r="0" g="0" b="0"/>
-      </a:fillRef>
-      <a:effectRef idx="0">
-        <a:scrgbClr r="0" g="0" b="0"/>
-      </a:effectRef>
-      <a:fontRef idx="minor"/>
-    </dgm:style>
-  </dgm:styleLbl>
-  <dgm:styleLbl name="fgShp">
-    <dgm:scene3d>
-      <a:camera prst="orthographicFront"/>
-      <a:lightRig rig="threePt" dir="t"/>
-    </dgm:scene3d>
-    <dgm:sp3d/>
-    <dgm:txPr/>
-    <dgm:style>
-      <a:lnRef idx="2">
-        <a:scrgbClr r="0" g="0" b="0"/>
-      </a:lnRef>
-      <a:fillRef idx="1">
-        <a:scrgbClr r="0" g="0" b="0"/>
-      </a:fillRef>
-      <a:effectRef idx="0">
-        <a:scrgbClr r="0" g="0" b="0"/>
-      </a:effectRef>
-      <a:fontRef idx="minor"/>
-    </dgm:style>
-  </dgm:styleLbl>
-  <dgm:styleLbl name="revTx">
-    <dgm:scene3d>
-      <a:camera prst="orthographicFront"/>
-      <a:lightRig rig="threePt" dir="t"/>
-    </dgm:scene3d>
-    <dgm:sp3d/>
-    <dgm:txPr/>
-    <dgm:style>
-      <a:lnRef idx="0">
-        <a:scrgbClr r="0" g="0" b="0"/>
-      </a:lnRef>
-      <a:fillRef idx="0">
-        <a:scrgbClr r="0" g="0" b="0"/>
-      </a:fillRef>
-      <a:effectRef idx="0">
-        <a:scrgbClr r="0" g="0" b="0"/>
-      </a:effectRef>
-      <a:fontRef idx="minor"/>
-    </dgm:style>
-  </dgm:styleLbl>
-</dgm:styleDef>
 </file>
 
 <file path=ppt/slideLayouts/slideLayout1.xml><?xml version="1.0" encoding="utf-8"?>
@@ -7889,7 +4257,7 @@
         <p:spPr/>
         <p:txBody>
           <a:bodyPr>
-            <a:normAutofit/>
+            <a:normAutofit fontScale="92500" lnSpcReduction="20000"/>
           </a:bodyPr>
           <a:lstStyle/>
           <a:p>
@@ -7948,37 +4316,76 @@
             </a:r>
           </a:p>
           <a:p>
-            <a:pPr marL="324000" lvl="1" indent="0">
+            <a:pPr marL="594000" lvl="2" indent="0">
               <a:buNone/>
             </a:pPr>
             <a:r>
+              <a:rPr lang="en-US" dirty="0" err="1"/>
+              <a:t>disable_mlock</a:t>
+            </a:r>
+            <a:r>
               <a:rPr lang="en-US" dirty="0"/>
-              <a:t>    storage "file" {</a:t>
+              <a:t> = true</a:t>
             </a:r>
           </a:p>
           <a:p>
             <a:pPr marL="594000" lvl="2" indent="0">
-              <a:spcBef>
-                <a:spcPts val="0"/>
-              </a:spcBef>
-              <a:spcAft>
-                <a:spcPts val="0"/>
-              </a:spcAft>
               <a:buNone/>
             </a:pPr>
             <a:r>
+              <a:rPr lang="en-US" dirty="0" err="1"/>
+              <a:t>ui</a:t>
+            </a:r>
+            <a:r>
               <a:rPr lang="en-US" dirty="0"/>
-              <a:t>  path = "C:\\path\\to\\vault\\vault_1.16.0_windows_386\\data"</a:t>
+              <a:t>            = true</a:t>
             </a:r>
           </a:p>
           <a:p>
             <a:pPr marL="594000" lvl="2" indent="0">
-              <a:spcBef>
-                <a:spcPts val="0"/>
-              </a:spcBef>
-              <a:spcAft>
-                <a:spcPts val="0"/>
-              </a:spcAft>
+              <a:buNone/>
+            </a:pPr>
+            <a:r>
+              <a:rPr lang="en-US" dirty="0"/>
+              <a:t> listener "</a:t>
+            </a:r>
+            <a:r>
+              <a:rPr lang="en-US" dirty="0" err="1"/>
+              <a:t>tcp</a:t>
+            </a:r>
+            <a:r>
+              <a:rPr lang="en-US" dirty="0"/>
+              <a:t>" {</a:t>
+            </a:r>
+          </a:p>
+          <a:p>
+            <a:pPr marL="594000" lvl="2" indent="0">
+              <a:buNone/>
+            </a:pPr>
+            <a:r>
+              <a:rPr lang="en-US" dirty="0"/>
+              <a:t>  address     = "127.0.0.1:8200"</a:t>
+            </a:r>
+          </a:p>
+          <a:p>
+            <a:pPr marL="594000" lvl="2" indent="0">
+              <a:buNone/>
+            </a:pPr>
+            <a:r>
+              <a:rPr lang="en-US" dirty="0"/>
+              <a:t>  </a:t>
+            </a:r>
+            <a:r>
+              <a:rPr lang="en-US" dirty="0" err="1"/>
+              <a:t>tls_disable</a:t>
+            </a:r>
+            <a:r>
+              <a:rPr lang="en-US" dirty="0"/>
+              <a:t> = "true"</a:t>
+            </a:r>
+          </a:p>
+          <a:p>
+            <a:pPr marL="594000" lvl="2" indent="0">
               <a:buNone/>
             </a:pPr>
             <a:r>
@@ -7988,97 +4395,29 @@
           </a:p>
           <a:p>
             <a:pPr marL="594000" lvl="2" indent="0">
-              <a:spcBef>
-                <a:spcPts val="0"/>
-              </a:spcBef>
-              <a:spcAft>
-                <a:spcPts val="0"/>
-              </a:spcAft>
               <a:buNone/>
             </a:pPr>
             <a:r>
               <a:rPr lang="en-US" dirty="0"/>
-              <a:t>listener "</a:t>
-            </a:r>
-            <a:r>
-              <a:rPr lang="en-US" dirty="0" err="1"/>
-              <a:t>tcp</a:t>
-            </a:r>
+              <a:t> storage "file" {</a:t>
+            </a:r>
+          </a:p>
+          <a:p>
+            <a:pPr marL="594000" lvl="2" indent="0">
+              <a:buNone/>
+            </a:pPr>
             <a:r>
               <a:rPr lang="en-US" dirty="0"/>
-              <a:t>" {</a:t>
+              <a:t>  path = "C:\\workspace\\software\\vault\\vault_1.16.0_windows_386\\data"</a:t>
             </a:r>
           </a:p>
           <a:p>
             <a:pPr marL="594000" lvl="2" indent="0">
-              <a:spcBef>
-                <a:spcPts val="0"/>
-              </a:spcBef>
-              <a:spcAft>
-                <a:spcPts val="0"/>
-              </a:spcAft>
-              <a:buNone/>
-            </a:pPr>
-            <a:r>
-              <a:rPr lang="en-US" dirty="0"/>
-              <a:t>  address = "127.0.0.1:8200"</a:t>
-            </a:r>
-          </a:p>
-          <a:p>
-            <a:pPr marL="594000" lvl="2" indent="0">
-              <a:spcBef>
-                <a:spcPts val="0"/>
-              </a:spcBef>
-              <a:spcAft>
-                <a:spcPts val="0"/>
-              </a:spcAft>
-              <a:buNone/>
-            </a:pPr>
-            <a:r>
-              <a:rPr lang="en-US" dirty="0"/>
-              <a:t>  </a:t>
-            </a:r>
-            <a:r>
-              <a:rPr lang="en-US" dirty="0" err="1"/>
-              <a:t>tls_disable</a:t>
-            </a:r>
-            <a:r>
-              <a:rPr lang="en-US" dirty="0"/>
-              <a:t> = 1</a:t>
-            </a:r>
-          </a:p>
-          <a:p>
-            <a:pPr marL="594000" lvl="2" indent="0">
-              <a:spcBef>
-                <a:spcPts val="0"/>
-              </a:spcBef>
-              <a:spcAft>
-                <a:spcPts val="0"/>
-              </a:spcAft>
               <a:buNone/>
             </a:pPr>
             <a:r>
               <a:rPr lang="en-US" dirty="0"/>
               <a:t>}</a:t>
-            </a:r>
-          </a:p>
-          <a:p>
-            <a:pPr marL="594000" lvl="2" indent="0">
-              <a:spcBef>
-                <a:spcPts val="0"/>
-              </a:spcBef>
-              <a:spcAft>
-                <a:spcPts val="0"/>
-              </a:spcAft>
-              <a:buNone/>
-            </a:pPr>
-            <a:r>
-              <a:rPr lang="en-US" dirty="0" err="1"/>
-              <a:t>api_addr</a:t>
-            </a:r>
-            <a:r>
-              <a:rPr lang="en-US" dirty="0"/>
-              <a:t> = "http://127.0.0.1:8200"</a:t>
             </a:r>
           </a:p>
           <a:p>
@@ -8138,7 +4477,7 @@
           <p:cNvPr id="2" name="Title 1">
             <a:extLst>
               <a:ext uri="{FF2B5EF4-FFF2-40B4-BE49-F238E27FC236}">
-                <a16:creationId xmlns:a16="http://schemas.microsoft.com/office/drawing/2014/main" id="{5E562972-3449-42D1-8185-B4BEFD52AB44}"/>
+                <a16:creationId xmlns:a16="http://schemas.microsoft.com/office/drawing/2014/main" id="{FCC4AADB-5735-ADFA-FF70-FE012E63782F}"/>
               </a:ext>
             </a:extLst>
           </p:cNvPr>
@@ -8158,46 +4497,2157 @@
           <a:p>
             <a:r>
               <a:rPr lang="en-US" dirty="0"/>
-              <a:t>Title Lorem Ipsum Dolor Sit Amet</a:t>
-            </a:r>
-          </a:p>
-        </p:txBody>
-      </p:sp>
-      <p:graphicFrame>
-        <p:nvGraphicFramePr>
-          <p:cNvPr id="4" name="Content Placeholder 2" descr="timeline">
+              <a:t>Create secret in Vault – store root keys</a:t>
+            </a:r>
+          </a:p>
+        </p:txBody>
+      </p:sp>
+      <p:sp>
+        <p:nvSpPr>
+          <p:cNvPr id="3" name="Content Placeholder 2">
             <a:extLst>
               <a:ext uri="{FF2B5EF4-FFF2-40B4-BE49-F238E27FC236}">
-                <a16:creationId xmlns:a16="http://schemas.microsoft.com/office/drawing/2014/main" id="{FF3F0D82-0AA6-45C3-8367-955CBFA02ED6}"/>
+                <a16:creationId xmlns:a16="http://schemas.microsoft.com/office/drawing/2014/main" id="{2450CA36-8E3C-CCB9-4106-E4814A90ACC1}"/>
               </a:ext>
             </a:extLst>
           </p:cNvPr>
-          <p:cNvGraphicFramePr>
-            <a:graphicFrameLocks noGrp="1"/>
-          </p:cNvGraphicFramePr>
+          <p:cNvSpPr>
+            <a:spLocks noGrp="1"/>
+          </p:cNvSpPr>
           <p:nvPr>
             <p:ph idx="1"/>
-            <p:extLst>
-              <p:ext uri="{D42A27DB-BD31-4B8C-83A1-F6EECF244321}">
-                <p14:modId xmlns:p14="http://schemas.microsoft.com/office/powerpoint/2010/main" val="2834250016"/>
-              </p:ext>
-            </p:extLst>
-          </p:nvPr>
-        </p:nvGraphicFramePr>
-        <p:xfrm>
-          <a:off x="581025" y="2341563"/>
-          <a:ext cx="11029950" cy="3633787"/>
-        </p:xfrm>
-        <a:graphic>
-          <a:graphicData uri="http://schemas.openxmlformats.org/drawingml/2006/diagram">
-            <dgm:relIds xmlns:dgm="http://schemas.openxmlformats.org/drawingml/2006/diagram" xmlns:r="http://schemas.openxmlformats.org/officeDocument/2006/relationships" r:dm="rId2" r:lo="rId3" r:qs="rId4" r:cs="rId5"/>
-          </a:graphicData>
-        </a:graphic>
-      </p:graphicFrame>
+          </p:nvPr>
+        </p:nvSpPr>
+        <p:spPr/>
+        <p:txBody>
+          <a:bodyPr>
+            <a:normAutofit/>
+          </a:bodyPr>
+          <a:lstStyle/>
+          <a:p>
+            <a:r>
+              <a:rPr lang="en-US" dirty="0"/>
+              <a:t>Open </a:t>
+            </a:r>
+            <a:r>
+              <a:rPr lang="en-US" dirty="0">
+                <a:hlinkClick r:id="rId2"/>
+              </a:rPr>
+              <a:t>http://127.0.0.1:8200/ui</a:t>
+            </a:r>
+            <a:r>
+              <a:rPr lang="en-US" dirty="0"/>
+              <a:t>	</a:t>
+            </a:r>
+          </a:p>
+          <a:p>
+            <a:endParaRPr lang="en-US" dirty="0"/>
+          </a:p>
+          <a:p>
+            <a:endParaRPr lang="en-US" dirty="0"/>
+          </a:p>
+        </p:txBody>
+      </p:sp>
+      <p:pic>
+        <p:nvPicPr>
+          <p:cNvPr id="1030" name="Picture 6" descr="image">
+            <a:extLst>
+              <a:ext uri="{FF2B5EF4-FFF2-40B4-BE49-F238E27FC236}">
+                <a16:creationId xmlns:a16="http://schemas.microsoft.com/office/drawing/2014/main" id="{4BF3B69C-EA21-A32D-E6F4-77C87E33A9CC}"/>
+              </a:ext>
+            </a:extLst>
+          </p:cNvPr>
+          <p:cNvPicPr>
+            <a:picLocks noChangeAspect="1" noChangeArrowheads="1"/>
+          </p:cNvPicPr>
+          <p:nvPr/>
+        </p:nvPicPr>
+        <p:blipFill>
+          <a:blip r:embed="rId3">
+            <a:extLst>
+              <a:ext uri="{28A0092B-C50C-407E-A947-70E740481C1C}">
+                <a14:useLocalDpi xmlns:a14="http://schemas.microsoft.com/office/drawing/2010/main" val="0"/>
+              </a:ext>
+            </a:extLst>
+          </a:blip>
+          <a:srcRect/>
+          <a:stretch>
+            <a:fillRect/>
+          </a:stretch>
+        </p:blipFill>
+        <p:spPr bwMode="auto">
+          <a:xfrm>
+            <a:off x="1039090" y="1953490"/>
+            <a:ext cx="9227127" cy="4081229"/>
+          </a:xfrm>
+          <a:prstGeom prst="rect">
+            <a:avLst/>
+          </a:prstGeom>
+          <a:noFill/>
+          <a:extLst>
+            <a:ext uri="{909E8E84-426E-40DD-AFC4-6F175D3DCCD1}">
+              <a14:hiddenFill xmlns:a14="http://schemas.microsoft.com/office/drawing/2010/main">
+                <a:solidFill>
+                  <a:srgbClr val="FFFFFF"/>
+                </a:solidFill>
+              </a14:hiddenFill>
+            </a:ext>
+          </a:extLst>
+        </p:spPr>
+      </p:pic>
+      <p:sp>
+        <p:nvSpPr>
+          <p:cNvPr id="4" name="Rectangle 7">
+            <a:extLst>
+              <a:ext uri="{FF2B5EF4-FFF2-40B4-BE49-F238E27FC236}">
+                <a16:creationId xmlns:a16="http://schemas.microsoft.com/office/drawing/2014/main" id="{B3FF799A-7ABB-4B11-CDC5-C60BC0FEC2CB}"/>
+              </a:ext>
+            </a:extLst>
+          </p:cNvPr>
+          <p:cNvSpPr>
+            <a:spLocks noChangeArrowheads="1"/>
+          </p:cNvSpPr>
+          <p:nvPr/>
+        </p:nvSpPr>
+        <p:spPr bwMode="auto">
+          <a:xfrm>
+            <a:off x="0" y="0"/>
+            <a:ext cx="12192000" cy="457200"/>
+          </a:xfrm>
+          <a:prstGeom prst="rect">
+            <a:avLst/>
+          </a:prstGeom>
+          <a:noFill/>
+          <a:ln>
+            <a:noFill/>
+          </a:ln>
+          <a:effectLst/>
+          <a:extLst>
+            <a:ext uri="{909E8E84-426E-40DD-AFC4-6F175D3DCCD1}">
+              <a14:hiddenFill xmlns:a14="http://schemas.microsoft.com/office/drawing/2010/main">
+                <a:solidFill>
+                  <a:schemeClr val="accent1"/>
+                </a:solidFill>
+              </a14:hiddenFill>
+            </a:ext>
+            <a:ext uri="{91240B29-F687-4F45-9708-019B960494DF}">
+              <a14:hiddenLine xmlns:a14="http://schemas.microsoft.com/office/drawing/2010/main" w="9525">
+                <a:solidFill>
+                  <a:schemeClr val="tx1"/>
+                </a:solidFill>
+                <a:miter lim="800000"/>
+                <a:headEnd/>
+                <a:tailEnd/>
+              </a14:hiddenLine>
+            </a:ext>
+            <a:ext uri="{AF507438-7753-43E0-B8FC-AC1667EBCBE1}">
+              <a14:hiddenEffects xmlns:a14="http://schemas.microsoft.com/office/drawing/2010/main">
+                <a:effectLst>
+                  <a:outerShdw dist="35921" dir="2700000" algn="ctr" rotWithShape="0">
+                    <a:schemeClr val="bg2"/>
+                  </a:outerShdw>
+                </a:effectLst>
+              </a14:hiddenEffects>
+            </a:ext>
+          </a:extLst>
+        </p:spPr>
+        <p:txBody>
+          <a:bodyPr vert="horz" wrap="none" lIns="91440" tIns="45720" rIns="91440" bIns="45720" numCol="1" anchor="ctr" anchorCtr="0" compatLnSpc="1">
+            <a:prstTxWarp prst="textNoShape">
+              <a:avLst/>
+            </a:prstTxWarp>
+            <a:spAutoFit/>
+          </a:bodyPr>
+          <a:lstStyle/>
+          <a:p>
+            <a:endParaRPr lang="en-US"/>
+          </a:p>
+        </p:txBody>
+      </p:sp>
     </p:spTree>
     <p:extLst>
       <p:ext uri="{BB962C8B-B14F-4D97-AF65-F5344CB8AC3E}">
-        <p14:creationId xmlns:p14="http://schemas.microsoft.com/office/powerpoint/2010/main" val="263784652"/>
+        <p14:creationId xmlns:p14="http://schemas.microsoft.com/office/powerpoint/2010/main" val="845707564"/>
+      </p:ext>
+    </p:extLst>
+  </p:cSld>
+  <p:clrMapOvr>
+    <a:masterClrMapping/>
+  </p:clrMapOvr>
+</p:sld>
+</file>
+
+<file path=ppt/slides/slide4.xml><?xml version="1.0" encoding="utf-8"?>
+<p:sld xmlns:a="http://schemas.openxmlformats.org/drawingml/2006/main" xmlns:r="http://schemas.openxmlformats.org/officeDocument/2006/relationships" xmlns:p="http://schemas.openxmlformats.org/presentationml/2006/main">
+  <p:cSld>
+    <p:spTree>
+      <p:nvGrpSpPr>
+        <p:cNvPr id="1" name=""/>
+        <p:cNvGrpSpPr/>
+        <p:nvPr/>
+      </p:nvGrpSpPr>
+      <p:grpSpPr>
+        <a:xfrm>
+          <a:off x="0" y="0"/>
+          <a:ext cx="0" cy="0"/>
+          <a:chOff x="0" y="0"/>
+          <a:chExt cx="0" cy="0"/>
+        </a:xfrm>
+      </p:grpSpPr>
+      <p:sp>
+        <p:nvSpPr>
+          <p:cNvPr id="2" name="Title 1">
+            <a:extLst>
+              <a:ext uri="{FF2B5EF4-FFF2-40B4-BE49-F238E27FC236}">
+                <a16:creationId xmlns:a16="http://schemas.microsoft.com/office/drawing/2014/main" id="{FCC4AADB-5735-ADFA-FF70-FE012E63782F}"/>
+              </a:ext>
+            </a:extLst>
+          </p:cNvPr>
+          <p:cNvSpPr>
+            <a:spLocks noGrp="1"/>
+          </p:cNvSpPr>
+          <p:nvPr>
+            <p:ph type="title"/>
+          </p:nvPr>
+        </p:nvSpPr>
+        <p:spPr/>
+        <p:txBody>
+          <a:bodyPr>
+            <a:normAutofit fontScale="90000"/>
+          </a:bodyPr>
+          <a:lstStyle/>
+          <a:p>
+            <a:r>
+              <a:rPr lang="en-US" dirty="0"/>
+              <a:t>Create secret in Vault – store root keys</a:t>
+            </a:r>
+          </a:p>
+        </p:txBody>
+      </p:sp>
+      <p:sp>
+        <p:nvSpPr>
+          <p:cNvPr id="3" name="Content Placeholder 2">
+            <a:extLst>
+              <a:ext uri="{FF2B5EF4-FFF2-40B4-BE49-F238E27FC236}">
+                <a16:creationId xmlns:a16="http://schemas.microsoft.com/office/drawing/2014/main" id="{2450CA36-8E3C-CCB9-4106-E4814A90ACC1}"/>
+              </a:ext>
+            </a:extLst>
+          </p:cNvPr>
+          <p:cNvSpPr>
+            <a:spLocks noGrp="1"/>
+          </p:cNvSpPr>
+          <p:nvPr>
+            <p:ph idx="1"/>
+          </p:nvPr>
+        </p:nvSpPr>
+        <p:spPr/>
+        <p:txBody>
+          <a:bodyPr>
+            <a:normAutofit/>
+          </a:bodyPr>
+          <a:lstStyle/>
+          <a:p>
+            <a:r>
+              <a:rPr lang="en-US" dirty="0"/>
+              <a:t>	</a:t>
+            </a:r>
+            <a:r>
+              <a:rPr kumimoji="0" lang="en-US" altLang="en-US" sz="1800" b="0" i="0" u="none" strike="noStrike" cap="none" normalizeH="0" baseline="0" dirty="0" err="1">
+                <a:ln>
+                  <a:noFill/>
+                </a:ln>
+                <a:solidFill>
+                  <a:srgbClr val="404953"/>
+                </a:solidFill>
+                <a:effectLst/>
+                <a:latin typeface="Segoe UI" panose="020B0502040204020203" pitchFamily="34" charset="0"/>
+                <a:ea typeface="Times New Roman" panose="02020603050405020304" pitchFamily="18" charset="0"/>
+                <a:cs typeface="Segoe UI" panose="020B0502040204020203" pitchFamily="34" charset="0"/>
+              </a:rPr>
+              <a:t>Initialise</a:t>
+            </a:r>
+            <a:r>
+              <a:rPr kumimoji="0" lang="en-US" altLang="en-US" sz="1800" b="0" i="0" u="none" strike="noStrike" cap="none" normalizeH="0" baseline="0" dirty="0">
+                <a:ln>
+                  <a:noFill/>
+                </a:ln>
+                <a:solidFill>
+                  <a:srgbClr val="404953"/>
+                </a:solidFill>
+                <a:effectLst/>
+                <a:latin typeface="Segoe UI" panose="020B0502040204020203" pitchFamily="34" charset="0"/>
+                <a:ea typeface="Times New Roman" panose="02020603050405020304" pitchFamily="18" charset="0"/>
+                <a:cs typeface="Segoe UI" panose="020B0502040204020203" pitchFamily="34" charset="0"/>
+              </a:rPr>
+              <a:t> the vault using the </a:t>
+            </a:r>
+            <a:r>
+              <a:rPr kumimoji="0" lang="en-US" altLang="en-US" sz="1800" b="0" i="0" u="none" strike="noStrike" cap="none" normalizeH="0" baseline="0" dirty="0" err="1">
+                <a:ln>
+                  <a:noFill/>
+                </a:ln>
+                <a:solidFill>
+                  <a:srgbClr val="404953"/>
+                </a:solidFill>
+                <a:effectLst/>
+                <a:latin typeface="Segoe UI" panose="020B0502040204020203" pitchFamily="34" charset="0"/>
+                <a:ea typeface="Times New Roman" panose="02020603050405020304" pitchFamily="18" charset="0"/>
+                <a:cs typeface="Segoe UI" panose="020B0502040204020203" pitchFamily="34" charset="0"/>
+              </a:rPr>
+              <a:t>initialise</a:t>
+            </a:r>
+            <a:r>
+              <a:rPr kumimoji="0" lang="en-US" altLang="en-US" sz="1800" b="0" i="0" u="none" strike="noStrike" cap="none" normalizeH="0" baseline="0" dirty="0">
+                <a:ln>
+                  <a:noFill/>
+                </a:ln>
+                <a:solidFill>
+                  <a:srgbClr val="404953"/>
+                </a:solidFill>
+                <a:effectLst/>
+                <a:latin typeface="Segoe UI" panose="020B0502040204020203" pitchFamily="34" charset="0"/>
+                <a:ea typeface="Times New Roman" panose="02020603050405020304" pitchFamily="18" charset="0"/>
+                <a:cs typeface="Segoe UI" panose="020B0502040204020203" pitchFamily="34" charset="0"/>
+              </a:rPr>
+              <a:t> button with 3 key shares.</a:t>
+            </a:r>
+            <a:endParaRPr kumimoji="0" lang="en-US" altLang="en-US" sz="1000" b="0" i="0" u="none" strike="noStrike" cap="none" normalizeH="0" baseline="0" dirty="0">
+              <a:ln>
+                <a:noFill/>
+              </a:ln>
+              <a:solidFill>
+                <a:schemeClr val="tx1"/>
+              </a:solidFill>
+              <a:effectLst/>
+            </a:endParaRPr>
+          </a:p>
+          <a:p>
+            <a:endParaRPr lang="en-US" dirty="0"/>
+          </a:p>
+          <a:p>
+            <a:endParaRPr lang="en-US" dirty="0"/>
+          </a:p>
+          <a:p>
+            <a:endParaRPr lang="en-US" dirty="0"/>
+          </a:p>
+        </p:txBody>
+      </p:sp>
+      <p:pic>
+        <p:nvPicPr>
+          <p:cNvPr id="1029" name="Picture 5" descr="image 1">
+            <a:extLst>
+              <a:ext uri="{FF2B5EF4-FFF2-40B4-BE49-F238E27FC236}">
+                <a16:creationId xmlns:a16="http://schemas.microsoft.com/office/drawing/2014/main" id="{EFC98007-1825-2846-A82E-C251574D7315}"/>
+              </a:ext>
+            </a:extLst>
+          </p:cNvPr>
+          <p:cNvPicPr>
+            <a:picLocks noChangeAspect="1" noChangeArrowheads="1"/>
+          </p:cNvPicPr>
+          <p:nvPr/>
+        </p:nvPicPr>
+        <p:blipFill>
+          <a:blip r:embed="rId2">
+            <a:extLst>
+              <a:ext uri="{28A0092B-C50C-407E-A947-70E740481C1C}">
+                <a14:useLocalDpi xmlns:a14="http://schemas.microsoft.com/office/drawing/2010/main" val="0"/>
+              </a:ext>
+            </a:extLst>
+          </a:blip>
+          <a:srcRect/>
+          <a:stretch>
+            <a:fillRect/>
+          </a:stretch>
+        </p:blipFill>
+        <p:spPr bwMode="auto">
+          <a:xfrm>
+            <a:off x="625575" y="1803738"/>
+            <a:ext cx="5943600" cy="2628900"/>
+          </a:xfrm>
+          <a:prstGeom prst="rect">
+            <a:avLst/>
+          </a:prstGeom>
+          <a:noFill/>
+          <a:extLst>
+            <a:ext uri="{909E8E84-426E-40DD-AFC4-6F175D3DCCD1}">
+              <a14:hiddenFill xmlns:a14="http://schemas.microsoft.com/office/drawing/2010/main">
+                <a:solidFill>
+                  <a:srgbClr val="FFFFFF"/>
+                </a:solidFill>
+              </a14:hiddenFill>
+            </a:ext>
+          </a:extLst>
+        </p:spPr>
+      </p:pic>
+      <p:pic>
+        <p:nvPicPr>
+          <p:cNvPr id="1028" name="Picture 4" descr="image 2">
+            <a:extLst>
+              <a:ext uri="{FF2B5EF4-FFF2-40B4-BE49-F238E27FC236}">
+                <a16:creationId xmlns:a16="http://schemas.microsoft.com/office/drawing/2014/main" id="{EE2F29DB-2749-A2E9-EC63-4A5A11BD5339}"/>
+              </a:ext>
+            </a:extLst>
+          </p:cNvPr>
+          <p:cNvPicPr>
+            <a:picLocks noChangeAspect="1" noChangeArrowheads="1"/>
+          </p:cNvPicPr>
+          <p:nvPr/>
+        </p:nvPicPr>
+        <p:blipFill>
+          <a:blip r:embed="rId3">
+            <a:extLst>
+              <a:ext uri="{28A0092B-C50C-407E-A947-70E740481C1C}">
+                <a14:useLocalDpi xmlns:a14="http://schemas.microsoft.com/office/drawing/2010/main" val="0"/>
+              </a:ext>
+            </a:extLst>
+          </a:blip>
+          <a:srcRect/>
+          <a:stretch>
+            <a:fillRect/>
+          </a:stretch>
+        </p:blipFill>
+        <p:spPr bwMode="auto">
+          <a:xfrm>
+            <a:off x="5622825" y="2420588"/>
+            <a:ext cx="5943600" cy="2876550"/>
+          </a:xfrm>
+          <a:prstGeom prst="rect">
+            <a:avLst/>
+          </a:prstGeom>
+          <a:noFill/>
+          <a:extLst>
+            <a:ext uri="{909E8E84-426E-40DD-AFC4-6F175D3DCCD1}">
+              <a14:hiddenFill xmlns:a14="http://schemas.microsoft.com/office/drawing/2010/main">
+                <a:solidFill>
+                  <a:srgbClr val="FFFFFF"/>
+                </a:solidFill>
+              </a14:hiddenFill>
+            </a:ext>
+          </a:extLst>
+        </p:spPr>
+      </p:pic>
+      <p:pic>
+        <p:nvPicPr>
+          <p:cNvPr id="1027" name="Picture 3" descr="image 3">
+            <a:extLst>
+              <a:ext uri="{FF2B5EF4-FFF2-40B4-BE49-F238E27FC236}">
+                <a16:creationId xmlns:a16="http://schemas.microsoft.com/office/drawing/2014/main" id="{CDDA0EB8-6750-71B7-DF95-8AA1D24D9D57}"/>
+              </a:ext>
+            </a:extLst>
+          </p:cNvPr>
+          <p:cNvPicPr>
+            <a:picLocks noChangeAspect="1" noChangeArrowheads="1"/>
+          </p:cNvPicPr>
+          <p:nvPr/>
+        </p:nvPicPr>
+        <p:blipFill>
+          <a:blip r:embed="rId4">
+            <a:extLst>
+              <a:ext uri="{28A0092B-C50C-407E-A947-70E740481C1C}">
+                <a14:useLocalDpi xmlns:a14="http://schemas.microsoft.com/office/drawing/2010/main" val="0"/>
+              </a:ext>
+            </a:extLst>
+          </a:blip>
+          <a:srcRect/>
+          <a:stretch>
+            <a:fillRect/>
+          </a:stretch>
+        </p:blipFill>
+        <p:spPr bwMode="auto">
+          <a:xfrm>
+            <a:off x="0" y="8591550"/>
+            <a:ext cx="5943600" cy="2390775"/>
+          </a:xfrm>
+          <a:prstGeom prst="rect">
+            <a:avLst/>
+          </a:prstGeom>
+          <a:noFill/>
+          <a:extLst>
+            <a:ext uri="{909E8E84-426E-40DD-AFC4-6F175D3DCCD1}">
+              <a14:hiddenFill xmlns:a14="http://schemas.microsoft.com/office/drawing/2010/main">
+                <a:solidFill>
+                  <a:srgbClr val="FFFFFF"/>
+                </a:solidFill>
+              </a14:hiddenFill>
+            </a:ext>
+          </a:extLst>
+        </p:spPr>
+      </p:pic>
+      <p:pic>
+        <p:nvPicPr>
+          <p:cNvPr id="1026" name="Picture 2" descr="image 4">
+            <a:extLst>
+              <a:ext uri="{FF2B5EF4-FFF2-40B4-BE49-F238E27FC236}">
+                <a16:creationId xmlns:a16="http://schemas.microsoft.com/office/drawing/2014/main" id="{76F39021-BB07-B797-6121-3E3F000E2B39}"/>
+              </a:ext>
+            </a:extLst>
+          </p:cNvPr>
+          <p:cNvPicPr>
+            <a:picLocks noChangeAspect="1" noChangeArrowheads="1"/>
+          </p:cNvPicPr>
+          <p:nvPr/>
+        </p:nvPicPr>
+        <p:blipFill>
+          <a:blip r:embed="rId5">
+            <a:extLst>
+              <a:ext uri="{28A0092B-C50C-407E-A947-70E740481C1C}">
+                <a14:useLocalDpi xmlns:a14="http://schemas.microsoft.com/office/drawing/2010/main" val="0"/>
+              </a:ext>
+            </a:extLst>
+          </a:blip>
+          <a:srcRect/>
+          <a:stretch>
+            <a:fillRect/>
+          </a:stretch>
+        </p:blipFill>
+        <p:spPr bwMode="auto">
+          <a:xfrm>
+            <a:off x="0" y="10982325"/>
+            <a:ext cx="5943600" cy="2152650"/>
+          </a:xfrm>
+          <a:prstGeom prst="rect">
+            <a:avLst/>
+          </a:prstGeom>
+          <a:noFill/>
+          <a:extLst>
+            <a:ext uri="{909E8E84-426E-40DD-AFC4-6F175D3DCCD1}">
+              <a14:hiddenFill xmlns:a14="http://schemas.microsoft.com/office/drawing/2010/main">
+                <a:solidFill>
+                  <a:srgbClr val="FFFFFF"/>
+                </a:solidFill>
+              </a14:hiddenFill>
+            </a:ext>
+          </a:extLst>
+        </p:spPr>
+      </p:pic>
+      <p:pic>
+        <p:nvPicPr>
+          <p:cNvPr id="1025" name="Picture 1" descr="image 5">
+            <a:extLst>
+              <a:ext uri="{FF2B5EF4-FFF2-40B4-BE49-F238E27FC236}">
+                <a16:creationId xmlns:a16="http://schemas.microsoft.com/office/drawing/2014/main" id="{1EEF84DD-9AF0-D27A-593D-0985A7E6B96B}"/>
+              </a:ext>
+            </a:extLst>
+          </p:cNvPr>
+          <p:cNvPicPr>
+            <a:picLocks noChangeAspect="1" noChangeArrowheads="1"/>
+          </p:cNvPicPr>
+          <p:nvPr/>
+        </p:nvPicPr>
+        <p:blipFill>
+          <a:blip r:embed="rId6">
+            <a:extLst>
+              <a:ext uri="{28A0092B-C50C-407E-A947-70E740481C1C}">
+                <a14:useLocalDpi xmlns:a14="http://schemas.microsoft.com/office/drawing/2010/main" val="0"/>
+              </a:ext>
+            </a:extLst>
+          </a:blip>
+          <a:srcRect/>
+          <a:stretch>
+            <a:fillRect/>
+          </a:stretch>
+        </p:blipFill>
+        <p:spPr bwMode="auto">
+          <a:xfrm>
+            <a:off x="0" y="13134975"/>
+            <a:ext cx="5943600" cy="1076325"/>
+          </a:xfrm>
+          <a:prstGeom prst="rect">
+            <a:avLst/>
+          </a:prstGeom>
+          <a:noFill/>
+          <a:extLst>
+            <a:ext uri="{909E8E84-426E-40DD-AFC4-6F175D3DCCD1}">
+              <a14:hiddenFill xmlns:a14="http://schemas.microsoft.com/office/drawing/2010/main">
+                <a:solidFill>
+                  <a:srgbClr val="FFFFFF"/>
+                </a:solidFill>
+              </a14:hiddenFill>
+            </a:ext>
+          </a:extLst>
+        </p:spPr>
+      </p:pic>
+      <p:sp>
+        <p:nvSpPr>
+          <p:cNvPr id="4" name="Rectangle 7">
+            <a:extLst>
+              <a:ext uri="{FF2B5EF4-FFF2-40B4-BE49-F238E27FC236}">
+                <a16:creationId xmlns:a16="http://schemas.microsoft.com/office/drawing/2014/main" id="{B3FF799A-7ABB-4B11-CDC5-C60BC0FEC2CB}"/>
+              </a:ext>
+            </a:extLst>
+          </p:cNvPr>
+          <p:cNvSpPr>
+            <a:spLocks noChangeArrowheads="1"/>
+          </p:cNvSpPr>
+          <p:nvPr/>
+        </p:nvSpPr>
+        <p:spPr bwMode="auto">
+          <a:xfrm>
+            <a:off x="0" y="0"/>
+            <a:ext cx="12192000" cy="457200"/>
+          </a:xfrm>
+          <a:prstGeom prst="rect">
+            <a:avLst/>
+          </a:prstGeom>
+          <a:noFill/>
+          <a:ln>
+            <a:noFill/>
+          </a:ln>
+          <a:effectLst/>
+          <a:extLst>
+            <a:ext uri="{909E8E84-426E-40DD-AFC4-6F175D3DCCD1}">
+              <a14:hiddenFill xmlns:a14="http://schemas.microsoft.com/office/drawing/2010/main">
+                <a:solidFill>
+                  <a:schemeClr val="accent1"/>
+                </a:solidFill>
+              </a14:hiddenFill>
+            </a:ext>
+            <a:ext uri="{91240B29-F687-4F45-9708-019B960494DF}">
+              <a14:hiddenLine xmlns:a14="http://schemas.microsoft.com/office/drawing/2010/main" w="9525">
+                <a:solidFill>
+                  <a:schemeClr val="tx1"/>
+                </a:solidFill>
+                <a:miter lim="800000"/>
+                <a:headEnd/>
+                <a:tailEnd/>
+              </a14:hiddenLine>
+            </a:ext>
+            <a:ext uri="{AF507438-7753-43E0-B8FC-AC1667EBCBE1}">
+              <a14:hiddenEffects xmlns:a14="http://schemas.microsoft.com/office/drawing/2010/main">
+                <a:effectLst>
+                  <a:outerShdw dist="35921" dir="2700000" algn="ctr" rotWithShape="0">
+                    <a:schemeClr val="bg2"/>
+                  </a:outerShdw>
+                </a:effectLst>
+              </a14:hiddenEffects>
+            </a:ext>
+          </a:extLst>
+        </p:spPr>
+        <p:txBody>
+          <a:bodyPr vert="horz" wrap="none" lIns="91440" tIns="45720" rIns="91440" bIns="45720" numCol="1" anchor="ctr" anchorCtr="0" compatLnSpc="1">
+            <a:prstTxWarp prst="textNoShape">
+              <a:avLst/>
+            </a:prstTxWarp>
+            <a:spAutoFit/>
+          </a:bodyPr>
+          <a:lstStyle/>
+          <a:p>
+            <a:endParaRPr lang="en-US"/>
+          </a:p>
+        </p:txBody>
+      </p:sp>
+      <p:sp>
+        <p:nvSpPr>
+          <p:cNvPr id="6" name="Rectangle 9">
+            <a:extLst>
+              <a:ext uri="{FF2B5EF4-FFF2-40B4-BE49-F238E27FC236}">
+                <a16:creationId xmlns:a16="http://schemas.microsoft.com/office/drawing/2014/main" id="{A65F1063-4E34-5648-B1AB-3A32549127D2}"/>
+              </a:ext>
+            </a:extLst>
+          </p:cNvPr>
+          <p:cNvSpPr>
+            <a:spLocks noChangeArrowheads="1"/>
+          </p:cNvSpPr>
+          <p:nvPr/>
+        </p:nvSpPr>
+        <p:spPr bwMode="auto">
+          <a:xfrm>
+            <a:off x="363682" y="5695244"/>
+            <a:ext cx="11383558" cy="1015663"/>
+          </a:xfrm>
+          <a:prstGeom prst="rect">
+            <a:avLst/>
+          </a:prstGeom>
+          <a:noFill/>
+          <a:ln>
+            <a:noFill/>
+          </a:ln>
+          <a:effectLst/>
+          <a:extLst>
+            <a:ext uri="{909E8E84-426E-40DD-AFC4-6F175D3DCCD1}">
+              <a14:hiddenFill xmlns:a14="http://schemas.microsoft.com/office/drawing/2010/main">
+                <a:solidFill>
+                  <a:schemeClr val="accent1"/>
+                </a:solidFill>
+              </a14:hiddenFill>
+            </a:ext>
+            <a:ext uri="{91240B29-F687-4F45-9708-019B960494DF}">
+              <a14:hiddenLine xmlns:a14="http://schemas.microsoft.com/office/drawing/2010/main" w="9525">
+                <a:solidFill>
+                  <a:schemeClr val="tx1"/>
+                </a:solidFill>
+                <a:miter lim="800000"/>
+                <a:headEnd/>
+                <a:tailEnd/>
+              </a14:hiddenLine>
+            </a:ext>
+            <a:ext uri="{AF507438-7753-43E0-B8FC-AC1667EBCBE1}">
+              <a14:hiddenEffects xmlns:a14="http://schemas.microsoft.com/office/drawing/2010/main">
+                <a:effectLst>
+                  <a:outerShdw dist="35921" dir="2700000" algn="ctr" rotWithShape="0">
+                    <a:schemeClr val="bg2"/>
+                  </a:outerShdw>
+                </a:effectLst>
+              </a14:hiddenEffects>
+            </a:ext>
+          </a:extLst>
+        </p:spPr>
+        <p:txBody>
+          <a:bodyPr vert="horz" wrap="square" lIns="91440" tIns="45720" rIns="91440" bIns="45720" numCol="1" anchor="ctr" anchorCtr="0" compatLnSpc="1">
+            <a:prstTxWarp prst="textNoShape">
+              <a:avLst/>
+            </a:prstTxWarp>
+            <a:spAutoFit/>
+          </a:bodyPr>
+          <a:lstStyle/>
+          <a:p>
+            <a:pPr marL="0" marR="0" lvl="0" indent="0" algn="l" defTabSz="914400" rtl="0" eaLnBrk="0" fontAlgn="base" latinLnBrk="0" hangingPunct="0">
+              <a:lnSpc>
+                <a:spcPct val="100000"/>
+              </a:lnSpc>
+              <a:spcBef>
+                <a:spcPct val="0"/>
+              </a:spcBef>
+              <a:spcAft>
+                <a:spcPct val="0"/>
+              </a:spcAft>
+              <a:buClrTx/>
+              <a:buSzTx/>
+              <a:buFontTx/>
+              <a:buNone/>
+              <a:tabLst/>
+            </a:pPr>
+            <a:r>
+              <a:rPr kumimoji="0" lang="en-US" altLang="en-US" sz="1400" b="0" i="0" u="none" strike="noStrike" cap="none" normalizeH="0" baseline="0" dirty="0" err="1">
+                <a:ln>
+                  <a:noFill/>
+                </a:ln>
+                <a:solidFill>
+                  <a:srgbClr val="404953"/>
+                </a:solidFill>
+                <a:effectLst/>
+                <a:latin typeface="Segoe UI" panose="020B0502040204020203" pitchFamily="34" charset="0"/>
+                <a:ea typeface="Times New Roman" panose="02020603050405020304" pitchFamily="18" charset="0"/>
+                <a:cs typeface="Segoe UI" panose="020B0502040204020203" pitchFamily="34" charset="0"/>
+              </a:rPr>
+              <a:t>Dowload</a:t>
+            </a:r>
+            <a:r>
+              <a:rPr kumimoji="0" lang="en-US" altLang="en-US" sz="1400" b="0" i="0" u="none" strike="noStrike" cap="none" normalizeH="0" baseline="0" dirty="0">
+                <a:ln>
+                  <a:noFill/>
+                </a:ln>
+                <a:solidFill>
+                  <a:srgbClr val="404953"/>
+                </a:solidFill>
+                <a:effectLst/>
+                <a:latin typeface="Segoe UI" panose="020B0502040204020203" pitchFamily="34" charset="0"/>
+                <a:ea typeface="Times New Roman" panose="02020603050405020304" pitchFamily="18" charset="0"/>
+                <a:cs typeface="Segoe UI" panose="020B0502040204020203" pitchFamily="34" charset="0"/>
+              </a:rPr>
+              <a:t> the keys using the </a:t>
+            </a:r>
+            <a:r>
+              <a:rPr kumimoji="0" lang="en-US" altLang="en-US" sz="1400" b="0" i="0" u="none" strike="noStrike" cap="none" normalizeH="0" baseline="0" dirty="0">
+                <a:ln>
+                  <a:noFill/>
+                </a:ln>
+                <a:solidFill>
+                  <a:srgbClr val="404953"/>
+                </a:solidFill>
+                <a:effectLst/>
+                <a:latin typeface="Calibri" panose="020F0502020204030204" pitchFamily="34" charset="0"/>
+                <a:ea typeface="Times New Roman" panose="02020603050405020304" pitchFamily="18" charset="0"/>
+                <a:cs typeface="Segoe UI" panose="020B0502040204020203" pitchFamily="34" charset="0"/>
+              </a:rPr>
+              <a:t>“</a:t>
+            </a:r>
+            <a:r>
+              <a:rPr kumimoji="0" lang="en-US" altLang="en-US" sz="1400" b="0" i="0" u="none" strike="noStrike" cap="none" normalizeH="0" baseline="0" dirty="0">
+                <a:ln>
+                  <a:noFill/>
+                </a:ln>
+                <a:solidFill>
+                  <a:srgbClr val="404953"/>
+                </a:solidFill>
+                <a:effectLst/>
+                <a:latin typeface="Segoe UI" panose="020B0502040204020203" pitchFamily="34" charset="0"/>
+                <a:ea typeface="Times New Roman" panose="02020603050405020304" pitchFamily="18" charset="0"/>
+                <a:cs typeface="Segoe UI" panose="020B0502040204020203" pitchFamily="34" charset="0"/>
+              </a:rPr>
+              <a:t>Download Keys</a:t>
+            </a:r>
+            <a:r>
+              <a:rPr kumimoji="0" lang="en-US" altLang="en-US" sz="1400" b="0" i="0" u="none" strike="noStrike" cap="none" normalizeH="0" baseline="0" dirty="0">
+                <a:ln>
+                  <a:noFill/>
+                </a:ln>
+                <a:solidFill>
+                  <a:srgbClr val="404953"/>
+                </a:solidFill>
+                <a:effectLst/>
+                <a:latin typeface="Calibri" panose="020F0502020204030204" pitchFamily="34" charset="0"/>
+                <a:ea typeface="Times New Roman" panose="02020603050405020304" pitchFamily="18" charset="0"/>
+                <a:cs typeface="Segoe UI" panose="020B0502040204020203" pitchFamily="34" charset="0"/>
+              </a:rPr>
+              <a:t>”</a:t>
+            </a:r>
+            <a:r>
+              <a:rPr kumimoji="0" lang="en-US" altLang="en-US" sz="1400" b="0" i="0" u="none" strike="noStrike" cap="none" normalizeH="0" baseline="0" dirty="0">
+                <a:ln>
+                  <a:noFill/>
+                </a:ln>
+                <a:solidFill>
+                  <a:srgbClr val="404953"/>
+                </a:solidFill>
+                <a:effectLst/>
+                <a:latin typeface="Segoe UI" panose="020B0502040204020203" pitchFamily="34" charset="0"/>
+                <a:ea typeface="Times New Roman" panose="02020603050405020304" pitchFamily="18" charset="0"/>
+                <a:cs typeface="Segoe UI" panose="020B0502040204020203" pitchFamily="34" charset="0"/>
+              </a:rPr>
+              <a:t> button and click the </a:t>
+            </a:r>
+            <a:r>
+              <a:rPr kumimoji="0" lang="en-US" altLang="en-US" sz="1400" b="0" i="0" u="none" strike="noStrike" cap="none" normalizeH="0" baseline="0" dirty="0">
+                <a:ln>
+                  <a:noFill/>
+                </a:ln>
+                <a:solidFill>
+                  <a:srgbClr val="404953"/>
+                </a:solidFill>
+                <a:effectLst/>
+                <a:latin typeface="Calibri" panose="020F0502020204030204" pitchFamily="34" charset="0"/>
+                <a:ea typeface="Times New Roman" panose="02020603050405020304" pitchFamily="18" charset="0"/>
+                <a:cs typeface="Segoe UI" panose="020B0502040204020203" pitchFamily="34" charset="0"/>
+              </a:rPr>
+              <a:t>“</a:t>
+            </a:r>
+            <a:r>
+              <a:rPr kumimoji="0" lang="en-US" altLang="en-US" sz="1400" b="0" i="0" u="none" strike="noStrike" cap="none" normalizeH="0" baseline="0" dirty="0">
+                <a:ln>
+                  <a:noFill/>
+                </a:ln>
+                <a:solidFill>
+                  <a:srgbClr val="404953"/>
+                </a:solidFill>
+                <a:effectLst/>
+                <a:latin typeface="Segoe UI" panose="020B0502040204020203" pitchFamily="34" charset="0"/>
+                <a:ea typeface="Times New Roman" panose="02020603050405020304" pitchFamily="18" charset="0"/>
+                <a:cs typeface="Segoe UI" panose="020B0502040204020203" pitchFamily="34" charset="0"/>
+              </a:rPr>
+              <a:t>Continue to unseal</a:t>
+            </a:r>
+            <a:r>
+              <a:rPr kumimoji="0" lang="en-US" altLang="en-US" sz="1400" b="0" i="0" u="none" strike="noStrike" cap="none" normalizeH="0" baseline="0" dirty="0">
+                <a:ln>
+                  <a:noFill/>
+                </a:ln>
+                <a:solidFill>
+                  <a:srgbClr val="404953"/>
+                </a:solidFill>
+                <a:effectLst/>
+                <a:latin typeface="Calibri" panose="020F0502020204030204" pitchFamily="34" charset="0"/>
+                <a:ea typeface="Times New Roman" panose="02020603050405020304" pitchFamily="18" charset="0"/>
+                <a:cs typeface="Segoe UI" panose="020B0502040204020203" pitchFamily="34" charset="0"/>
+              </a:rPr>
+              <a:t>”</a:t>
+            </a:r>
+            <a:r>
+              <a:rPr kumimoji="0" lang="en-US" altLang="en-US" sz="1400" b="0" i="0" u="none" strike="noStrike" cap="none" normalizeH="0" baseline="0" dirty="0">
+                <a:ln>
+                  <a:noFill/>
+                </a:ln>
+                <a:solidFill>
+                  <a:srgbClr val="404953"/>
+                </a:solidFill>
+                <a:effectLst/>
+                <a:latin typeface="Segoe UI" panose="020B0502040204020203" pitchFamily="34" charset="0"/>
+                <a:ea typeface="Times New Roman" panose="02020603050405020304" pitchFamily="18" charset="0"/>
+                <a:cs typeface="Segoe UI" panose="020B0502040204020203" pitchFamily="34" charset="0"/>
+              </a:rPr>
+              <a:t> button.</a:t>
+            </a:r>
+            <a:endParaRPr kumimoji="0" lang="en-US" altLang="en-US" sz="800" b="0" i="0" u="none" strike="noStrike" cap="none" normalizeH="0" baseline="0" dirty="0">
+              <a:ln>
+                <a:noFill/>
+              </a:ln>
+              <a:solidFill>
+                <a:schemeClr val="tx1"/>
+              </a:solidFill>
+              <a:effectLst/>
+            </a:endParaRPr>
+          </a:p>
+          <a:p>
+            <a:pPr marL="0" marR="0" lvl="0" indent="0" algn="l" defTabSz="914400" rtl="0" eaLnBrk="0" fontAlgn="base" latinLnBrk="0" hangingPunct="0">
+              <a:lnSpc>
+                <a:spcPct val="100000"/>
+              </a:lnSpc>
+              <a:spcBef>
+                <a:spcPct val="0"/>
+              </a:spcBef>
+              <a:spcAft>
+                <a:spcPct val="0"/>
+              </a:spcAft>
+              <a:buClrTx/>
+              <a:buSzTx/>
+              <a:buFontTx/>
+              <a:buNone/>
+              <a:tabLst/>
+            </a:pPr>
+            <a:r>
+              <a:rPr kumimoji="0" lang="en-US" altLang="en-US" sz="1400" b="1" i="0" u="none" strike="noStrike" cap="none" normalizeH="0" baseline="0" dirty="0">
+                <a:ln>
+                  <a:noFill/>
+                </a:ln>
+                <a:solidFill>
+                  <a:srgbClr val="404953"/>
+                </a:solidFill>
+                <a:effectLst/>
+                <a:latin typeface="Segoe UI" panose="020B0502040204020203" pitchFamily="34" charset="0"/>
+                <a:ea typeface="Times New Roman" panose="02020603050405020304" pitchFamily="18" charset="0"/>
+                <a:cs typeface="Segoe UI" panose="020B0502040204020203" pitchFamily="34" charset="0"/>
+              </a:rPr>
+              <a:t>Note:</a:t>
+            </a:r>
+            <a:r>
+              <a:rPr kumimoji="0" lang="en-US" altLang="en-US" sz="1400" b="1" i="0" u="none" strike="noStrike" cap="none" normalizeH="0" baseline="0" dirty="0">
+                <a:ln>
+                  <a:noFill/>
+                </a:ln>
+                <a:solidFill>
+                  <a:srgbClr val="404953"/>
+                </a:solidFill>
+                <a:effectLst/>
+                <a:latin typeface="Calibri" panose="020F0502020204030204" pitchFamily="34" charset="0"/>
+                <a:ea typeface="Times New Roman" panose="02020603050405020304" pitchFamily="18" charset="0"/>
+                <a:cs typeface="Segoe UI" panose="020B0502040204020203" pitchFamily="34" charset="0"/>
+              </a:rPr>
+              <a:t> </a:t>
+            </a:r>
+            <a:r>
+              <a:rPr kumimoji="0" lang="en-US" altLang="en-US" sz="1400" b="0" i="0" u="none" strike="noStrike" cap="none" normalizeH="0" baseline="0" dirty="0">
+                <a:ln>
+                  <a:noFill/>
+                </a:ln>
+                <a:solidFill>
+                  <a:srgbClr val="404953"/>
+                </a:solidFill>
+                <a:effectLst/>
+                <a:latin typeface="Segoe UI" panose="020B0502040204020203" pitchFamily="34" charset="0"/>
+                <a:ea typeface="Times New Roman" panose="02020603050405020304" pitchFamily="18" charset="0"/>
+                <a:cs typeface="Segoe UI" panose="020B0502040204020203" pitchFamily="34" charset="0"/>
+              </a:rPr>
+              <a:t>The key files are very important and you should keep them safe. For any reason, if you restart the server or vault service, the vault gets locked. You will need these keys to unlock it.</a:t>
+            </a:r>
+            <a:endParaRPr kumimoji="0" lang="en-US" altLang="en-US" sz="800" b="0" i="0" u="none" strike="noStrike" cap="none" normalizeH="0" baseline="0" dirty="0">
+              <a:ln>
+                <a:noFill/>
+              </a:ln>
+              <a:solidFill>
+                <a:schemeClr val="tx1"/>
+              </a:solidFill>
+              <a:effectLst/>
+            </a:endParaRPr>
+          </a:p>
+          <a:p>
+            <a:pPr marL="0" marR="0" lvl="0" indent="0" algn="l" defTabSz="914400" rtl="0" eaLnBrk="0" fontAlgn="base" latinLnBrk="0" hangingPunct="0">
+              <a:lnSpc>
+                <a:spcPct val="100000"/>
+              </a:lnSpc>
+              <a:spcBef>
+                <a:spcPct val="0"/>
+              </a:spcBef>
+              <a:spcAft>
+                <a:spcPct val="0"/>
+              </a:spcAft>
+              <a:buClrTx/>
+              <a:buSzTx/>
+              <a:buFontTx/>
+              <a:buNone/>
+              <a:tabLst/>
+            </a:pPr>
+            <a:endParaRPr kumimoji="0" lang="en-US" altLang="en-US" sz="1800" b="0" i="0" u="none" strike="noStrike" cap="none" normalizeH="0" baseline="0" dirty="0">
+              <a:ln>
+                <a:noFill/>
+              </a:ln>
+              <a:solidFill>
+                <a:schemeClr val="tx1"/>
+              </a:solidFill>
+              <a:effectLst/>
+              <a:latin typeface="Arial" panose="020B0604020202020204" pitchFamily="34" charset="0"/>
+            </a:endParaRPr>
+          </a:p>
+        </p:txBody>
+      </p:sp>
+      <p:sp>
+        <p:nvSpPr>
+          <p:cNvPr id="7" name="Rectangle 10">
+            <a:extLst>
+              <a:ext uri="{FF2B5EF4-FFF2-40B4-BE49-F238E27FC236}">
+                <a16:creationId xmlns:a16="http://schemas.microsoft.com/office/drawing/2014/main" id="{D5B5DA53-3C0C-6A66-95BE-5E82BEC1966D}"/>
+              </a:ext>
+            </a:extLst>
+          </p:cNvPr>
+          <p:cNvSpPr>
+            <a:spLocks noChangeArrowheads="1"/>
+          </p:cNvSpPr>
+          <p:nvPr/>
+        </p:nvSpPr>
+        <p:spPr bwMode="auto">
+          <a:xfrm>
+            <a:off x="0" y="8591550"/>
+            <a:ext cx="12192000" cy="0"/>
+          </a:xfrm>
+          <a:prstGeom prst="rect">
+            <a:avLst/>
+          </a:prstGeom>
+          <a:noFill/>
+          <a:ln>
+            <a:noFill/>
+          </a:ln>
+          <a:effectLst/>
+          <a:extLst>
+            <a:ext uri="{909E8E84-426E-40DD-AFC4-6F175D3DCCD1}">
+              <a14:hiddenFill xmlns:a14="http://schemas.microsoft.com/office/drawing/2010/main">
+                <a:solidFill>
+                  <a:schemeClr val="accent1"/>
+                </a:solidFill>
+              </a14:hiddenFill>
+            </a:ext>
+            <a:ext uri="{91240B29-F687-4F45-9708-019B960494DF}">
+              <a14:hiddenLine xmlns:a14="http://schemas.microsoft.com/office/drawing/2010/main" w="9525">
+                <a:solidFill>
+                  <a:schemeClr val="tx1"/>
+                </a:solidFill>
+                <a:miter lim="800000"/>
+                <a:headEnd/>
+                <a:tailEnd/>
+              </a14:hiddenLine>
+            </a:ext>
+            <a:ext uri="{AF507438-7753-43E0-B8FC-AC1667EBCBE1}">
+              <a14:hiddenEffects xmlns:a14="http://schemas.microsoft.com/office/drawing/2010/main">
+                <a:effectLst>
+                  <a:outerShdw dist="35921" dir="2700000" algn="ctr" rotWithShape="0">
+                    <a:schemeClr val="bg2"/>
+                  </a:outerShdw>
+                </a:effectLst>
+              </a14:hiddenEffects>
+            </a:ext>
+          </a:extLst>
+        </p:spPr>
+        <p:txBody>
+          <a:bodyPr vert="horz" wrap="none" lIns="91440" tIns="45720" rIns="91440" bIns="45720" numCol="1" anchor="ctr" anchorCtr="0" compatLnSpc="1">
+            <a:prstTxWarp prst="textNoShape">
+              <a:avLst/>
+            </a:prstTxWarp>
+            <a:spAutoFit/>
+          </a:bodyPr>
+          <a:lstStyle/>
+          <a:p>
+            <a:pPr marL="0" marR="0" lvl="0" indent="0" algn="l" defTabSz="914400" rtl="0" eaLnBrk="0" fontAlgn="base" latinLnBrk="0" hangingPunct="0">
+              <a:lnSpc>
+                <a:spcPct val="100000"/>
+              </a:lnSpc>
+              <a:spcBef>
+                <a:spcPct val="0"/>
+              </a:spcBef>
+              <a:spcAft>
+                <a:spcPct val="0"/>
+              </a:spcAft>
+              <a:buClrTx/>
+              <a:buSzTx/>
+              <a:buFontTx/>
+              <a:buNone/>
+              <a:tabLst/>
+            </a:pPr>
+            <a:r>
+              <a:rPr kumimoji="0" lang="en-US" altLang="en-US" sz="1400" b="1" i="0" u="none" strike="noStrike" cap="none" normalizeH="0" baseline="0">
+                <a:ln>
+                  <a:noFill/>
+                </a:ln>
+                <a:solidFill>
+                  <a:srgbClr val="404953"/>
+                </a:solidFill>
+                <a:effectLst/>
+                <a:latin typeface="Segoe UI" panose="020B0502040204020203" pitchFamily="34" charset="0"/>
+                <a:ea typeface="Times New Roman" panose="02020603050405020304" pitchFamily="18" charset="0"/>
+                <a:cs typeface="Segoe UI" panose="020B0502040204020203" pitchFamily="34" charset="0"/>
+              </a:rPr>
+              <a:t>Step 10:</a:t>
+            </a:r>
+            <a:r>
+              <a:rPr kumimoji="0" lang="en-US" altLang="en-US" sz="1400" b="0" i="0" u="none" strike="noStrike" cap="none" normalizeH="0" baseline="0">
+                <a:ln>
+                  <a:noFill/>
+                </a:ln>
+                <a:solidFill>
+                  <a:srgbClr val="404953"/>
+                </a:solidFill>
+                <a:effectLst/>
+                <a:latin typeface="Calibri" panose="020F0502020204030204" pitchFamily="34" charset="0"/>
+                <a:ea typeface="Times New Roman" panose="02020603050405020304" pitchFamily="18" charset="0"/>
+                <a:cs typeface="Segoe UI" panose="020B0502040204020203" pitchFamily="34" charset="0"/>
+              </a:rPr>
+              <a:t> </a:t>
+            </a:r>
+            <a:r>
+              <a:rPr kumimoji="0" lang="en-US" altLang="en-US" sz="1400" b="0" i="0" u="none" strike="noStrike" cap="none" normalizeH="0" baseline="0">
+                <a:ln>
+                  <a:noFill/>
+                </a:ln>
+                <a:solidFill>
+                  <a:srgbClr val="404953"/>
+                </a:solidFill>
+                <a:effectLst/>
+                <a:latin typeface="Segoe UI" panose="020B0502040204020203" pitchFamily="34" charset="0"/>
+                <a:ea typeface="Times New Roman" panose="02020603050405020304" pitchFamily="18" charset="0"/>
+                <a:cs typeface="Segoe UI" panose="020B0502040204020203" pitchFamily="34" charset="0"/>
+              </a:rPr>
+              <a:t>Enter three keys one by one from the downloaded key file to unseal vault.</a:t>
+            </a:r>
+            <a:endParaRPr kumimoji="0" lang="en-US" altLang="en-US" sz="800" b="0" i="0" u="none" strike="noStrike" cap="none" normalizeH="0" baseline="0">
+              <a:ln>
+                <a:noFill/>
+              </a:ln>
+              <a:solidFill>
+                <a:schemeClr val="tx1"/>
+              </a:solidFill>
+              <a:effectLst/>
+            </a:endParaRPr>
+          </a:p>
+          <a:p>
+            <a:pPr marL="0" marR="0" lvl="0" indent="0" algn="l" defTabSz="914400" rtl="0" eaLnBrk="0" fontAlgn="base" latinLnBrk="0" hangingPunct="0">
+              <a:lnSpc>
+                <a:spcPct val="100000"/>
+              </a:lnSpc>
+              <a:spcBef>
+                <a:spcPct val="0"/>
+              </a:spcBef>
+              <a:spcAft>
+                <a:spcPct val="0"/>
+              </a:spcAft>
+              <a:buClrTx/>
+              <a:buSzTx/>
+              <a:buFontTx/>
+              <a:buNone/>
+              <a:tabLst/>
+            </a:pPr>
+            <a:endParaRPr kumimoji="0" lang="en-US" altLang="en-US" sz="1800" b="0" i="0" u="none" strike="noStrike" cap="none" normalizeH="0" baseline="0">
+              <a:ln>
+                <a:noFill/>
+              </a:ln>
+              <a:solidFill>
+                <a:schemeClr val="tx1"/>
+              </a:solidFill>
+              <a:effectLst/>
+              <a:latin typeface="Arial" panose="020B0604020202020204" pitchFamily="34" charset="0"/>
+            </a:endParaRPr>
+          </a:p>
+        </p:txBody>
+      </p:sp>
+      <p:sp>
+        <p:nvSpPr>
+          <p:cNvPr id="8" name="Rectangle 11">
+            <a:extLst>
+              <a:ext uri="{FF2B5EF4-FFF2-40B4-BE49-F238E27FC236}">
+                <a16:creationId xmlns:a16="http://schemas.microsoft.com/office/drawing/2014/main" id="{36D8C6BD-F611-2482-A922-F72639222346}"/>
+              </a:ext>
+            </a:extLst>
+          </p:cNvPr>
+          <p:cNvSpPr>
+            <a:spLocks noChangeArrowheads="1"/>
+          </p:cNvSpPr>
+          <p:nvPr/>
+        </p:nvSpPr>
+        <p:spPr bwMode="auto">
+          <a:xfrm>
+            <a:off x="0" y="10982325"/>
+            <a:ext cx="12192000" cy="0"/>
+          </a:xfrm>
+          <a:prstGeom prst="rect">
+            <a:avLst/>
+          </a:prstGeom>
+          <a:noFill/>
+          <a:ln>
+            <a:noFill/>
+          </a:ln>
+          <a:effectLst/>
+          <a:extLst>
+            <a:ext uri="{909E8E84-426E-40DD-AFC4-6F175D3DCCD1}">
+              <a14:hiddenFill xmlns:a14="http://schemas.microsoft.com/office/drawing/2010/main">
+                <a:solidFill>
+                  <a:schemeClr val="accent1"/>
+                </a:solidFill>
+              </a14:hiddenFill>
+            </a:ext>
+            <a:ext uri="{91240B29-F687-4F45-9708-019B960494DF}">
+              <a14:hiddenLine xmlns:a14="http://schemas.microsoft.com/office/drawing/2010/main" w="9525">
+                <a:solidFill>
+                  <a:schemeClr val="tx1"/>
+                </a:solidFill>
+                <a:miter lim="800000"/>
+                <a:headEnd/>
+                <a:tailEnd/>
+              </a14:hiddenLine>
+            </a:ext>
+            <a:ext uri="{AF507438-7753-43E0-B8FC-AC1667EBCBE1}">
+              <a14:hiddenEffects xmlns:a14="http://schemas.microsoft.com/office/drawing/2010/main">
+                <a:effectLst>
+                  <a:outerShdw dist="35921" dir="2700000" algn="ctr" rotWithShape="0">
+                    <a:schemeClr val="bg2"/>
+                  </a:outerShdw>
+                </a:effectLst>
+              </a14:hiddenEffects>
+            </a:ext>
+          </a:extLst>
+        </p:spPr>
+        <p:txBody>
+          <a:bodyPr vert="horz" wrap="none" lIns="91440" tIns="45720" rIns="91440" bIns="45720" numCol="1" anchor="ctr" anchorCtr="0" compatLnSpc="1">
+            <a:prstTxWarp prst="textNoShape">
+              <a:avLst/>
+            </a:prstTxWarp>
+            <a:spAutoFit/>
+          </a:bodyPr>
+          <a:lstStyle/>
+          <a:p>
+            <a:pPr marL="0" marR="0" lvl="0" indent="0" algn="l" defTabSz="914400" rtl="0" eaLnBrk="0" fontAlgn="base" latinLnBrk="0" hangingPunct="0">
+              <a:lnSpc>
+                <a:spcPct val="100000"/>
+              </a:lnSpc>
+              <a:spcBef>
+                <a:spcPct val="0"/>
+              </a:spcBef>
+              <a:spcAft>
+                <a:spcPct val="0"/>
+              </a:spcAft>
+              <a:buClrTx/>
+              <a:buSzTx/>
+              <a:buFontTx/>
+              <a:buNone/>
+              <a:tabLst/>
+            </a:pPr>
+            <a:r>
+              <a:rPr kumimoji="0" lang="en-US" altLang="en-US" sz="1400" b="1" i="0" u="none" strike="noStrike" cap="none" normalizeH="0" baseline="0">
+                <a:ln>
+                  <a:noFill/>
+                </a:ln>
+                <a:solidFill>
+                  <a:srgbClr val="404953"/>
+                </a:solidFill>
+                <a:effectLst/>
+                <a:latin typeface="Segoe UI" panose="020B0502040204020203" pitchFamily="34" charset="0"/>
+                <a:ea typeface="Times New Roman" panose="02020603050405020304" pitchFamily="18" charset="0"/>
+                <a:cs typeface="Segoe UI" panose="020B0502040204020203" pitchFamily="34" charset="0"/>
+              </a:rPr>
+              <a:t>Step 11:</a:t>
+            </a:r>
+            <a:r>
+              <a:rPr kumimoji="0" lang="en-US" altLang="en-US" sz="1400" b="0" i="0" u="none" strike="noStrike" cap="none" normalizeH="0" baseline="0">
+                <a:ln>
+                  <a:noFill/>
+                </a:ln>
+                <a:solidFill>
+                  <a:srgbClr val="404953"/>
+                </a:solidFill>
+                <a:effectLst/>
+                <a:latin typeface="Calibri" panose="020F0502020204030204" pitchFamily="34" charset="0"/>
+                <a:ea typeface="Times New Roman" panose="02020603050405020304" pitchFamily="18" charset="0"/>
+                <a:cs typeface="Segoe UI" panose="020B0502040204020203" pitchFamily="34" charset="0"/>
+              </a:rPr>
+              <a:t> </a:t>
+            </a:r>
+            <a:r>
+              <a:rPr kumimoji="0" lang="en-US" altLang="en-US" sz="1400" b="0" i="0" u="none" strike="noStrike" cap="none" normalizeH="0" baseline="0">
+                <a:ln>
+                  <a:noFill/>
+                </a:ln>
+                <a:solidFill>
+                  <a:srgbClr val="404953"/>
+                </a:solidFill>
+                <a:effectLst/>
+                <a:latin typeface="Segoe UI" panose="020B0502040204020203" pitchFamily="34" charset="0"/>
+                <a:ea typeface="Times New Roman" panose="02020603050405020304" pitchFamily="18" charset="0"/>
+                <a:cs typeface="Segoe UI" panose="020B0502040204020203" pitchFamily="34" charset="0"/>
+              </a:rPr>
+              <a:t>Once unsealed, log to the vault with the root_token from the downloaded key file.</a:t>
+            </a:r>
+            <a:endParaRPr kumimoji="0" lang="en-US" altLang="en-US" sz="800" b="0" i="0" u="none" strike="noStrike" cap="none" normalizeH="0" baseline="0">
+              <a:ln>
+                <a:noFill/>
+              </a:ln>
+              <a:solidFill>
+                <a:schemeClr val="tx1"/>
+              </a:solidFill>
+              <a:effectLst/>
+            </a:endParaRPr>
+          </a:p>
+          <a:p>
+            <a:pPr marL="0" marR="0" lvl="0" indent="0" algn="l" defTabSz="914400" rtl="0" eaLnBrk="0" fontAlgn="base" latinLnBrk="0" hangingPunct="0">
+              <a:lnSpc>
+                <a:spcPct val="100000"/>
+              </a:lnSpc>
+              <a:spcBef>
+                <a:spcPct val="0"/>
+              </a:spcBef>
+              <a:spcAft>
+                <a:spcPct val="0"/>
+              </a:spcAft>
+              <a:buClrTx/>
+              <a:buSzTx/>
+              <a:buFontTx/>
+              <a:buNone/>
+              <a:tabLst/>
+            </a:pPr>
+            <a:endParaRPr kumimoji="0" lang="en-US" altLang="en-US" sz="1800" b="0" i="0" u="none" strike="noStrike" cap="none" normalizeH="0" baseline="0">
+              <a:ln>
+                <a:noFill/>
+              </a:ln>
+              <a:solidFill>
+                <a:schemeClr val="tx1"/>
+              </a:solidFill>
+              <a:effectLst/>
+              <a:latin typeface="Arial" panose="020B0604020202020204" pitchFamily="34" charset="0"/>
+            </a:endParaRPr>
+          </a:p>
+        </p:txBody>
+      </p:sp>
+      <p:sp>
+        <p:nvSpPr>
+          <p:cNvPr id="9" name="Rectangle 12">
+            <a:extLst>
+              <a:ext uri="{FF2B5EF4-FFF2-40B4-BE49-F238E27FC236}">
+                <a16:creationId xmlns:a16="http://schemas.microsoft.com/office/drawing/2014/main" id="{FCF3CF25-2E8A-7842-8DD2-D9C4BF14AEE1}"/>
+              </a:ext>
+            </a:extLst>
+          </p:cNvPr>
+          <p:cNvSpPr>
+            <a:spLocks noChangeArrowheads="1"/>
+          </p:cNvSpPr>
+          <p:nvPr/>
+        </p:nvSpPr>
+        <p:spPr bwMode="auto">
+          <a:xfrm>
+            <a:off x="0" y="13134975"/>
+            <a:ext cx="12192000" cy="0"/>
+          </a:xfrm>
+          <a:prstGeom prst="rect">
+            <a:avLst/>
+          </a:prstGeom>
+          <a:noFill/>
+          <a:ln>
+            <a:noFill/>
+          </a:ln>
+          <a:effectLst/>
+          <a:extLst>
+            <a:ext uri="{909E8E84-426E-40DD-AFC4-6F175D3DCCD1}">
+              <a14:hiddenFill xmlns:a14="http://schemas.microsoft.com/office/drawing/2010/main">
+                <a:solidFill>
+                  <a:schemeClr val="accent1"/>
+                </a:solidFill>
+              </a14:hiddenFill>
+            </a:ext>
+            <a:ext uri="{91240B29-F687-4F45-9708-019B960494DF}">
+              <a14:hiddenLine xmlns:a14="http://schemas.microsoft.com/office/drawing/2010/main" w="9525">
+                <a:solidFill>
+                  <a:schemeClr val="tx1"/>
+                </a:solidFill>
+                <a:miter lim="800000"/>
+                <a:headEnd/>
+                <a:tailEnd/>
+              </a14:hiddenLine>
+            </a:ext>
+            <a:ext uri="{AF507438-7753-43E0-B8FC-AC1667EBCBE1}">
+              <a14:hiddenEffects xmlns:a14="http://schemas.microsoft.com/office/drawing/2010/main">
+                <a:effectLst>
+                  <a:outerShdw dist="35921" dir="2700000" algn="ctr" rotWithShape="0">
+                    <a:schemeClr val="bg2"/>
+                  </a:outerShdw>
+                </a:effectLst>
+              </a14:hiddenEffects>
+            </a:ext>
+          </a:extLst>
+        </p:spPr>
+        <p:txBody>
+          <a:bodyPr vert="horz" wrap="none" lIns="91440" tIns="45720" rIns="91440" bIns="45720" numCol="1" anchor="ctr" anchorCtr="0" compatLnSpc="1">
+            <a:prstTxWarp prst="textNoShape">
+              <a:avLst/>
+            </a:prstTxWarp>
+            <a:spAutoFit/>
+          </a:bodyPr>
+          <a:lstStyle/>
+          <a:p>
+            <a:pPr marL="0" marR="0" lvl="0" indent="0" algn="l" defTabSz="914400" rtl="0" eaLnBrk="0" fontAlgn="base" latinLnBrk="0" hangingPunct="0">
+              <a:lnSpc>
+                <a:spcPct val="100000"/>
+              </a:lnSpc>
+              <a:spcBef>
+                <a:spcPct val="0"/>
+              </a:spcBef>
+              <a:spcAft>
+                <a:spcPct val="0"/>
+              </a:spcAft>
+              <a:buClrTx/>
+              <a:buSzTx/>
+              <a:buFontTx/>
+              <a:buNone/>
+              <a:tabLst/>
+            </a:pPr>
+            <a:r>
+              <a:rPr kumimoji="0" lang="en-US" altLang="en-US" sz="1400" b="0" i="0" u="none" strike="noStrike" cap="none" normalizeH="0" baseline="0">
+                <a:ln>
+                  <a:noFill/>
+                </a:ln>
+                <a:solidFill>
+                  <a:srgbClr val="404953"/>
+                </a:solidFill>
+                <a:effectLst/>
+                <a:latin typeface="Segoe UI" panose="020B0502040204020203" pitchFamily="34" charset="0"/>
+                <a:ea typeface="Times New Roman" panose="02020603050405020304" pitchFamily="18" charset="0"/>
+                <a:cs typeface="Segoe UI" panose="020B0502040204020203" pitchFamily="34" charset="0"/>
+              </a:rPr>
+              <a:t>Thats it! You will be logging in to the vault server with all default settings.</a:t>
+            </a:r>
+            <a:endParaRPr kumimoji="0" lang="en-US" altLang="en-US" sz="800" b="0" i="0" u="none" strike="noStrike" cap="none" normalizeH="0" baseline="0">
+              <a:ln>
+                <a:noFill/>
+              </a:ln>
+              <a:solidFill>
+                <a:schemeClr val="tx1"/>
+              </a:solidFill>
+              <a:effectLst/>
+            </a:endParaRPr>
+          </a:p>
+          <a:p>
+            <a:pPr marL="0" marR="0" lvl="0" indent="0" algn="l" defTabSz="914400" rtl="0" eaLnBrk="0" fontAlgn="base" latinLnBrk="0" hangingPunct="0">
+              <a:lnSpc>
+                <a:spcPct val="100000"/>
+              </a:lnSpc>
+              <a:spcBef>
+                <a:spcPct val="0"/>
+              </a:spcBef>
+              <a:spcAft>
+                <a:spcPct val="0"/>
+              </a:spcAft>
+              <a:buClrTx/>
+              <a:buSzTx/>
+              <a:buFontTx/>
+              <a:buNone/>
+              <a:tabLst/>
+            </a:pPr>
+            <a:endParaRPr kumimoji="0" lang="en-US" altLang="en-US" sz="1800" b="0" i="0" u="none" strike="noStrike" cap="none" normalizeH="0" baseline="0">
+              <a:ln>
+                <a:noFill/>
+              </a:ln>
+              <a:solidFill>
+                <a:schemeClr val="tx1"/>
+              </a:solidFill>
+              <a:effectLst/>
+              <a:latin typeface="Arial" panose="020B0604020202020204" pitchFamily="34" charset="0"/>
+            </a:endParaRPr>
+          </a:p>
+        </p:txBody>
+      </p:sp>
+    </p:spTree>
+    <p:extLst>
+      <p:ext uri="{BB962C8B-B14F-4D97-AF65-F5344CB8AC3E}">
+        <p14:creationId xmlns:p14="http://schemas.microsoft.com/office/powerpoint/2010/main" val="3080353764"/>
+      </p:ext>
+    </p:extLst>
+  </p:cSld>
+  <p:clrMapOvr>
+    <a:masterClrMapping/>
+  </p:clrMapOvr>
+</p:sld>
+</file>
+
+<file path=ppt/slides/slide5.xml><?xml version="1.0" encoding="utf-8"?>
+<p:sld xmlns:a="http://schemas.openxmlformats.org/drawingml/2006/main" xmlns:r="http://schemas.openxmlformats.org/officeDocument/2006/relationships" xmlns:p="http://schemas.openxmlformats.org/presentationml/2006/main">
+  <p:cSld>
+    <p:spTree>
+      <p:nvGrpSpPr>
+        <p:cNvPr id="1" name=""/>
+        <p:cNvGrpSpPr/>
+        <p:nvPr/>
+      </p:nvGrpSpPr>
+      <p:grpSpPr>
+        <a:xfrm>
+          <a:off x="0" y="0"/>
+          <a:ext cx="0" cy="0"/>
+          <a:chOff x="0" y="0"/>
+          <a:chExt cx="0" cy="0"/>
+        </a:xfrm>
+      </p:grpSpPr>
+      <p:sp>
+        <p:nvSpPr>
+          <p:cNvPr id="2" name="Title 1">
+            <a:extLst>
+              <a:ext uri="{FF2B5EF4-FFF2-40B4-BE49-F238E27FC236}">
+                <a16:creationId xmlns:a16="http://schemas.microsoft.com/office/drawing/2014/main" id="{FCC4AADB-5735-ADFA-FF70-FE012E63782F}"/>
+              </a:ext>
+            </a:extLst>
+          </p:cNvPr>
+          <p:cNvSpPr>
+            <a:spLocks noGrp="1"/>
+          </p:cNvSpPr>
+          <p:nvPr>
+            <p:ph type="title"/>
+          </p:nvPr>
+        </p:nvSpPr>
+        <p:spPr/>
+        <p:txBody>
+          <a:bodyPr>
+            <a:normAutofit fontScale="90000"/>
+          </a:bodyPr>
+          <a:lstStyle/>
+          <a:p>
+            <a:r>
+              <a:rPr lang="en-US" dirty="0"/>
+              <a:t>Create secret in Vault – store root keys</a:t>
+            </a:r>
+          </a:p>
+        </p:txBody>
+      </p:sp>
+      <p:sp>
+        <p:nvSpPr>
+          <p:cNvPr id="3" name="Content Placeholder 2">
+            <a:extLst>
+              <a:ext uri="{FF2B5EF4-FFF2-40B4-BE49-F238E27FC236}">
+                <a16:creationId xmlns:a16="http://schemas.microsoft.com/office/drawing/2014/main" id="{2450CA36-8E3C-CCB9-4106-E4814A90ACC1}"/>
+              </a:ext>
+            </a:extLst>
+          </p:cNvPr>
+          <p:cNvSpPr>
+            <a:spLocks noGrp="1"/>
+          </p:cNvSpPr>
+          <p:nvPr>
+            <p:ph idx="1"/>
+          </p:nvPr>
+        </p:nvSpPr>
+        <p:spPr/>
+        <p:txBody>
+          <a:bodyPr>
+            <a:normAutofit/>
+          </a:bodyPr>
+          <a:lstStyle/>
+          <a:p>
+            <a:pPr marL="0" marR="0" lvl="0" indent="0" algn="l" defTabSz="914400" rtl="0" eaLnBrk="0" fontAlgn="base" latinLnBrk="0" hangingPunct="0">
+              <a:lnSpc>
+                <a:spcPct val="100000"/>
+              </a:lnSpc>
+              <a:spcBef>
+                <a:spcPct val="0"/>
+              </a:spcBef>
+              <a:spcAft>
+                <a:spcPct val="0"/>
+              </a:spcAft>
+              <a:buClrTx/>
+              <a:buSzTx/>
+              <a:buFontTx/>
+              <a:buNone/>
+              <a:tabLst/>
+            </a:pPr>
+            <a:r>
+              <a:rPr kumimoji="0" lang="en-US" altLang="en-US" sz="1800" b="0" i="0" u="none" strike="noStrike" cap="none" normalizeH="0" baseline="0" dirty="0">
+                <a:ln>
+                  <a:noFill/>
+                </a:ln>
+                <a:solidFill>
+                  <a:srgbClr val="404953"/>
+                </a:solidFill>
+                <a:effectLst/>
+                <a:latin typeface="Segoe UI" panose="020B0502040204020203" pitchFamily="34" charset="0"/>
+                <a:ea typeface="Times New Roman" panose="02020603050405020304" pitchFamily="18" charset="0"/>
+                <a:cs typeface="Segoe UI" panose="020B0502040204020203" pitchFamily="34" charset="0"/>
+              </a:rPr>
+              <a:t>Enter three keys one by one from the downloaded key file to unseal vault.</a:t>
+            </a:r>
+            <a:endParaRPr kumimoji="0" lang="en-US" altLang="en-US" sz="1000" b="0" i="0" u="none" strike="noStrike" cap="none" normalizeH="0" baseline="0" dirty="0">
+              <a:ln>
+                <a:noFill/>
+              </a:ln>
+              <a:solidFill>
+                <a:schemeClr val="tx1"/>
+              </a:solidFill>
+              <a:effectLst/>
+            </a:endParaRPr>
+          </a:p>
+          <a:p>
+            <a:endParaRPr lang="en-US" dirty="0"/>
+          </a:p>
+          <a:p>
+            <a:endParaRPr lang="en-US" dirty="0"/>
+          </a:p>
+        </p:txBody>
+      </p:sp>
+      <p:pic>
+        <p:nvPicPr>
+          <p:cNvPr id="1027" name="Picture 3" descr="image 3">
+            <a:extLst>
+              <a:ext uri="{FF2B5EF4-FFF2-40B4-BE49-F238E27FC236}">
+                <a16:creationId xmlns:a16="http://schemas.microsoft.com/office/drawing/2014/main" id="{CDDA0EB8-6750-71B7-DF95-8AA1D24D9D57}"/>
+              </a:ext>
+            </a:extLst>
+          </p:cNvPr>
+          <p:cNvPicPr>
+            <a:picLocks noChangeAspect="1" noChangeArrowheads="1"/>
+          </p:cNvPicPr>
+          <p:nvPr/>
+        </p:nvPicPr>
+        <p:blipFill>
+          <a:blip r:embed="rId2">
+            <a:extLst>
+              <a:ext uri="{28A0092B-C50C-407E-A947-70E740481C1C}">
+                <a14:useLocalDpi xmlns:a14="http://schemas.microsoft.com/office/drawing/2010/main" val="0"/>
+              </a:ext>
+            </a:extLst>
+          </a:blip>
+          <a:srcRect/>
+          <a:stretch>
+            <a:fillRect/>
+          </a:stretch>
+        </p:blipFill>
+        <p:spPr bwMode="auto">
+          <a:xfrm>
+            <a:off x="519266" y="1683786"/>
+            <a:ext cx="5943600" cy="2390775"/>
+          </a:xfrm>
+          <a:prstGeom prst="rect">
+            <a:avLst/>
+          </a:prstGeom>
+          <a:noFill/>
+          <a:extLst>
+            <a:ext uri="{909E8E84-426E-40DD-AFC4-6F175D3DCCD1}">
+              <a14:hiddenFill xmlns:a14="http://schemas.microsoft.com/office/drawing/2010/main">
+                <a:solidFill>
+                  <a:srgbClr val="FFFFFF"/>
+                </a:solidFill>
+              </a14:hiddenFill>
+            </a:ext>
+          </a:extLst>
+        </p:spPr>
+      </p:pic>
+      <p:pic>
+        <p:nvPicPr>
+          <p:cNvPr id="1026" name="Picture 2" descr="image 4">
+            <a:extLst>
+              <a:ext uri="{FF2B5EF4-FFF2-40B4-BE49-F238E27FC236}">
+                <a16:creationId xmlns:a16="http://schemas.microsoft.com/office/drawing/2014/main" id="{76F39021-BB07-B797-6121-3E3F000E2B39}"/>
+              </a:ext>
+            </a:extLst>
+          </p:cNvPr>
+          <p:cNvPicPr>
+            <a:picLocks noChangeAspect="1" noChangeArrowheads="1"/>
+          </p:cNvPicPr>
+          <p:nvPr/>
+        </p:nvPicPr>
+        <p:blipFill>
+          <a:blip r:embed="rId3">
+            <a:extLst>
+              <a:ext uri="{28A0092B-C50C-407E-A947-70E740481C1C}">
+                <a14:useLocalDpi xmlns:a14="http://schemas.microsoft.com/office/drawing/2010/main" val="0"/>
+              </a:ext>
+            </a:extLst>
+          </a:blip>
+          <a:srcRect/>
+          <a:stretch>
+            <a:fillRect/>
+          </a:stretch>
+        </p:blipFill>
+        <p:spPr bwMode="auto">
+          <a:xfrm>
+            <a:off x="5974019" y="3609974"/>
+            <a:ext cx="5943600" cy="2152650"/>
+          </a:xfrm>
+          <a:prstGeom prst="rect">
+            <a:avLst/>
+          </a:prstGeom>
+          <a:noFill/>
+          <a:extLst>
+            <a:ext uri="{909E8E84-426E-40DD-AFC4-6F175D3DCCD1}">
+              <a14:hiddenFill xmlns:a14="http://schemas.microsoft.com/office/drawing/2010/main">
+                <a:solidFill>
+                  <a:srgbClr val="FFFFFF"/>
+                </a:solidFill>
+              </a14:hiddenFill>
+            </a:ext>
+          </a:extLst>
+        </p:spPr>
+      </p:pic>
+      <p:sp>
+        <p:nvSpPr>
+          <p:cNvPr id="4" name="Rectangle 7">
+            <a:extLst>
+              <a:ext uri="{FF2B5EF4-FFF2-40B4-BE49-F238E27FC236}">
+                <a16:creationId xmlns:a16="http://schemas.microsoft.com/office/drawing/2014/main" id="{B3FF799A-7ABB-4B11-CDC5-C60BC0FEC2CB}"/>
+              </a:ext>
+            </a:extLst>
+          </p:cNvPr>
+          <p:cNvSpPr>
+            <a:spLocks noChangeArrowheads="1"/>
+          </p:cNvSpPr>
+          <p:nvPr/>
+        </p:nvSpPr>
+        <p:spPr bwMode="auto">
+          <a:xfrm>
+            <a:off x="0" y="0"/>
+            <a:ext cx="12192000" cy="457200"/>
+          </a:xfrm>
+          <a:prstGeom prst="rect">
+            <a:avLst/>
+          </a:prstGeom>
+          <a:noFill/>
+          <a:ln>
+            <a:noFill/>
+          </a:ln>
+          <a:effectLst/>
+          <a:extLst>
+            <a:ext uri="{909E8E84-426E-40DD-AFC4-6F175D3DCCD1}">
+              <a14:hiddenFill xmlns:a14="http://schemas.microsoft.com/office/drawing/2010/main">
+                <a:solidFill>
+                  <a:schemeClr val="accent1"/>
+                </a:solidFill>
+              </a14:hiddenFill>
+            </a:ext>
+            <a:ext uri="{91240B29-F687-4F45-9708-019B960494DF}">
+              <a14:hiddenLine xmlns:a14="http://schemas.microsoft.com/office/drawing/2010/main" w="9525">
+                <a:solidFill>
+                  <a:schemeClr val="tx1"/>
+                </a:solidFill>
+                <a:miter lim="800000"/>
+                <a:headEnd/>
+                <a:tailEnd/>
+              </a14:hiddenLine>
+            </a:ext>
+            <a:ext uri="{AF507438-7753-43E0-B8FC-AC1667EBCBE1}">
+              <a14:hiddenEffects xmlns:a14="http://schemas.microsoft.com/office/drawing/2010/main">
+                <a:effectLst>
+                  <a:outerShdw dist="35921" dir="2700000" algn="ctr" rotWithShape="0">
+                    <a:schemeClr val="bg2"/>
+                  </a:outerShdw>
+                </a:effectLst>
+              </a14:hiddenEffects>
+            </a:ext>
+          </a:extLst>
+        </p:spPr>
+        <p:txBody>
+          <a:bodyPr vert="horz" wrap="none" lIns="91440" tIns="45720" rIns="91440" bIns="45720" numCol="1" anchor="ctr" anchorCtr="0" compatLnSpc="1">
+            <a:prstTxWarp prst="textNoShape">
+              <a:avLst/>
+            </a:prstTxWarp>
+            <a:spAutoFit/>
+          </a:bodyPr>
+          <a:lstStyle/>
+          <a:p>
+            <a:endParaRPr lang="en-US"/>
+          </a:p>
+        </p:txBody>
+      </p:sp>
+      <p:sp>
+        <p:nvSpPr>
+          <p:cNvPr id="8" name="Rectangle 11">
+            <a:extLst>
+              <a:ext uri="{FF2B5EF4-FFF2-40B4-BE49-F238E27FC236}">
+                <a16:creationId xmlns:a16="http://schemas.microsoft.com/office/drawing/2014/main" id="{36D8C6BD-F611-2482-A922-F72639222346}"/>
+              </a:ext>
+            </a:extLst>
+          </p:cNvPr>
+          <p:cNvSpPr>
+            <a:spLocks noChangeArrowheads="1"/>
+          </p:cNvSpPr>
+          <p:nvPr/>
+        </p:nvSpPr>
+        <p:spPr bwMode="auto">
+          <a:xfrm>
+            <a:off x="824066" y="4521957"/>
+            <a:ext cx="6755824" cy="584775"/>
+          </a:xfrm>
+          <a:prstGeom prst="rect">
+            <a:avLst/>
+          </a:prstGeom>
+          <a:noFill/>
+          <a:ln>
+            <a:noFill/>
+          </a:ln>
+          <a:effectLst/>
+          <a:extLst>
+            <a:ext uri="{909E8E84-426E-40DD-AFC4-6F175D3DCCD1}">
+              <a14:hiddenFill xmlns:a14="http://schemas.microsoft.com/office/drawing/2010/main">
+                <a:solidFill>
+                  <a:schemeClr val="accent1"/>
+                </a:solidFill>
+              </a14:hiddenFill>
+            </a:ext>
+            <a:ext uri="{91240B29-F687-4F45-9708-019B960494DF}">
+              <a14:hiddenLine xmlns:a14="http://schemas.microsoft.com/office/drawing/2010/main" w="9525">
+                <a:solidFill>
+                  <a:schemeClr val="tx1"/>
+                </a:solidFill>
+                <a:miter lim="800000"/>
+                <a:headEnd/>
+                <a:tailEnd/>
+              </a14:hiddenLine>
+            </a:ext>
+            <a:ext uri="{AF507438-7753-43E0-B8FC-AC1667EBCBE1}">
+              <a14:hiddenEffects xmlns:a14="http://schemas.microsoft.com/office/drawing/2010/main">
+                <a:effectLst>
+                  <a:outerShdw dist="35921" dir="2700000" algn="ctr" rotWithShape="0">
+                    <a:schemeClr val="bg2"/>
+                  </a:outerShdw>
+                </a:effectLst>
+              </a14:hiddenEffects>
+            </a:ext>
+          </a:extLst>
+        </p:spPr>
+        <p:txBody>
+          <a:bodyPr vert="horz" wrap="none" lIns="91440" tIns="45720" rIns="91440" bIns="45720" numCol="1" anchor="ctr" anchorCtr="0" compatLnSpc="1">
+            <a:prstTxWarp prst="textNoShape">
+              <a:avLst/>
+            </a:prstTxWarp>
+            <a:spAutoFit/>
+          </a:bodyPr>
+          <a:lstStyle/>
+          <a:p>
+            <a:pPr marL="0" marR="0" lvl="0" indent="0" algn="l" defTabSz="914400" rtl="0" eaLnBrk="0" fontAlgn="base" latinLnBrk="0" hangingPunct="0">
+              <a:lnSpc>
+                <a:spcPct val="100000"/>
+              </a:lnSpc>
+              <a:spcBef>
+                <a:spcPct val="0"/>
+              </a:spcBef>
+              <a:spcAft>
+                <a:spcPct val="0"/>
+              </a:spcAft>
+              <a:buClrTx/>
+              <a:buSzTx/>
+              <a:buFontTx/>
+              <a:buNone/>
+              <a:tabLst/>
+            </a:pPr>
+            <a:r>
+              <a:rPr kumimoji="0" lang="en-US" altLang="en-US" sz="1400" b="0" i="0" u="none" strike="noStrike" cap="none" normalizeH="0" baseline="0" dirty="0">
+                <a:ln>
+                  <a:noFill/>
+                </a:ln>
+                <a:solidFill>
+                  <a:srgbClr val="404953"/>
+                </a:solidFill>
+                <a:effectLst/>
+                <a:latin typeface="Segoe UI" panose="020B0502040204020203" pitchFamily="34" charset="0"/>
+                <a:ea typeface="Times New Roman" panose="02020603050405020304" pitchFamily="18" charset="0"/>
+                <a:cs typeface="Segoe UI" panose="020B0502040204020203" pitchFamily="34" charset="0"/>
+              </a:rPr>
+              <a:t>Once unsealed, log to the vault with the </a:t>
+            </a:r>
+            <a:r>
+              <a:rPr kumimoji="0" lang="en-US" altLang="en-US" sz="1400" b="0" i="0" u="none" strike="noStrike" cap="none" normalizeH="0" baseline="0" dirty="0" err="1">
+                <a:ln>
+                  <a:noFill/>
+                </a:ln>
+                <a:solidFill>
+                  <a:srgbClr val="404953"/>
+                </a:solidFill>
+                <a:effectLst/>
+                <a:latin typeface="Segoe UI" panose="020B0502040204020203" pitchFamily="34" charset="0"/>
+                <a:ea typeface="Times New Roman" panose="02020603050405020304" pitchFamily="18" charset="0"/>
+                <a:cs typeface="Segoe UI" panose="020B0502040204020203" pitchFamily="34" charset="0"/>
+              </a:rPr>
+              <a:t>root_token</a:t>
+            </a:r>
+            <a:r>
+              <a:rPr kumimoji="0" lang="en-US" altLang="en-US" sz="1400" b="0" i="0" u="none" strike="noStrike" cap="none" normalizeH="0" baseline="0" dirty="0">
+                <a:ln>
+                  <a:noFill/>
+                </a:ln>
+                <a:solidFill>
+                  <a:srgbClr val="404953"/>
+                </a:solidFill>
+                <a:effectLst/>
+                <a:latin typeface="Segoe UI" panose="020B0502040204020203" pitchFamily="34" charset="0"/>
+                <a:ea typeface="Times New Roman" panose="02020603050405020304" pitchFamily="18" charset="0"/>
+                <a:cs typeface="Segoe UI" panose="020B0502040204020203" pitchFamily="34" charset="0"/>
+              </a:rPr>
+              <a:t> from the downloaded key file.</a:t>
+            </a:r>
+            <a:endParaRPr kumimoji="0" lang="en-US" altLang="en-US" sz="800" b="0" i="0" u="none" strike="noStrike" cap="none" normalizeH="0" baseline="0" dirty="0">
+              <a:ln>
+                <a:noFill/>
+              </a:ln>
+              <a:solidFill>
+                <a:schemeClr val="tx1"/>
+              </a:solidFill>
+              <a:effectLst/>
+            </a:endParaRPr>
+          </a:p>
+          <a:p>
+            <a:pPr marL="0" marR="0" lvl="0" indent="0" algn="l" defTabSz="914400" rtl="0" eaLnBrk="0" fontAlgn="base" latinLnBrk="0" hangingPunct="0">
+              <a:lnSpc>
+                <a:spcPct val="100000"/>
+              </a:lnSpc>
+              <a:spcBef>
+                <a:spcPct val="0"/>
+              </a:spcBef>
+              <a:spcAft>
+                <a:spcPct val="0"/>
+              </a:spcAft>
+              <a:buClrTx/>
+              <a:buSzTx/>
+              <a:buFontTx/>
+              <a:buNone/>
+              <a:tabLst/>
+            </a:pPr>
+            <a:endParaRPr kumimoji="0" lang="en-US" altLang="en-US" sz="1800" b="0" i="0" u="none" strike="noStrike" cap="none" normalizeH="0" baseline="0" dirty="0">
+              <a:ln>
+                <a:noFill/>
+              </a:ln>
+              <a:solidFill>
+                <a:schemeClr val="tx1"/>
+              </a:solidFill>
+              <a:effectLst/>
+              <a:latin typeface="Arial" panose="020B0604020202020204" pitchFamily="34" charset="0"/>
+            </a:endParaRPr>
+          </a:p>
+        </p:txBody>
+      </p:sp>
+    </p:spTree>
+    <p:extLst>
+      <p:ext uri="{BB962C8B-B14F-4D97-AF65-F5344CB8AC3E}">
+        <p14:creationId xmlns:p14="http://schemas.microsoft.com/office/powerpoint/2010/main" val="1814913031"/>
+      </p:ext>
+    </p:extLst>
+  </p:cSld>
+  <p:clrMapOvr>
+    <a:masterClrMapping/>
+  </p:clrMapOvr>
+</p:sld>
+</file>
+
+<file path=ppt/slides/slide6.xml><?xml version="1.0" encoding="utf-8"?>
+<p:sld xmlns:a="http://schemas.openxmlformats.org/drawingml/2006/main" xmlns:r="http://schemas.openxmlformats.org/officeDocument/2006/relationships" xmlns:p="http://schemas.openxmlformats.org/presentationml/2006/main">
+  <p:cSld>
+    <p:spTree>
+      <p:nvGrpSpPr>
+        <p:cNvPr id="1" name=""/>
+        <p:cNvGrpSpPr/>
+        <p:nvPr/>
+      </p:nvGrpSpPr>
+      <p:grpSpPr>
+        <a:xfrm>
+          <a:off x="0" y="0"/>
+          <a:ext cx="0" cy="0"/>
+          <a:chOff x="0" y="0"/>
+          <a:chExt cx="0" cy="0"/>
+        </a:xfrm>
+      </p:grpSpPr>
+      <p:sp>
+        <p:nvSpPr>
+          <p:cNvPr id="2" name="Title 1">
+            <a:extLst>
+              <a:ext uri="{FF2B5EF4-FFF2-40B4-BE49-F238E27FC236}">
+                <a16:creationId xmlns:a16="http://schemas.microsoft.com/office/drawing/2014/main" id="{FCC4AADB-5735-ADFA-FF70-FE012E63782F}"/>
+              </a:ext>
+            </a:extLst>
+          </p:cNvPr>
+          <p:cNvSpPr>
+            <a:spLocks noGrp="1"/>
+          </p:cNvSpPr>
+          <p:nvPr>
+            <p:ph type="title"/>
+          </p:nvPr>
+        </p:nvSpPr>
+        <p:spPr/>
+        <p:txBody>
+          <a:bodyPr>
+            <a:normAutofit fontScale="90000"/>
+          </a:bodyPr>
+          <a:lstStyle/>
+          <a:p>
+            <a:r>
+              <a:rPr lang="en-US" dirty="0"/>
+              <a:t>Create secret in Vault – store root keys</a:t>
+            </a:r>
+          </a:p>
+        </p:txBody>
+      </p:sp>
+      <p:sp>
+        <p:nvSpPr>
+          <p:cNvPr id="3" name="Content Placeholder 2">
+            <a:extLst>
+              <a:ext uri="{FF2B5EF4-FFF2-40B4-BE49-F238E27FC236}">
+                <a16:creationId xmlns:a16="http://schemas.microsoft.com/office/drawing/2014/main" id="{2450CA36-8E3C-CCB9-4106-E4814A90ACC1}"/>
+              </a:ext>
+            </a:extLst>
+          </p:cNvPr>
+          <p:cNvSpPr>
+            <a:spLocks noGrp="1"/>
+          </p:cNvSpPr>
+          <p:nvPr>
+            <p:ph idx="1"/>
+          </p:nvPr>
+        </p:nvSpPr>
+        <p:spPr/>
+        <p:txBody>
+          <a:bodyPr>
+            <a:normAutofit/>
+          </a:bodyPr>
+          <a:lstStyle/>
+          <a:p>
+            <a:r>
+              <a:rPr lang="en-US" dirty="0"/>
+              <a:t>Open </a:t>
+            </a:r>
+            <a:r>
+              <a:rPr lang="en-US" dirty="0">
+                <a:hlinkClick r:id="rId2"/>
+              </a:rPr>
+              <a:t>http://127.0.0.1:8200/ui</a:t>
+            </a:r>
+            <a:r>
+              <a:rPr lang="en-US" dirty="0"/>
+              <a:t>	</a:t>
+            </a:r>
+          </a:p>
+          <a:p>
+            <a:r>
+              <a:rPr lang="en-US" sz="1800" kern="0" dirty="0">
+                <a:solidFill>
+                  <a:srgbClr val="404953"/>
+                </a:solidFill>
+                <a:effectLst/>
+                <a:latin typeface="Segoe UI" panose="020B0502040204020203" pitchFamily="34" charset="0"/>
+                <a:ea typeface="Times New Roman" panose="02020603050405020304" pitchFamily="18" charset="0"/>
+              </a:rPr>
+              <a:t>You will be logging in to the vault server with all default settings.</a:t>
+            </a:r>
+            <a:endParaRPr lang="en-US" dirty="0"/>
+          </a:p>
+          <a:p>
+            <a:endParaRPr lang="en-US" dirty="0"/>
+          </a:p>
+          <a:p>
+            <a:endParaRPr lang="en-US" dirty="0"/>
+          </a:p>
+        </p:txBody>
+      </p:sp>
+      <p:pic>
+        <p:nvPicPr>
+          <p:cNvPr id="1025" name="Picture 1" descr="image 5">
+            <a:extLst>
+              <a:ext uri="{FF2B5EF4-FFF2-40B4-BE49-F238E27FC236}">
+                <a16:creationId xmlns:a16="http://schemas.microsoft.com/office/drawing/2014/main" id="{1EEF84DD-9AF0-D27A-593D-0985A7E6B96B}"/>
+              </a:ext>
+            </a:extLst>
+          </p:cNvPr>
+          <p:cNvPicPr>
+            <a:picLocks noChangeAspect="1" noChangeArrowheads="1"/>
+          </p:cNvPicPr>
+          <p:nvPr/>
+        </p:nvPicPr>
+        <p:blipFill>
+          <a:blip r:embed="rId3">
+            <a:extLst>
+              <a:ext uri="{28A0092B-C50C-407E-A947-70E740481C1C}">
+                <a14:useLocalDpi xmlns:a14="http://schemas.microsoft.com/office/drawing/2010/main" val="0"/>
+              </a:ext>
+            </a:extLst>
+          </a:blip>
+          <a:srcRect/>
+          <a:stretch>
+            <a:fillRect/>
+          </a:stretch>
+        </p:blipFill>
+        <p:spPr bwMode="auto">
+          <a:xfrm>
+            <a:off x="685996" y="2639304"/>
+            <a:ext cx="8721593" cy="1579391"/>
+          </a:xfrm>
+          <a:prstGeom prst="rect">
+            <a:avLst/>
+          </a:prstGeom>
+          <a:noFill/>
+          <a:extLst>
+            <a:ext uri="{909E8E84-426E-40DD-AFC4-6F175D3DCCD1}">
+              <a14:hiddenFill xmlns:a14="http://schemas.microsoft.com/office/drawing/2010/main">
+                <a:solidFill>
+                  <a:srgbClr val="FFFFFF"/>
+                </a:solidFill>
+              </a14:hiddenFill>
+            </a:ext>
+          </a:extLst>
+        </p:spPr>
+      </p:pic>
+      <p:sp>
+        <p:nvSpPr>
+          <p:cNvPr id="4" name="Rectangle 7">
+            <a:extLst>
+              <a:ext uri="{FF2B5EF4-FFF2-40B4-BE49-F238E27FC236}">
+                <a16:creationId xmlns:a16="http://schemas.microsoft.com/office/drawing/2014/main" id="{B3FF799A-7ABB-4B11-CDC5-C60BC0FEC2CB}"/>
+              </a:ext>
+            </a:extLst>
+          </p:cNvPr>
+          <p:cNvSpPr>
+            <a:spLocks noChangeArrowheads="1"/>
+          </p:cNvSpPr>
+          <p:nvPr/>
+        </p:nvSpPr>
+        <p:spPr bwMode="auto">
+          <a:xfrm>
+            <a:off x="0" y="0"/>
+            <a:ext cx="12192000" cy="457200"/>
+          </a:xfrm>
+          <a:prstGeom prst="rect">
+            <a:avLst/>
+          </a:prstGeom>
+          <a:noFill/>
+          <a:ln>
+            <a:noFill/>
+          </a:ln>
+          <a:effectLst/>
+          <a:extLst>
+            <a:ext uri="{909E8E84-426E-40DD-AFC4-6F175D3DCCD1}">
+              <a14:hiddenFill xmlns:a14="http://schemas.microsoft.com/office/drawing/2010/main">
+                <a:solidFill>
+                  <a:schemeClr val="accent1"/>
+                </a:solidFill>
+              </a14:hiddenFill>
+            </a:ext>
+            <a:ext uri="{91240B29-F687-4F45-9708-019B960494DF}">
+              <a14:hiddenLine xmlns:a14="http://schemas.microsoft.com/office/drawing/2010/main" w="9525">
+                <a:solidFill>
+                  <a:schemeClr val="tx1"/>
+                </a:solidFill>
+                <a:miter lim="800000"/>
+                <a:headEnd/>
+                <a:tailEnd/>
+              </a14:hiddenLine>
+            </a:ext>
+            <a:ext uri="{AF507438-7753-43E0-B8FC-AC1667EBCBE1}">
+              <a14:hiddenEffects xmlns:a14="http://schemas.microsoft.com/office/drawing/2010/main">
+                <a:effectLst>
+                  <a:outerShdw dist="35921" dir="2700000" algn="ctr" rotWithShape="0">
+                    <a:schemeClr val="bg2"/>
+                  </a:outerShdw>
+                </a:effectLst>
+              </a14:hiddenEffects>
+            </a:ext>
+          </a:extLst>
+        </p:spPr>
+        <p:txBody>
+          <a:bodyPr vert="horz" wrap="none" lIns="91440" tIns="45720" rIns="91440" bIns="45720" numCol="1" anchor="ctr" anchorCtr="0" compatLnSpc="1">
+            <a:prstTxWarp prst="textNoShape">
+              <a:avLst/>
+            </a:prstTxWarp>
+            <a:spAutoFit/>
+          </a:bodyPr>
+          <a:lstStyle/>
+          <a:p>
+            <a:endParaRPr lang="en-US"/>
+          </a:p>
+        </p:txBody>
+      </p:sp>
+    </p:spTree>
+    <p:extLst>
+      <p:ext uri="{BB962C8B-B14F-4D97-AF65-F5344CB8AC3E}">
+        <p14:creationId xmlns:p14="http://schemas.microsoft.com/office/powerpoint/2010/main" val="1895322179"/>
       </p:ext>
     </p:extLst>
   </p:cSld>

--- a/docs/Hashicorp-Vault.pptx
+++ b/docs/Hashicorp-Vault.pptx
@@ -11,6 +11,10 @@
     <p:sldId id="261" r:id="rId8"/>
     <p:sldId id="262" r:id="rId9"/>
     <p:sldId id="263" r:id="rId10"/>
+    <p:sldId id="264" r:id="rId11"/>
+    <p:sldId id="265" r:id="rId12"/>
+    <p:sldId id="266" r:id="rId13"/>
+    <p:sldId id="267" r:id="rId14"/>
   </p:sldIdLst>
   <p:sldSz cx="12192000" cy="6858000"/>
   <p:notesSz cx="6858000" cy="9144000"/>
@@ -355,7 +359,7 @@
           <a:p>
             <a:fld id="{ED291B17-9318-49DB-B28B-6E5994AE9581}" type="datetime1">
               <a:rPr lang="en-US" smtClean="0"/>
-              <a:t>5/16/2024</a:t>
+              <a:t>5/18/2024</a:t>
             </a:fld>
             <a:endParaRPr lang="en-US" dirty="0"/>
           </a:p>
@@ -558,7 +562,7 @@
           <a:p>
             <a:fld id="{2CED4963-E985-44C4-B8C4-FDD613B7C2F8}" type="datetime1">
               <a:rPr lang="en-US" smtClean="0"/>
-              <a:t>5/16/2024</a:t>
+              <a:t>5/18/2024</a:t>
             </a:fld>
             <a:endParaRPr lang="en-US" dirty="0"/>
           </a:p>
@@ -920,7 +924,7 @@
           <a:p>
             <a:fld id="{ED291B17-9318-49DB-B28B-6E5994AE9581}" type="datetime1">
               <a:rPr lang="en-US" smtClean="0"/>
-              <a:t>5/16/2024</a:t>
+              <a:t>5/18/2024</a:t>
             </a:fld>
             <a:endParaRPr lang="en-US" dirty="0"/>
           </a:p>
@@ -1118,7 +1122,7 @@
           <a:p>
             <a:fld id="{78DD82B9-B8EE-4375-B6FF-88FA6ABB15D9}" type="datetime1">
               <a:rPr lang="en-US" smtClean="0"/>
-              <a:t>5/16/2024</a:t>
+              <a:t>5/18/2024</a:t>
             </a:fld>
             <a:endParaRPr lang="en-US" dirty="0"/>
           </a:p>
@@ -1430,7 +1434,7 @@
           <a:p>
             <a:fld id="{B2497495-0637-405E-AE64-5CC7506D51F5}" type="datetime1">
               <a:rPr lang="en-US" smtClean="0"/>
-              <a:t>5/16/2024</a:t>
+              <a:t>5/18/2024</a:t>
             </a:fld>
             <a:endParaRPr lang="en-US" dirty="0"/>
           </a:p>
@@ -1683,7 +1687,7 @@
           <a:p>
             <a:fld id="{7BFFD690-9426-415D-8B65-26881E07B2D4}" type="datetime1">
               <a:rPr lang="en-US" smtClean="0"/>
-              <a:t>5/16/2024</a:t>
+              <a:t>5/18/2024</a:t>
             </a:fld>
             <a:endParaRPr lang="en-US" dirty="0"/>
           </a:p>
@@ -2105,7 +2109,7 @@
           <a:p>
             <a:fld id="{04C4989A-474C-40DE-95B9-011C28B71673}" type="datetime1">
               <a:rPr lang="en-US" smtClean="0"/>
-              <a:t>5/16/2024</a:t>
+              <a:t>5/18/2024</a:t>
             </a:fld>
             <a:endParaRPr lang="en-US" dirty="0"/>
           </a:p>
@@ -2228,7 +2232,7 @@
           <a:p>
             <a:fld id="{5DB4ED54-5B5E-4A04-93D3-5772E3CE3818}" type="datetime1">
               <a:rPr lang="en-US" smtClean="0"/>
-              <a:t>5/16/2024</a:t>
+              <a:t>5/18/2024</a:t>
             </a:fld>
             <a:endParaRPr lang="en-US" dirty="0"/>
           </a:p>
@@ -2323,7 +2327,7 @@
           <a:p>
             <a:fld id="{4EDE50D6-574B-40AF-946F-D52A04ADE379}" type="datetime1">
               <a:rPr lang="en-US" smtClean="0"/>
-              <a:t>5/16/2024</a:t>
+              <a:t>5/18/2024</a:t>
             </a:fld>
             <a:endParaRPr lang="en-US" dirty="0"/>
           </a:p>
@@ -2700,7 +2704,7 @@
           <a:p>
             <a:fld id="{D82884F1-FFEA-405F-9602-3DCA865EDA4E}" type="datetime1">
               <a:rPr lang="en-US" smtClean="0"/>
-              <a:t>5/16/2024</a:t>
+              <a:t>5/18/2024</a:t>
             </a:fld>
             <a:endParaRPr lang="en-US" dirty="0"/>
           </a:p>
@@ -2993,7 +2997,7 @@
           <a:p>
             <a:fld id="{7E18DB4A-8810-4A10-AD5C-D5E2C667F5B3}" type="datetime1">
               <a:rPr lang="en-US" smtClean="0"/>
-              <a:t>5/16/2024</a:t>
+              <a:t>5/18/2024</a:t>
             </a:fld>
             <a:endParaRPr lang="en-US" dirty="0"/>
           </a:p>
@@ -3206,7 +3210,7 @@
           <a:p>
             <a:fld id="{ED291B17-9318-49DB-B28B-6E5994AE9581}" type="datetime1">
               <a:rPr lang="en-US" smtClean="0"/>
-              <a:t>5/16/2024</a:t>
+              <a:t>5/18/2024</a:t>
             </a:fld>
             <a:endParaRPr lang="en-US" dirty="0"/>
           </a:p>
@@ -4183,6 +4187,141 @@
 </p:sld>
 </file>
 
+<file path=ppt/slides/slide10.xml><?xml version="1.0" encoding="utf-8"?>
+<p:sld xmlns:a="http://schemas.openxmlformats.org/drawingml/2006/main" xmlns:r="http://schemas.openxmlformats.org/officeDocument/2006/relationships" xmlns:p="http://schemas.openxmlformats.org/presentationml/2006/main">
+  <p:cSld>
+    <p:spTree>
+      <p:nvGrpSpPr>
+        <p:cNvPr id="1" name=""/>
+        <p:cNvGrpSpPr/>
+        <p:nvPr/>
+      </p:nvGrpSpPr>
+      <p:grpSpPr>
+        <a:xfrm>
+          <a:off x="0" y="0"/>
+          <a:ext cx="0" cy="0"/>
+          <a:chOff x="0" y="0"/>
+          <a:chExt cx="0" cy="0"/>
+        </a:xfrm>
+      </p:grpSpPr>
+      <p:sp>
+        <p:nvSpPr>
+          <p:cNvPr id="2" name="Title 1">
+            <a:extLst>
+              <a:ext uri="{FF2B5EF4-FFF2-40B4-BE49-F238E27FC236}">
+                <a16:creationId xmlns:a16="http://schemas.microsoft.com/office/drawing/2014/main" id="{B7FB50CD-A0D5-11CD-D9C0-51F1AA55EA08}"/>
+              </a:ext>
+            </a:extLst>
+          </p:cNvPr>
+          <p:cNvSpPr>
+            <a:spLocks noGrp="1"/>
+          </p:cNvSpPr>
+          <p:nvPr>
+            <p:ph type="title"/>
+          </p:nvPr>
+        </p:nvSpPr>
+        <p:spPr>
+          <a:xfrm>
+            <a:off x="575894" y="729658"/>
+            <a:ext cx="11029616" cy="371555"/>
+          </a:xfrm>
+        </p:spPr>
+        <p:txBody>
+          <a:bodyPr>
+            <a:normAutofit fontScale="90000"/>
+          </a:bodyPr>
+          <a:lstStyle/>
+          <a:p>
+            <a:r>
+              <a:rPr lang="en-US" dirty="0"/>
+              <a:t>Add user</a:t>
+            </a:r>
+          </a:p>
+        </p:txBody>
+      </p:sp>
+      <p:pic>
+        <p:nvPicPr>
+          <p:cNvPr id="4" name="Picture 3">
+            <a:extLst>
+              <a:ext uri="{FF2B5EF4-FFF2-40B4-BE49-F238E27FC236}">
+                <a16:creationId xmlns:a16="http://schemas.microsoft.com/office/drawing/2014/main" id="{C2231902-9FCF-A3AC-8A4A-672B28A805E7}"/>
+              </a:ext>
+            </a:extLst>
+          </p:cNvPr>
+          <p:cNvPicPr>
+            <a:picLocks noChangeAspect="1"/>
+          </p:cNvPicPr>
+          <p:nvPr/>
+        </p:nvPicPr>
+        <p:blipFill>
+          <a:blip r:embed="rId2"/>
+          <a:stretch>
+            <a:fillRect/>
+          </a:stretch>
+        </p:blipFill>
+        <p:spPr>
+          <a:xfrm>
+            <a:off x="501444" y="1238612"/>
+            <a:ext cx="5810865" cy="1046843"/>
+          </a:xfrm>
+          <a:prstGeom prst="rect">
+            <a:avLst/>
+          </a:prstGeom>
+          <a:ln>
+            <a:solidFill>
+              <a:schemeClr val="tx1"/>
+            </a:solidFill>
+          </a:ln>
+        </p:spPr>
+      </p:pic>
+      <p:pic>
+        <p:nvPicPr>
+          <p:cNvPr id="6" name="Picture 5">
+            <a:extLst>
+              <a:ext uri="{FF2B5EF4-FFF2-40B4-BE49-F238E27FC236}">
+                <a16:creationId xmlns:a16="http://schemas.microsoft.com/office/drawing/2014/main" id="{0BAAC261-BBD6-72BE-E68D-D04C2D8499B3}"/>
+              </a:ext>
+            </a:extLst>
+          </p:cNvPr>
+          <p:cNvPicPr>
+            <a:picLocks noChangeAspect="1"/>
+          </p:cNvPicPr>
+          <p:nvPr/>
+        </p:nvPicPr>
+        <p:blipFill>
+          <a:blip r:embed="rId3"/>
+          <a:stretch>
+            <a:fillRect/>
+          </a:stretch>
+        </p:blipFill>
+        <p:spPr>
+          <a:xfrm>
+            <a:off x="1366682" y="2493591"/>
+            <a:ext cx="5361357" cy="2403683"/>
+          </a:xfrm>
+          <a:prstGeom prst="rect">
+            <a:avLst/>
+          </a:prstGeom>
+          <a:ln>
+            <a:solidFill>
+              <a:schemeClr val="tx1"/>
+            </a:solidFill>
+          </a:ln>
+        </p:spPr>
+      </p:pic>
+    </p:spTree>
+    <p:extLst>
+      <p:ext uri="{BB962C8B-B14F-4D97-AF65-F5344CB8AC3E}">
+        <p14:creationId xmlns:p14="http://schemas.microsoft.com/office/powerpoint/2010/main" val="216207925"/>
+      </p:ext>
+    </p:extLst>
+  </p:cSld>
+  <p:clrMapOvr>
+    <a:masterClrMapping/>
+  </p:clrMapOvr>
+</p:sld>
+</file>
+
 <file path=ppt/slides/slide2.xml><?xml version="1.0" encoding="utf-8"?>
 <p:sld xmlns:a="http://schemas.openxmlformats.org/drawingml/2006/main" xmlns:r="http://schemas.openxmlformats.org/officeDocument/2006/relationships" xmlns:p="http://schemas.openxmlformats.org/presentationml/2006/main">
   <p:cSld>
@@ -6648,6 +6787,632 @@
     <p:extLst>
       <p:ext uri="{BB962C8B-B14F-4D97-AF65-F5344CB8AC3E}">
         <p14:creationId xmlns:p14="http://schemas.microsoft.com/office/powerpoint/2010/main" val="1895322179"/>
+      </p:ext>
+    </p:extLst>
+  </p:cSld>
+  <p:clrMapOvr>
+    <a:masterClrMapping/>
+  </p:clrMapOvr>
+</p:sld>
+</file>
+
+<file path=ppt/slides/slide7.xml><?xml version="1.0" encoding="utf-8"?>
+<p:sld xmlns:a="http://schemas.openxmlformats.org/drawingml/2006/main" xmlns:r="http://schemas.openxmlformats.org/officeDocument/2006/relationships" xmlns:p="http://schemas.openxmlformats.org/presentationml/2006/main">
+  <p:cSld>
+    <p:spTree>
+      <p:nvGrpSpPr>
+        <p:cNvPr id="1" name=""/>
+        <p:cNvGrpSpPr/>
+        <p:nvPr/>
+      </p:nvGrpSpPr>
+      <p:grpSpPr>
+        <a:xfrm>
+          <a:off x="0" y="0"/>
+          <a:ext cx="0" cy="0"/>
+          <a:chOff x="0" y="0"/>
+          <a:chExt cx="0" cy="0"/>
+        </a:xfrm>
+      </p:grpSpPr>
+      <p:sp>
+        <p:nvSpPr>
+          <p:cNvPr id="2" name="Title 1">
+            <a:extLst>
+              <a:ext uri="{FF2B5EF4-FFF2-40B4-BE49-F238E27FC236}">
+                <a16:creationId xmlns:a16="http://schemas.microsoft.com/office/drawing/2014/main" id="{FCC4AADB-5735-ADFA-FF70-FE012E63782F}"/>
+              </a:ext>
+            </a:extLst>
+          </p:cNvPr>
+          <p:cNvSpPr>
+            <a:spLocks noGrp="1"/>
+          </p:cNvSpPr>
+          <p:nvPr>
+            <p:ph type="title"/>
+          </p:nvPr>
+        </p:nvSpPr>
+        <p:spPr/>
+        <p:txBody>
+          <a:bodyPr>
+            <a:normAutofit fontScale="90000"/>
+          </a:bodyPr>
+          <a:lstStyle/>
+          <a:p>
+            <a:r>
+              <a:rPr lang="en-US" dirty="0"/>
+              <a:t>Create secret in Vault – Enable a secret engine</a:t>
+            </a:r>
+          </a:p>
+        </p:txBody>
+      </p:sp>
+      <p:pic>
+        <p:nvPicPr>
+          <p:cNvPr id="6" name="Content Placeholder 5">
+            <a:extLst>
+              <a:ext uri="{FF2B5EF4-FFF2-40B4-BE49-F238E27FC236}">
+                <a16:creationId xmlns:a16="http://schemas.microsoft.com/office/drawing/2014/main" id="{21CB0C74-1589-86DF-DA6A-CAB1B0774DEA}"/>
+              </a:ext>
+            </a:extLst>
+          </p:cNvPr>
+          <p:cNvPicPr>
+            <a:picLocks noGrp="1" noChangeAspect="1"/>
+          </p:cNvPicPr>
+          <p:nvPr>
+            <p:ph idx="1"/>
+          </p:nvPr>
+        </p:nvPicPr>
+        <p:blipFill>
+          <a:blip r:embed="rId2"/>
+          <a:stretch>
+            <a:fillRect/>
+          </a:stretch>
+        </p:blipFill>
+        <p:spPr>
+          <a:xfrm>
+            <a:off x="255638" y="1258116"/>
+            <a:ext cx="6216910" cy="2578442"/>
+          </a:xfrm>
+          <a:ln>
+            <a:solidFill>
+              <a:schemeClr val="tx1"/>
+            </a:solidFill>
+          </a:ln>
+        </p:spPr>
+      </p:pic>
+      <p:sp>
+        <p:nvSpPr>
+          <p:cNvPr id="4" name="Rectangle 7">
+            <a:extLst>
+              <a:ext uri="{FF2B5EF4-FFF2-40B4-BE49-F238E27FC236}">
+                <a16:creationId xmlns:a16="http://schemas.microsoft.com/office/drawing/2014/main" id="{B3FF799A-7ABB-4B11-CDC5-C60BC0FEC2CB}"/>
+              </a:ext>
+            </a:extLst>
+          </p:cNvPr>
+          <p:cNvSpPr>
+            <a:spLocks noChangeArrowheads="1"/>
+          </p:cNvSpPr>
+          <p:nvPr/>
+        </p:nvSpPr>
+        <p:spPr bwMode="auto">
+          <a:xfrm>
+            <a:off x="0" y="0"/>
+            <a:ext cx="12192000" cy="457200"/>
+          </a:xfrm>
+          <a:prstGeom prst="rect">
+            <a:avLst/>
+          </a:prstGeom>
+          <a:noFill/>
+          <a:ln>
+            <a:noFill/>
+          </a:ln>
+          <a:effectLst/>
+          <a:extLst>
+            <a:ext uri="{909E8E84-426E-40DD-AFC4-6F175D3DCCD1}">
+              <a14:hiddenFill xmlns:a14="http://schemas.microsoft.com/office/drawing/2010/main">
+                <a:solidFill>
+                  <a:schemeClr val="accent1"/>
+                </a:solidFill>
+              </a14:hiddenFill>
+            </a:ext>
+            <a:ext uri="{91240B29-F687-4F45-9708-019B960494DF}">
+              <a14:hiddenLine xmlns:a14="http://schemas.microsoft.com/office/drawing/2010/main" w="9525">
+                <a:solidFill>
+                  <a:schemeClr val="tx1"/>
+                </a:solidFill>
+                <a:miter lim="800000"/>
+                <a:headEnd/>
+                <a:tailEnd/>
+              </a14:hiddenLine>
+            </a:ext>
+            <a:ext uri="{AF507438-7753-43E0-B8FC-AC1667EBCBE1}">
+              <a14:hiddenEffects xmlns:a14="http://schemas.microsoft.com/office/drawing/2010/main">
+                <a:effectLst>
+                  <a:outerShdw dist="35921" dir="2700000" algn="ctr" rotWithShape="0">
+                    <a:schemeClr val="bg2"/>
+                  </a:outerShdw>
+                </a:effectLst>
+              </a14:hiddenEffects>
+            </a:ext>
+          </a:extLst>
+        </p:spPr>
+        <p:txBody>
+          <a:bodyPr vert="horz" wrap="none" lIns="91440" tIns="45720" rIns="91440" bIns="45720" numCol="1" anchor="ctr" anchorCtr="0" compatLnSpc="1">
+            <a:prstTxWarp prst="textNoShape">
+              <a:avLst/>
+            </a:prstTxWarp>
+            <a:spAutoFit/>
+          </a:bodyPr>
+          <a:lstStyle/>
+          <a:p>
+            <a:endParaRPr lang="en-US"/>
+          </a:p>
+        </p:txBody>
+      </p:sp>
+      <p:pic>
+        <p:nvPicPr>
+          <p:cNvPr id="8" name="Picture 7">
+            <a:extLst>
+              <a:ext uri="{FF2B5EF4-FFF2-40B4-BE49-F238E27FC236}">
+                <a16:creationId xmlns:a16="http://schemas.microsoft.com/office/drawing/2014/main" id="{781A03F7-8C2B-38F1-9673-521CBD3467B7}"/>
+              </a:ext>
+            </a:extLst>
+          </p:cNvPr>
+          <p:cNvPicPr>
+            <a:picLocks noChangeAspect="1"/>
+          </p:cNvPicPr>
+          <p:nvPr/>
+        </p:nvPicPr>
+        <p:blipFill>
+          <a:blip r:embed="rId3"/>
+          <a:stretch>
+            <a:fillRect/>
+          </a:stretch>
+        </p:blipFill>
+        <p:spPr>
+          <a:xfrm>
+            <a:off x="4542505" y="3195484"/>
+            <a:ext cx="4197523" cy="3748383"/>
+          </a:xfrm>
+          <a:prstGeom prst="rect">
+            <a:avLst/>
+          </a:prstGeom>
+          <a:ln>
+            <a:solidFill>
+              <a:schemeClr val="tx1"/>
+            </a:solidFill>
+          </a:ln>
+        </p:spPr>
+      </p:pic>
+      <p:pic>
+        <p:nvPicPr>
+          <p:cNvPr id="10" name="Picture 9">
+            <a:extLst>
+              <a:ext uri="{FF2B5EF4-FFF2-40B4-BE49-F238E27FC236}">
+                <a16:creationId xmlns:a16="http://schemas.microsoft.com/office/drawing/2014/main" id="{B7647EF2-53A5-8D08-7F26-F9050AF01E71}"/>
+              </a:ext>
+            </a:extLst>
+          </p:cNvPr>
+          <p:cNvPicPr>
+            <a:picLocks noChangeAspect="1"/>
+          </p:cNvPicPr>
+          <p:nvPr/>
+        </p:nvPicPr>
+        <p:blipFill>
+          <a:blip r:embed="rId4"/>
+          <a:stretch>
+            <a:fillRect/>
+          </a:stretch>
+        </p:blipFill>
+        <p:spPr>
+          <a:xfrm>
+            <a:off x="7570839" y="5402941"/>
+            <a:ext cx="4306528" cy="1248461"/>
+          </a:xfrm>
+          <a:prstGeom prst="rect">
+            <a:avLst/>
+          </a:prstGeom>
+          <a:ln>
+            <a:solidFill>
+              <a:schemeClr val="tx1"/>
+            </a:solidFill>
+          </a:ln>
+        </p:spPr>
+      </p:pic>
+    </p:spTree>
+    <p:extLst>
+      <p:ext uri="{BB962C8B-B14F-4D97-AF65-F5344CB8AC3E}">
+        <p14:creationId xmlns:p14="http://schemas.microsoft.com/office/powerpoint/2010/main" val="985027158"/>
+      </p:ext>
+    </p:extLst>
+  </p:cSld>
+  <p:clrMapOvr>
+    <a:masterClrMapping/>
+  </p:clrMapOvr>
+</p:sld>
+</file>
+
+<file path=ppt/slides/slide8.xml><?xml version="1.0" encoding="utf-8"?>
+<p:sld xmlns:a="http://schemas.openxmlformats.org/drawingml/2006/main" xmlns:r="http://schemas.openxmlformats.org/officeDocument/2006/relationships" xmlns:p="http://schemas.openxmlformats.org/presentationml/2006/main">
+  <p:cSld>
+    <p:spTree>
+      <p:nvGrpSpPr>
+        <p:cNvPr id="1" name=""/>
+        <p:cNvGrpSpPr/>
+        <p:nvPr/>
+      </p:nvGrpSpPr>
+      <p:grpSpPr>
+        <a:xfrm>
+          <a:off x="0" y="0"/>
+          <a:ext cx="0" cy="0"/>
+          <a:chOff x="0" y="0"/>
+          <a:chExt cx="0" cy="0"/>
+        </a:xfrm>
+      </p:grpSpPr>
+      <p:sp>
+        <p:nvSpPr>
+          <p:cNvPr id="2" name="Title 1">
+            <a:extLst>
+              <a:ext uri="{FF2B5EF4-FFF2-40B4-BE49-F238E27FC236}">
+                <a16:creationId xmlns:a16="http://schemas.microsoft.com/office/drawing/2014/main" id="{FCC4AADB-5735-ADFA-FF70-FE012E63782F}"/>
+              </a:ext>
+            </a:extLst>
+          </p:cNvPr>
+          <p:cNvSpPr>
+            <a:spLocks noGrp="1"/>
+          </p:cNvSpPr>
+          <p:nvPr>
+            <p:ph type="title"/>
+          </p:nvPr>
+        </p:nvSpPr>
+        <p:spPr/>
+        <p:txBody>
+          <a:bodyPr>
+            <a:normAutofit fontScale="90000"/>
+          </a:bodyPr>
+          <a:lstStyle/>
+          <a:p>
+            <a:r>
+              <a:rPr lang="en-US" dirty="0"/>
+              <a:t>Create secret in Vault – Enable a secret engine</a:t>
+            </a:r>
+          </a:p>
+        </p:txBody>
+      </p:sp>
+      <p:sp>
+        <p:nvSpPr>
+          <p:cNvPr id="4" name="Rectangle 7">
+            <a:extLst>
+              <a:ext uri="{FF2B5EF4-FFF2-40B4-BE49-F238E27FC236}">
+                <a16:creationId xmlns:a16="http://schemas.microsoft.com/office/drawing/2014/main" id="{B3FF799A-7ABB-4B11-CDC5-C60BC0FEC2CB}"/>
+              </a:ext>
+            </a:extLst>
+          </p:cNvPr>
+          <p:cNvSpPr>
+            <a:spLocks noChangeArrowheads="1"/>
+          </p:cNvSpPr>
+          <p:nvPr/>
+        </p:nvSpPr>
+        <p:spPr bwMode="auto">
+          <a:xfrm>
+            <a:off x="0" y="0"/>
+            <a:ext cx="12192000" cy="457200"/>
+          </a:xfrm>
+          <a:prstGeom prst="rect">
+            <a:avLst/>
+          </a:prstGeom>
+          <a:noFill/>
+          <a:ln>
+            <a:noFill/>
+          </a:ln>
+          <a:effectLst/>
+          <a:extLst>
+            <a:ext uri="{909E8E84-426E-40DD-AFC4-6F175D3DCCD1}">
+              <a14:hiddenFill xmlns:a14="http://schemas.microsoft.com/office/drawing/2010/main">
+                <a:solidFill>
+                  <a:schemeClr val="accent1"/>
+                </a:solidFill>
+              </a14:hiddenFill>
+            </a:ext>
+            <a:ext uri="{91240B29-F687-4F45-9708-019B960494DF}">
+              <a14:hiddenLine xmlns:a14="http://schemas.microsoft.com/office/drawing/2010/main" w="9525">
+                <a:solidFill>
+                  <a:schemeClr val="tx1"/>
+                </a:solidFill>
+                <a:miter lim="800000"/>
+                <a:headEnd/>
+                <a:tailEnd/>
+              </a14:hiddenLine>
+            </a:ext>
+            <a:ext uri="{AF507438-7753-43E0-B8FC-AC1667EBCBE1}">
+              <a14:hiddenEffects xmlns:a14="http://schemas.microsoft.com/office/drawing/2010/main">
+                <a:effectLst>
+                  <a:outerShdw dist="35921" dir="2700000" algn="ctr" rotWithShape="0">
+                    <a:schemeClr val="bg2"/>
+                  </a:outerShdw>
+                </a:effectLst>
+              </a14:hiddenEffects>
+            </a:ext>
+          </a:extLst>
+        </p:spPr>
+        <p:txBody>
+          <a:bodyPr vert="horz" wrap="none" lIns="91440" tIns="45720" rIns="91440" bIns="45720" numCol="1" anchor="ctr" anchorCtr="0" compatLnSpc="1">
+            <a:prstTxWarp prst="textNoShape">
+              <a:avLst/>
+            </a:prstTxWarp>
+            <a:spAutoFit/>
+          </a:bodyPr>
+          <a:lstStyle/>
+          <a:p>
+            <a:endParaRPr lang="en-US"/>
+          </a:p>
+        </p:txBody>
+      </p:sp>
+      <p:pic>
+        <p:nvPicPr>
+          <p:cNvPr id="9" name="Picture 8">
+            <a:extLst>
+              <a:ext uri="{FF2B5EF4-FFF2-40B4-BE49-F238E27FC236}">
+                <a16:creationId xmlns:a16="http://schemas.microsoft.com/office/drawing/2014/main" id="{39284F90-6B8A-D4A0-188D-777F94207595}"/>
+              </a:ext>
+            </a:extLst>
+          </p:cNvPr>
+          <p:cNvPicPr>
+            <a:picLocks noChangeAspect="1"/>
+          </p:cNvPicPr>
+          <p:nvPr/>
+        </p:nvPicPr>
+        <p:blipFill>
+          <a:blip r:embed="rId2"/>
+          <a:stretch>
+            <a:fillRect/>
+          </a:stretch>
+        </p:blipFill>
+        <p:spPr>
+          <a:xfrm>
+            <a:off x="973393" y="1204219"/>
+            <a:ext cx="8967019" cy="4951625"/>
+          </a:xfrm>
+          <a:prstGeom prst="rect">
+            <a:avLst/>
+          </a:prstGeom>
+        </p:spPr>
+      </p:pic>
+    </p:spTree>
+    <p:extLst>
+      <p:ext uri="{BB962C8B-B14F-4D97-AF65-F5344CB8AC3E}">
+        <p14:creationId xmlns:p14="http://schemas.microsoft.com/office/powerpoint/2010/main" val="1465915250"/>
+      </p:ext>
+    </p:extLst>
+  </p:cSld>
+  <p:clrMapOvr>
+    <a:masterClrMapping/>
+  </p:clrMapOvr>
+</p:sld>
+</file>
+
+<file path=ppt/slides/slide9.xml><?xml version="1.0" encoding="utf-8"?>
+<p:sld xmlns:a="http://schemas.openxmlformats.org/drawingml/2006/main" xmlns:r="http://schemas.openxmlformats.org/officeDocument/2006/relationships" xmlns:p="http://schemas.openxmlformats.org/presentationml/2006/main">
+  <p:cSld>
+    <p:spTree>
+      <p:nvGrpSpPr>
+        <p:cNvPr id="1" name=""/>
+        <p:cNvGrpSpPr/>
+        <p:nvPr/>
+      </p:nvGrpSpPr>
+      <p:grpSpPr>
+        <a:xfrm>
+          <a:off x="0" y="0"/>
+          <a:ext cx="0" cy="0"/>
+          <a:chOff x="0" y="0"/>
+          <a:chExt cx="0" cy="0"/>
+        </a:xfrm>
+      </p:grpSpPr>
+      <p:sp>
+        <p:nvSpPr>
+          <p:cNvPr id="2" name="Title 1">
+            <a:extLst>
+              <a:ext uri="{FF2B5EF4-FFF2-40B4-BE49-F238E27FC236}">
+                <a16:creationId xmlns:a16="http://schemas.microsoft.com/office/drawing/2014/main" id="{FCC4AADB-5735-ADFA-FF70-FE012E63782F}"/>
+              </a:ext>
+            </a:extLst>
+          </p:cNvPr>
+          <p:cNvSpPr>
+            <a:spLocks noGrp="1"/>
+          </p:cNvSpPr>
+          <p:nvPr>
+            <p:ph type="title"/>
+          </p:nvPr>
+        </p:nvSpPr>
+        <p:spPr/>
+        <p:txBody>
+          <a:bodyPr>
+            <a:normAutofit fontScale="90000"/>
+          </a:bodyPr>
+          <a:lstStyle/>
+          <a:p>
+            <a:r>
+              <a:rPr lang="en-US" dirty="0"/>
+              <a:t>Create user</a:t>
+            </a:r>
+          </a:p>
+        </p:txBody>
+      </p:sp>
+      <p:sp>
+        <p:nvSpPr>
+          <p:cNvPr id="4" name="Rectangle 7">
+            <a:extLst>
+              <a:ext uri="{FF2B5EF4-FFF2-40B4-BE49-F238E27FC236}">
+                <a16:creationId xmlns:a16="http://schemas.microsoft.com/office/drawing/2014/main" id="{B3FF799A-7ABB-4B11-CDC5-C60BC0FEC2CB}"/>
+              </a:ext>
+            </a:extLst>
+          </p:cNvPr>
+          <p:cNvSpPr>
+            <a:spLocks noChangeArrowheads="1"/>
+          </p:cNvSpPr>
+          <p:nvPr/>
+        </p:nvSpPr>
+        <p:spPr bwMode="auto">
+          <a:xfrm>
+            <a:off x="0" y="0"/>
+            <a:ext cx="12192000" cy="457200"/>
+          </a:xfrm>
+          <a:prstGeom prst="rect">
+            <a:avLst/>
+          </a:prstGeom>
+          <a:noFill/>
+          <a:ln>
+            <a:noFill/>
+          </a:ln>
+          <a:effectLst/>
+          <a:extLst>
+            <a:ext uri="{909E8E84-426E-40DD-AFC4-6F175D3DCCD1}">
+              <a14:hiddenFill xmlns:a14="http://schemas.microsoft.com/office/drawing/2010/main">
+                <a:solidFill>
+                  <a:schemeClr val="accent1"/>
+                </a:solidFill>
+              </a14:hiddenFill>
+            </a:ext>
+            <a:ext uri="{91240B29-F687-4F45-9708-019B960494DF}">
+              <a14:hiddenLine xmlns:a14="http://schemas.microsoft.com/office/drawing/2010/main" w="9525">
+                <a:solidFill>
+                  <a:schemeClr val="tx1"/>
+                </a:solidFill>
+                <a:miter lim="800000"/>
+                <a:headEnd/>
+                <a:tailEnd/>
+              </a14:hiddenLine>
+            </a:ext>
+            <a:ext uri="{AF507438-7753-43E0-B8FC-AC1667EBCBE1}">
+              <a14:hiddenEffects xmlns:a14="http://schemas.microsoft.com/office/drawing/2010/main">
+                <a:effectLst>
+                  <a:outerShdw dist="35921" dir="2700000" algn="ctr" rotWithShape="0">
+                    <a:schemeClr val="bg2"/>
+                  </a:outerShdw>
+                </a:effectLst>
+              </a14:hiddenEffects>
+            </a:ext>
+          </a:extLst>
+        </p:spPr>
+        <p:txBody>
+          <a:bodyPr vert="horz" wrap="none" lIns="91440" tIns="45720" rIns="91440" bIns="45720" numCol="1" anchor="ctr" anchorCtr="0" compatLnSpc="1">
+            <a:prstTxWarp prst="textNoShape">
+              <a:avLst/>
+            </a:prstTxWarp>
+            <a:spAutoFit/>
+          </a:bodyPr>
+          <a:lstStyle/>
+          <a:p>
+            <a:endParaRPr lang="en-US"/>
+          </a:p>
+        </p:txBody>
+      </p:sp>
+      <p:pic>
+        <p:nvPicPr>
+          <p:cNvPr id="5" name="Picture 4">
+            <a:extLst>
+              <a:ext uri="{FF2B5EF4-FFF2-40B4-BE49-F238E27FC236}">
+                <a16:creationId xmlns:a16="http://schemas.microsoft.com/office/drawing/2014/main" id="{11C5F0DB-86AB-3C9B-66F8-CC84DA7AD04E}"/>
+              </a:ext>
+            </a:extLst>
+          </p:cNvPr>
+          <p:cNvPicPr>
+            <a:picLocks noChangeAspect="1"/>
+          </p:cNvPicPr>
+          <p:nvPr/>
+        </p:nvPicPr>
+        <p:blipFill>
+          <a:blip r:embed="rId2"/>
+          <a:stretch>
+            <a:fillRect/>
+          </a:stretch>
+        </p:blipFill>
+        <p:spPr>
+          <a:xfrm>
+            <a:off x="154768" y="1420613"/>
+            <a:ext cx="8200103" cy="1479887"/>
+          </a:xfrm>
+          <a:prstGeom prst="rect">
+            <a:avLst/>
+          </a:prstGeom>
+          <a:ln>
+            <a:solidFill>
+              <a:schemeClr val="tx1"/>
+            </a:solidFill>
+          </a:ln>
+        </p:spPr>
+      </p:pic>
+      <p:pic>
+        <p:nvPicPr>
+          <p:cNvPr id="7" name="Picture 6">
+            <a:extLst>
+              <a:ext uri="{FF2B5EF4-FFF2-40B4-BE49-F238E27FC236}">
+                <a16:creationId xmlns:a16="http://schemas.microsoft.com/office/drawing/2014/main" id="{A44878C8-1BC7-68F6-806A-B4BBA88E8A5A}"/>
+              </a:ext>
+            </a:extLst>
+          </p:cNvPr>
+          <p:cNvPicPr>
+            <a:picLocks noChangeAspect="1"/>
+          </p:cNvPicPr>
+          <p:nvPr/>
+        </p:nvPicPr>
+        <p:blipFill>
+          <a:blip r:embed="rId3"/>
+          <a:stretch>
+            <a:fillRect/>
+          </a:stretch>
+        </p:blipFill>
+        <p:spPr>
+          <a:xfrm>
+            <a:off x="3411793" y="2275173"/>
+            <a:ext cx="5641168" cy="3364656"/>
+          </a:xfrm>
+          <a:prstGeom prst="rect">
+            <a:avLst/>
+          </a:prstGeom>
+          <a:ln>
+            <a:solidFill>
+              <a:schemeClr val="tx1"/>
+            </a:solidFill>
+          </a:ln>
+        </p:spPr>
+      </p:pic>
+      <p:pic>
+        <p:nvPicPr>
+          <p:cNvPr id="10" name="Picture 9">
+            <a:extLst>
+              <a:ext uri="{FF2B5EF4-FFF2-40B4-BE49-F238E27FC236}">
+                <a16:creationId xmlns:a16="http://schemas.microsoft.com/office/drawing/2014/main" id="{1A5454B0-7CE3-A74D-E558-96DD052933DD}"/>
+              </a:ext>
+            </a:extLst>
+          </p:cNvPr>
+          <p:cNvPicPr>
+            <a:picLocks noChangeAspect="1"/>
+          </p:cNvPicPr>
+          <p:nvPr/>
+        </p:nvPicPr>
+        <p:blipFill>
+          <a:blip r:embed="rId4"/>
+          <a:stretch>
+            <a:fillRect/>
+          </a:stretch>
+        </p:blipFill>
+        <p:spPr>
+          <a:xfrm>
+            <a:off x="7026754" y="4431584"/>
+            <a:ext cx="5165246" cy="2416489"/>
+          </a:xfrm>
+          <a:prstGeom prst="rect">
+            <a:avLst/>
+          </a:prstGeom>
+          <a:ln>
+            <a:solidFill>
+              <a:schemeClr val="tx1"/>
+            </a:solidFill>
+          </a:ln>
+        </p:spPr>
+      </p:pic>
+    </p:spTree>
+    <p:extLst>
+      <p:ext uri="{BB962C8B-B14F-4D97-AF65-F5344CB8AC3E}">
+        <p14:creationId xmlns:p14="http://schemas.microsoft.com/office/powerpoint/2010/main" val="1109043709"/>
       </p:ext>
     </p:extLst>
   </p:cSld>
@@ -6927,24 +7692,6 @@
 </file>
 
 <file path=customXml/item1.xml><?xml version="1.0" encoding="utf-8"?>
-<p:properties xmlns:p="http://schemas.microsoft.com/office/2006/metadata/properties" xmlns:xsi="http://www.w3.org/2001/XMLSchema-instance" xmlns:pc="http://schemas.microsoft.com/office/infopath/2007/PartnerControls">
-  <documentManagement>
-    <Status xmlns="71af3243-3dd4-4a8d-8c0d-dd76da1f02a5">Not started</Status>
-    <MediaServiceKeyPoints xmlns="71af3243-3dd4-4a8d-8c0d-dd76da1f02a5" xsi:nil="true"/>
-  </documentManagement>
-</p:properties>
-</file>
-
-<file path=customXml/item2.xml><?xml version="1.0" encoding="utf-8"?>
-<?mso-contentType ?>
-<FormTemplates xmlns="http://schemas.microsoft.com/sharepoint/v3/contenttype/forms">
-  <Display>DocumentLibraryForm</Display>
-  <Edit>DocumentLibraryForm</Edit>
-  <New>DocumentLibraryForm</New>
-</FormTemplates>
-</file>
-
-<file path=customXml/item3.xml><?xml version="1.0" encoding="utf-8"?>
 <ct:contentTypeSchema xmlns:ct="http://schemas.microsoft.com/office/2006/metadata/contentType" xmlns:ma="http://schemas.microsoft.com/office/2006/metadata/properties/metaAttributes" ct:_="" ma:_="" ma:contentTypeName="Document" ma:contentTypeID="0x01010079F111ED35F8CC479449609E8A0923A6" ma:contentTypeVersion="12" ma:contentTypeDescription="Create a new document." ma:contentTypeScope="" ma:versionID="a410dd7f93c95333ffa1b60ed6adedd1">
   <xsd:schema xmlns:xsd="http://www.w3.org/2001/XMLSchema" xmlns:xs="http://www.w3.org/2001/XMLSchema" xmlns:p="http://schemas.microsoft.com/office/2006/metadata/properties" xmlns:ns2="71af3243-3dd4-4a8d-8c0d-dd76da1f02a5" xmlns:ns3="16c05727-aa75-4e4a-9b5f-8a80a1165891" targetNamespace="http://schemas.microsoft.com/office/2006/metadata/properties" ma:root="true" ma:fieldsID="a936d9baba76aa3866493feff160faab" ns2:_="" ns3:_="">
     <xsd:import namespace="71af3243-3dd4-4a8d-8c0d-dd76da1f02a5"/>
@@ -7165,25 +7912,25 @@
 </ct:contentTypeSchema>
 </file>
 
-<file path=customXml/itemProps1.xml><?xml version="1.0" encoding="utf-8"?>
-<ds:datastoreItem xmlns:ds="http://schemas.openxmlformats.org/officeDocument/2006/customXml" ds:itemID="{8D289AE2-D2AE-49D1-AFAC-3A79F6794255}">
-  <ds:schemaRefs>
-    <ds:schemaRef ds:uri="http://schemas.microsoft.com/office/2006/metadata/properties"/>
-    <ds:schemaRef ds:uri="http://schemas.microsoft.com/office/infopath/2007/PartnerControls"/>
-    <ds:schemaRef ds:uri="71af3243-3dd4-4a8d-8c0d-dd76da1f02a5"/>
-  </ds:schemaRefs>
-</ds:datastoreItem>
+<file path=customXml/item2.xml><?xml version="1.0" encoding="utf-8"?>
+<?mso-contentType ?>
+<FormTemplates xmlns="http://schemas.microsoft.com/sharepoint/v3/contenttype/forms">
+  <Display>DocumentLibraryForm</Display>
+  <Edit>DocumentLibraryForm</Edit>
+  <New>DocumentLibraryForm</New>
+</FormTemplates>
 </file>
 
-<file path=customXml/itemProps2.xml><?xml version="1.0" encoding="utf-8"?>
-<ds:datastoreItem xmlns:ds="http://schemas.openxmlformats.org/officeDocument/2006/customXml" ds:itemID="{927BD4C1-B6B1-4715-ABF9-E660A51A4EA0}">
-  <ds:schemaRefs>
-    <ds:schemaRef ds:uri="http://schemas.microsoft.com/sharepoint/v3/contenttype/forms"/>
-  </ds:schemaRefs>
-</ds:datastoreItem>
+<file path=customXml/item3.xml><?xml version="1.0" encoding="utf-8"?>
+<p:properties xmlns:p="http://schemas.microsoft.com/office/2006/metadata/properties" xmlns:xsi="http://www.w3.org/2001/XMLSchema-instance" xmlns:pc="http://schemas.microsoft.com/office/infopath/2007/PartnerControls">
+  <documentManagement>
+    <Status xmlns="71af3243-3dd4-4a8d-8c0d-dd76da1f02a5">Not started</Status>
+    <MediaServiceKeyPoints xmlns="71af3243-3dd4-4a8d-8c0d-dd76da1f02a5" xsi:nil="true"/>
+  </documentManagement>
+</p:properties>
 </file>
 
-<file path=customXml/itemProps3.xml><?xml version="1.0" encoding="utf-8"?>
+<file path=customXml/itemProps1.xml><?xml version="1.0" encoding="utf-8"?>
 <ds:datastoreItem xmlns:ds="http://schemas.openxmlformats.org/officeDocument/2006/customXml" ds:itemID="{41E7CA09-9778-4414-AE97-8064B12DA30E}">
   <ds:schemaRefs>
     <ds:schemaRef ds:uri="http://schemas.microsoft.com/office/2006/metadata/contentType"/>
@@ -7200,4 +7947,22 @@
     <ds:schemaRef ds:uri="http://schemas.microsoft.com/internal/obd"/>
   </ds:schemaRefs>
 </ds:datastoreItem>
+</file>
+
+<file path=customXml/itemProps2.xml><?xml version="1.0" encoding="utf-8"?>
+<ds:datastoreItem xmlns:ds="http://schemas.openxmlformats.org/officeDocument/2006/customXml" ds:itemID="{927BD4C1-B6B1-4715-ABF9-E660A51A4EA0}">
+  <ds:schemaRefs>
+    <ds:schemaRef ds:uri="http://schemas.microsoft.com/sharepoint/v3/contenttype/forms"/>
+  </ds:schemaRefs>
+</ds:datastoreItem>
+</file>
+
+<file path=customXml/itemProps3.xml><?xml version="1.0" encoding="utf-8"?>
+<ds:datastoreItem xmlns:ds="http://schemas.openxmlformats.org/officeDocument/2006/customXml" ds:itemID="{8D289AE2-D2AE-49D1-AFAC-3A79F6794255}">
+  <ds:schemaRefs>
+    <ds:schemaRef ds:uri="http://schemas.microsoft.com/office/2006/metadata/properties"/>
+    <ds:schemaRef ds:uri="http://schemas.microsoft.com/office/infopath/2007/PartnerControls"/>
+    <ds:schemaRef ds:uri="71af3243-3dd4-4a8d-8c0d-dd76da1f02a5"/>
+  </ds:schemaRefs>
+</ds:datastoreItem>
 </file>